--- a/FiDaGabi.pptx
+++ b/FiDaGabi.pptx
@@ -7,6 +7,7 @@
   <p:sldIdLst>
     <p:sldId id="256" r:id="rId2"/>
     <p:sldId id="257" r:id="rId3"/>
+    <p:sldId id="258" r:id="rId4"/>
   </p:sldIdLst>
   <p:sldSz cx="9144000" cy="6858000" type="screen4x3"/>
   <p:notesSz cx="6858000" cy="9144000"/>
@@ -289,7 +290,7 @@
           <a:p>
             <a:fld id="{6D925552-5227-46DA-ABDB-4F48A5DEF53C}" type="datetimeFigureOut">
               <a:rPr lang="pt-BR" smtClean="0"/>
-              <a:t>19/02/2020</a:t>
+              <a:t>20/02/2020</a:t>
             </a:fld>
             <a:endParaRPr lang="pt-BR"/>
           </a:p>
@@ -459,7 +460,7 @@
           <a:p>
             <a:fld id="{6D925552-5227-46DA-ABDB-4F48A5DEF53C}" type="datetimeFigureOut">
               <a:rPr lang="pt-BR" smtClean="0"/>
-              <a:t>19/02/2020</a:t>
+              <a:t>20/02/2020</a:t>
             </a:fld>
             <a:endParaRPr lang="pt-BR"/>
           </a:p>
@@ -639,7 +640,7 @@
           <a:p>
             <a:fld id="{6D925552-5227-46DA-ABDB-4F48A5DEF53C}" type="datetimeFigureOut">
               <a:rPr lang="pt-BR" smtClean="0"/>
-              <a:t>19/02/2020</a:t>
+              <a:t>20/02/2020</a:t>
             </a:fld>
             <a:endParaRPr lang="pt-BR"/>
           </a:p>
@@ -809,7 +810,7 @@
           <a:p>
             <a:fld id="{6D925552-5227-46DA-ABDB-4F48A5DEF53C}" type="datetimeFigureOut">
               <a:rPr lang="pt-BR" smtClean="0"/>
-              <a:t>19/02/2020</a:t>
+              <a:t>20/02/2020</a:t>
             </a:fld>
             <a:endParaRPr lang="pt-BR"/>
           </a:p>
@@ -1055,7 +1056,7 @@
           <a:p>
             <a:fld id="{6D925552-5227-46DA-ABDB-4F48A5DEF53C}" type="datetimeFigureOut">
               <a:rPr lang="pt-BR" smtClean="0"/>
-              <a:t>19/02/2020</a:t>
+              <a:t>20/02/2020</a:t>
             </a:fld>
             <a:endParaRPr lang="pt-BR"/>
           </a:p>
@@ -1343,7 +1344,7 @@
           <a:p>
             <a:fld id="{6D925552-5227-46DA-ABDB-4F48A5DEF53C}" type="datetimeFigureOut">
               <a:rPr lang="pt-BR" smtClean="0"/>
-              <a:t>19/02/2020</a:t>
+              <a:t>20/02/2020</a:t>
             </a:fld>
             <a:endParaRPr lang="pt-BR"/>
           </a:p>
@@ -1765,7 +1766,7 @@
           <a:p>
             <a:fld id="{6D925552-5227-46DA-ABDB-4F48A5DEF53C}" type="datetimeFigureOut">
               <a:rPr lang="pt-BR" smtClean="0"/>
-              <a:t>19/02/2020</a:t>
+              <a:t>20/02/2020</a:t>
             </a:fld>
             <a:endParaRPr lang="pt-BR"/>
           </a:p>
@@ -1883,7 +1884,7 @@
           <a:p>
             <a:fld id="{6D925552-5227-46DA-ABDB-4F48A5DEF53C}" type="datetimeFigureOut">
               <a:rPr lang="pt-BR" smtClean="0"/>
-              <a:t>19/02/2020</a:t>
+              <a:t>20/02/2020</a:t>
             </a:fld>
             <a:endParaRPr lang="pt-BR"/>
           </a:p>
@@ -1978,7 +1979,7 @@
           <a:p>
             <a:fld id="{6D925552-5227-46DA-ABDB-4F48A5DEF53C}" type="datetimeFigureOut">
               <a:rPr lang="pt-BR" smtClean="0"/>
-              <a:t>19/02/2020</a:t>
+              <a:t>20/02/2020</a:t>
             </a:fld>
             <a:endParaRPr lang="pt-BR"/>
           </a:p>
@@ -2255,7 +2256,7 @@
           <a:p>
             <a:fld id="{6D925552-5227-46DA-ABDB-4F48A5DEF53C}" type="datetimeFigureOut">
               <a:rPr lang="pt-BR" smtClean="0"/>
-              <a:t>19/02/2020</a:t>
+              <a:t>20/02/2020</a:t>
             </a:fld>
             <a:endParaRPr lang="pt-BR"/>
           </a:p>
@@ -2508,7 +2509,7 @@
           <a:p>
             <a:fld id="{6D925552-5227-46DA-ABDB-4F48A5DEF53C}" type="datetimeFigureOut">
               <a:rPr lang="pt-BR" smtClean="0"/>
-              <a:t>19/02/2020</a:t>
+              <a:t>20/02/2020</a:t>
             </a:fld>
             <a:endParaRPr lang="pt-BR"/>
           </a:p>
@@ -2721,7 +2722,7 @@
           <a:p>
             <a:fld id="{6D925552-5227-46DA-ABDB-4F48A5DEF53C}" type="datetimeFigureOut">
               <a:rPr lang="pt-BR" smtClean="0"/>
-              <a:t>19/02/2020</a:t>
+              <a:t>20/02/2020</a:t>
             </a:fld>
             <a:endParaRPr lang="pt-BR"/>
           </a:p>
@@ -4318,7 +4319,7 @@
           <p:cNvPr id="18" name="Retângulo 17">
             <a:extLst>
               <a:ext uri="{FF2B5EF4-FFF2-40B4-BE49-F238E27FC236}">
-                <a16:creationId xmlns:a16="http://schemas.microsoft.com/office/drawing/2014/main" xmlns="" id="{6F404015-AABF-4731-91AC-7F3FABBA5249}"/>
+                <a16:creationId xmlns="" xmlns:a16="http://schemas.microsoft.com/office/drawing/2014/main" id="{6F404015-AABF-4731-91AC-7F3FABBA5249}"/>
               </a:ext>
             </a:extLst>
           </p:cNvPr>
@@ -4373,7 +4374,7 @@
           <p:cNvPr id="19" name="Forma Livre: Forma 47">
             <a:extLst>
               <a:ext uri="{FF2B5EF4-FFF2-40B4-BE49-F238E27FC236}">
-                <a16:creationId xmlns:a16="http://schemas.microsoft.com/office/drawing/2014/main" xmlns="" id="{A873BB0C-41BB-4630-A7F6-E7F41D247BF5}"/>
+                <a16:creationId xmlns="" xmlns:a16="http://schemas.microsoft.com/office/drawing/2014/main" id="{A873BB0C-41BB-4630-A7F6-E7F41D247BF5}"/>
               </a:ext>
             </a:extLst>
           </p:cNvPr>
@@ -4538,7 +4539,7 @@
           <p:cNvPr id="20" name="Retângulo 19">
             <a:extLst>
               <a:ext uri="{FF2B5EF4-FFF2-40B4-BE49-F238E27FC236}">
-                <a16:creationId xmlns:a16="http://schemas.microsoft.com/office/drawing/2014/main" xmlns="" id="{80C143DB-3576-4BE4-827A-8346D2D07E40}"/>
+                <a16:creationId xmlns="" xmlns:a16="http://schemas.microsoft.com/office/drawing/2014/main" id="{80C143DB-3576-4BE4-827A-8346D2D07E40}"/>
               </a:ext>
             </a:extLst>
           </p:cNvPr>
@@ -4593,7 +4594,7 @@
           <p:cNvPr id="21" name="Forma Livre: Forma 49">
             <a:extLst>
               <a:ext uri="{FF2B5EF4-FFF2-40B4-BE49-F238E27FC236}">
-                <a16:creationId xmlns:a16="http://schemas.microsoft.com/office/drawing/2014/main" xmlns="" id="{41453F3A-CCFA-4C9D-AB76-D9A8CED0195A}"/>
+                <a16:creationId xmlns="" xmlns:a16="http://schemas.microsoft.com/office/drawing/2014/main" id="{41453F3A-CCFA-4C9D-AB76-D9A8CED0195A}"/>
               </a:ext>
             </a:extLst>
           </p:cNvPr>
@@ -4758,7 +4759,7 @@
           <p:cNvPr id="22" name="Retângulo 21">
             <a:extLst>
               <a:ext uri="{FF2B5EF4-FFF2-40B4-BE49-F238E27FC236}">
-                <a16:creationId xmlns:a16="http://schemas.microsoft.com/office/drawing/2014/main" xmlns="" id="{AAE567ED-5815-4493-B2FA-CE69C8A3E85A}"/>
+                <a16:creationId xmlns="" xmlns:a16="http://schemas.microsoft.com/office/drawing/2014/main" id="{AAE567ED-5815-4493-B2FA-CE69C8A3E85A}"/>
               </a:ext>
             </a:extLst>
           </p:cNvPr>
@@ -4813,7 +4814,7 @@
           <p:cNvPr id="23" name="Retângulo 22">
             <a:extLst>
               <a:ext uri="{FF2B5EF4-FFF2-40B4-BE49-F238E27FC236}">
-                <a16:creationId xmlns:a16="http://schemas.microsoft.com/office/drawing/2014/main" xmlns="" id="{315B7EE7-7DC7-44CF-9324-EA99CE217667}"/>
+                <a16:creationId xmlns="" xmlns:a16="http://schemas.microsoft.com/office/drawing/2014/main" id="{315B7EE7-7DC7-44CF-9324-EA99CE217667}"/>
               </a:ext>
             </a:extLst>
           </p:cNvPr>
@@ -4868,7 +4869,7 @@
           <p:cNvPr id="32" name="Elipse 21">
             <a:extLst>
               <a:ext uri="{FF2B5EF4-FFF2-40B4-BE49-F238E27FC236}">
-                <a16:creationId xmlns:a16="http://schemas.microsoft.com/office/drawing/2014/main" xmlns="" id="{75710E18-649E-4C90-AA9D-54148546F283}"/>
+                <a16:creationId xmlns="" xmlns:a16="http://schemas.microsoft.com/office/drawing/2014/main" id="{75710E18-649E-4C90-AA9D-54148546F283}"/>
               </a:ext>
             </a:extLst>
           </p:cNvPr>
@@ -4979,7 +4980,7 @@
           <p:cNvPr id="33" name="Retângulo de cantos arredondados 25">
             <a:extLst>
               <a:ext uri="{FF2B5EF4-FFF2-40B4-BE49-F238E27FC236}">
-                <a16:creationId xmlns:a16="http://schemas.microsoft.com/office/drawing/2014/main" xmlns="" id="{6EB8BABE-13BE-421D-8988-BD96741802C9}"/>
+                <a16:creationId xmlns="" xmlns:a16="http://schemas.microsoft.com/office/drawing/2014/main" id="{6EB8BABE-13BE-421D-8988-BD96741802C9}"/>
               </a:ext>
             </a:extLst>
           </p:cNvPr>
@@ -5036,7 +5037,7 @@
           <p:cNvPr id="34" name="Retângulo de cantos arredondados 26">
             <a:extLst>
               <a:ext uri="{FF2B5EF4-FFF2-40B4-BE49-F238E27FC236}">
-                <a16:creationId xmlns:a16="http://schemas.microsoft.com/office/drawing/2014/main" xmlns="" id="{A21E8A1C-31C6-45A9-9CCB-89ECDCF064CC}"/>
+                <a16:creationId xmlns="" xmlns:a16="http://schemas.microsoft.com/office/drawing/2014/main" id="{A21E8A1C-31C6-45A9-9CCB-89ECDCF064CC}"/>
               </a:ext>
             </a:extLst>
           </p:cNvPr>
@@ -5093,7 +5094,7 @@
           <p:cNvPr id="25" name="Semicírculo 53">
             <a:extLst>
               <a:ext uri="{FF2B5EF4-FFF2-40B4-BE49-F238E27FC236}">
-                <a16:creationId xmlns:a16="http://schemas.microsoft.com/office/drawing/2014/main" xmlns="" id="{E9129E24-551E-4103-AFAA-36A3A7A66E48}"/>
+                <a16:creationId xmlns="" xmlns:a16="http://schemas.microsoft.com/office/drawing/2014/main" id="{E9129E24-551E-4103-AFAA-36A3A7A66E48}"/>
               </a:ext>
             </a:extLst>
           </p:cNvPr>
@@ -5152,7 +5153,7 @@
           <p:cNvPr id="26" name="Retângulo 25">
             <a:extLst>
               <a:ext uri="{FF2B5EF4-FFF2-40B4-BE49-F238E27FC236}">
-                <a16:creationId xmlns:a16="http://schemas.microsoft.com/office/drawing/2014/main" xmlns="" id="{6884C544-38F2-4C3F-B609-8C0B19438E4D}"/>
+                <a16:creationId xmlns="" xmlns:a16="http://schemas.microsoft.com/office/drawing/2014/main" id="{6884C544-38F2-4C3F-B609-8C0B19438E4D}"/>
               </a:ext>
             </a:extLst>
           </p:cNvPr>
@@ -5207,7 +5208,7 @@
           <p:cNvPr id="27" name="Forma Livre: Forma 55">
             <a:extLst>
               <a:ext uri="{FF2B5EF4-FFF2-40B4-BE49-F238E27FC236}">
-                <a16:creationId xmlns:a16="http://schemas.microsoft.com/office/drawing/2014/main" xmlns="" id="{49514120-7B2C-4575-BF94-7E3FA2CB17A8}"/>
+                <a16:creationId xmlns="" xmlns:a16="http://schemas.microsoft.com/office/drawing/2014/main" id="{49514120-7B2C-4575-BF94-7E3FA2CB17A8}"/>
               </a:ext>
             </a:extLst>
           </p:cNvPr>
@@ -5369,7 +5370,7 @@
           <p:cNvPr id="28" name="Retângulo: Cantos Arredondados 56">
             <a:extLst>
               <a:ext uri="{FF2B5EF4-FFF2-40B4-BE49-F238E27FC236}">
-                <a16:creationId xmlns:a16="http://schemas.microsoft.com/office/drawing/2014/main" xmlns="" id="{B12C1964-E4F6-4BAB-B52B-D5235D7F3ED3}"/>
+                <a16:creationId xmlns="" xmlns:a16="http://schemas.microsoft.com/office/drawing/2014/main" id="{B12C1964-E4F6-4BAB-B52B-D5235D7F3ED3}"/>
               </a:ext>
             </a:extLst>
           </p:cNvPr>
@@ -5423,7 +5424,7 @@
           <p:cNvPr id="29" name="Retângulo: Cantos Arredondados 57">
             <a:extLst>
               <a:ext uri="{FF2B5EF4-FFF2-40B4-BE49-F238E27FC236}">
-                <a16:creationId xmlns:a16="http://schemas.microsoft.com/office/drawing/2014/main" xmlns="" id="{F81ED313-79DA-45B4-A0CC-8EF7AA548ED1}"/>
+                <a16:creationId xmlns="" xmlns:a16="http://schemas.microsoft.com/office/drawing/2014/main" id="{F81ED313-79DA-45B4-A0CC-8EF7AA548ED1}"/>
               </a:ext>
             </a:extLst>
           </p:cNvPr>
@@ -5477,7 +5478,7 @@
           <p:cNvPr id="30" name="Forma Livre: Forma 58">
             <a:extLst>
               <a:ext uri="{FF2B5EF4-FFF2-40B4-BE49-F238E27FC236}">
-                <a16:creationId xmlns:a16="http://schemas.microsoft.com/office/drawing/2014/main" xmlns="" id="{C306EE25-E17E-41FD-8691-E0E4ACD9A882}"/>
+                <a16:creationId xmlns="" xmlns:a16="http://schemas.microsoft.com/office/drawing/2014/main" id="{C306EE25-E17E-41FD-8691-E0E4ACD9A882}"/>
               </a:ext>
             </a:extLst>
           </p:cNvPr>
@@ -5639,7 +5640,7 @@
           <p:cNvPr id="31" name="Retângulo: Cantos Arredondados 59">
             <a:extLst>
               <a:ext uri="{FF2B5EF4-FFF2-40B4-BE49-F238E27FC236}">
-                <a16:creationId xmlns:a16="http://schemas.microsoft.com/office/drawing/2014/main" xmlns="" id="{3236E70B-7DF0-4743-AFEB-16DD9421F8D9}"/>
+                <a16:creationId xmlns="" xmlns:a16="http://schemas.microsoft.com/office/drawing/2014/main" id="{3236E70B-7DF0-4743-AFEB-16DD9421F8D9}"/>
               </a:ext>
             </a:extLst>
           </p:cNvPr>
@@ -5739,7 +5740,7 @@
           <p:cNvPr id="36" name="Retângulo: Cantos Arredondados 56">
             <a:extLst>
               <a:ext uri="{FF2B5EF4-FFF2-40B4-BE49-F238E27FC236}">
-                <a16:creationId xmlns:a16="http://schemas.microsoft.com/office/drawing/2014/main" xmlns="" id="{B12C1964-E4F6-4BAB-B52B-D5235D7F3ED3}"/>
+                <a16:creationId xmlns="" xmlns:a16="http://schemas.microsoft.com/office/drawing/2014/main" id="{B12C1964-E4F6-4BAB-B52B-D5235D7F3ED3}"/>
               </a:ext>
             </a:extLst>
           </p:cNvPr>
@@ -5793,7 +5794,7 @@
           <p:cNvPr id="37" name="Retângulo: Cantos Arredondados 57">
             <a:extLst>
               <a:ext uri="{FF2B5EF4-FFF2-40B4-BE49-F238E27FC236}">
-                <a16:creationId xmlns:a16="http://schemas.microsoft.com/office/drawing/2014/main" xmlns="" id="{F81ED313-79DA-45B4-A0CC-8EF7AA548ED1}"/>
+                <a16:creationId xmlns="" xmlns:a16="http://schemas.microsoft.com/office/drawing/2014/main" id="{F81ED313-79DA-45B4-A0CC-8EF7AA548ED1}"/>
               </a:ext>
             </a:extLst>
           </p:cNvPr>
@@ -5847,7 +5848,7 @@
           <p:cNvPr id="38" name="Forma Livre: Forma 58">
             <a:extLst>
               <a:ext uri="{FF2B5EF4-FFF2-40B4-BE49-F238E27FC236}">
-                <a16:creationId xmlns:a16="http://schemas.microsoft.com/office/drawing/2014/main" xmlns="" id="{C306EE25-E17E-41FD-8691-E0E4ACD9A882}"/>
+                <a16:creationId xmlns="" xmlns:a16="http://schemas.microsoft.com/office/drawing/2014/main" id="{C306EE25-E17E-41FD-8691-E0E4ACD9A882}"/>
               </a:ext>
             </a:extLst>
           </p:cNvPr>
@@ -5939,7 +5940,7 @@
           <p:cNvPr id="39" name="Retângulo: Cantos Arredondados 59">
             <a:extLst>
               <a:ext uri="{FF2B5EF4-FFF2-40B4-BE49-F238E27FC236}">
-                <a16:creationId xmlns:a16="http://schemas.microsoft.com/office/drawing/2014/main" xmlns="" id="{3236E70B-7DF0-4743-AFEB-16DD9421F8D9}"/>
+                <a16:creationId xmlns="" xmlns:a16="http://schemas.microsoft.com/office/drawing/2014/main" id="{3236E70B-7DF0-4743-AFEB-16DD9421F8D9}"/>
               </a:ext>
             </a:extLst>
           </p:cNvPr>
@@ -5993,7 +5994,7 @@
           <p:cNvPr id="40" name="Retângulo: Cantos Arredondados 59">
             <a:extLst>
               <a:ext uri="{FF2B5EF4-FFF2-40B4-BE49-F238E27FC236}">
-                <a16:creationId xmlns:a16="http://schemas.microsoft.com/office/drawing/2014/main" xmlns="" id="{3236E70B-7DF0-4743-AFEB-16DD9421F8D9}"/>
+                <a16:creationId xmlns="" xmlns:a16="http://schemas.microsoft.com/office/drawing/2014/main" id="{3236E70B-7DF0-4743-AFEB-16DD9421F8D9}"/>
               </a:ext>
             </a:extLst>
           </p:cNvPr>
@@ -6047,7 +6048,7 @@
           <p:cNvPr id="42" name="Forma Livre: Forma 58">
             <a:extLst>
               <a:ext uri="{FF2B5EF4-FFF2-40B4-BE49-F238E27FC236}">
-                <a16:creationId xmlns:a16="http://schemas.microsoft.com/office/drawing/2014/main" xmlns="" id="{C306EE25-E17E-41FD-8691-E0E4ACD9A882}"/>
+                <a16:creationId xmlns="" xmlns:a16="http://schemas.microsoft.com/office/drawing/2014/main" id="{C306EE25-E17E-41FD-8691-E0E4ACD9A882}"/>
               </a:ext>
             </a:extLst>
           </p:cNvPr>
@@ -6209,7 +6210,7 @@
           <p:cNvPr id="43" name="Retângulo: Cantos Arredondados 59">
             <a:extLst>
               <a:ext uri="{FF2B5EF4-FFF2-40B4-BE49-F238E27FC236}">
-                <a16:creationId xmlns:a16="http://schemas.microsoft.com/office/drawing/2014/main" xmlns="" id="{3236E70B-7DF0-4743-AFEB-16DD9421F8D9}"/>
+                <a16:creationId xmlns="" xmlns:a16="http://schemas.microsoft.com/office/drawing/2014/main" id="{3236E70B-7DF0-4743-AFEB-16DD9421F8D9}"/>
               </a:ext>
             </a:extLst>
           </p:cNvPr>
@@ -6393,7 +6394,7 @@
           <p:cNvPr id="45" name="Forma Livre: Forma 55">
             <a:extLst>
               <a:ext uri="{FF2B5EF4-FFF2-40B4-BE49-F238E27FC236}">
-                <a16:creationId xmlns:a16="http://schemas.microsoft.com/office/drawing/2014/main" xmlns="" id="{49514120-7B2C-4575-BF94-7E3FA2CB17A8}"/>
+                <a16:creationId xmlns="" xmlns:a16="http://schemas.microsoft.com/office/drawing/2014/main" id="{49514120-7B2C-4575-BF94-7E3FA2CB17A8}"/>
               </a:ext>
             </a:extLst>
           </p:cNvPr>
@@ -6780,7 +6781,7 @@
           <p:cNvPr id="53" name="Retângulo: Cantos Arredondados 59">
             <a:extLst>
               <a:ext uri="{FF2B5EF4-FFF2-40B4-BE49-F238E27FC236}">
-                <a16:creationId xmlns:a16="http://schemas.microsoft.com/office/drawing/2014/main" xmlns="" id="{3236E70B-7DF0-4743-AFEB-16DD9421F8D9}"/>
+                <a16:creationId xmlns="" xmlns:a16="http://schemas.microsoft.com/office/drawing/2014/main" id="{3236E70B-7DF0-4743-AFEB-16DD9421F8D9}"/>
               </a:ext>
             </a:extLst>
           </p:cNvPr>
@@ -6831,4041 +6832,13 @@
       </p:sp>
       <p:grpSp>
         <p:nvGrpSpPr>
-          <p:cNvPr id="1032" name="Grupo 1031"/>
-          <p:cNvGrpSpPr/>
-          <p:nvPr/>
-        </p:nvGrpSpPr>
-        <p:grpSpPr>
-          <a:xfrm>
-            <a:off x="3256644" y="889166"/>
-            <a:ext cx="5488444" cy="2310910"/>
-            <a:chOff x="4060780" y="2614345"/>
-            <a:chExt cx="4125471" cy="1737030"/>
-          </a:xfrm>
-        </p:grpSpPr>
-        <p:grpSp>
-          <p:nvGrpSpPr>
-            <p:cNvPr id="71" name="Grupo 70"/>
-            <p:cNvGrpSpPr/>
-            <p:nvPr/>
-          </p:nvGrpSpPr>
-          <p:grpSpPr>
-            <a:xfrm rot="19625543" flipH="1">
-              <a:off x="4060780" y="2614345"/>
-              <a:ext cx="1648656" cy="1737030"/>
-              <a:chOff x="2072341" y="404664"/>
-              <a:chExt cx="4242661" cy="4470083"/>
-            </a:xfrm>
-          </p:grpSpPr>
-          <p:sp>
-            <p:nvSpPr>
-              <p:cNvPr id="4" name="Forma livre 3"/>
-              <p:cNvSpPr/>
-              <p:nvPr/>
-            </p:nvSpPr>
-            <p:spPr>
-              <a:xfrm>
-                <a:off x="2510323" y="548680"/>
-                <a:ext cx="3804679" cy="4326067"/>
-              </a:xfrm>
-              <a:custGeom>
-                <a:avLst/>
-                <a:gdLst>
-                  <a:gd name="connsiteX0" fmla="*/ 2831790 w 3804679"/>
-                  <a:gd name="connsiteY0" fmla="*/ 2159138 h 4326067"/>
-                  <a:gd name="connsiteX1" fmla="*/ 3430504 w 3804679"/>
-                  <a:gd name="connsiteY1" fmla="*/ 2583681 h 4326067"/>
-                  <a:gd name="connsiteX2" fmla="*/ 2853561 w 3804679"/>
-                  <a:gd name="connsiteY2" fmla="*/ 3802881 h 4326067"/>
-                  <a:gd name="connsiteX3" fmla="*/ 1569047 w 3804679"/>
-                  <a:gd name="connsiteY3" fmla="*/ 3149738 h 4326067"/>
-                  <a:gd name="connsiteX4" fmla="*/ 1754104 w 3804679"/>
-                  <a:gd name="connsiteY4" fmla="*/ 1538652 h 4326067"/>
-                  <a:gd name="connsiteX5" fmla="*/ 1503733 w 3804679"/>
-                  <a:gd name="connsiteY5" fmla="*/ 177938 h 4326067"/>
-                  <a:gd name="connsiteX6" fmla="*/ 186561 w 3804679"/>
-                  <a:gd name="connsiteY6" fmla="*/ 58195 h 4326067"/>
-                  <a:gd name="connsiteX7" fmla="*/ 77704 w 3804679"/>
-                  <a:gd name="connsiteY7" fmla="*/ 569824 h 4326067"/>
-                  <a:gd name="connsiteX8" fmla="*/ 839704 w 3804679"/>
-                  <a:gd name="connsiteY8" fmla="*/ 569824 h 4326067"/>
-                  <a:gd name="connsiteX9" fmla="*/ 1275133 w 3804679"/>
-                  <a:gd name="connsiteY9" fmla="*/ 678681 h 4326067"/>
-                  <a:gd name="connsiteX10" fmla="*/ 1286018 w 3804679"/>
-                  <a:gd name="connsiteY10" fmla="*/ 1712824 h 4326067"/>
-                  <a:gd name="connsiteX11" fmla="*/ 1035647 w 3804679"/>
-                  <a:gd name="connsiteY11" fmla="*/ 3019109 h 4326067"/>
-                  <a:gd name="connsiteX12" fmla="*/ 1667018 w 3804679"/>
-                  <a:gd name="connsiteY12" fmla="*/ 3998824 h 4326067"/>
-                  <a:gd name="connsiteX13" fmla="*/ 2951533 w 3804679"/>
-                  <a:gd name="connsiteY13" fmla="*/ 4314509 h 4326067"/>
-                  <a:gd name="connsiteX14" fmla="*/ 3615561 w 3804679"/>
-                  <a:gd name="connsiteY14" fmla="*/ 3661366 h 4326067"/>
-                  <a:gd name="connsiteX15" fmla="*/ 3767961 w 3804679"/>
-                  <a:gd name="connsiteY15" fmla="*/ 2507481 h 4326067"/>
-                  <a:gd name="connsiteX16" fmla="*/ 3027733 w 3804679"/>
-                  <a:gd name="connsiteY16" fmla="*/ 1701938 h 4326067"/>
-                  <a:gd name="connsiteX17" fmla="*/ 2603190 w 3804679"/>
-                  <a:gd name="connsiteY17" fmla="*/ 1723709 h 4326067"/>
-                  <a:gd name="connsiteX18" fmla="*/ 2831790 w 3804679"/>
-                  <a:gd name="connsiteY18" fmla="*/ 2159138 h 4326067"/>
-                </a:gdLst>
-                <a:ahLst/>
-                <a:cxnLst>
-                  <a:cxn ang="0">
-                    <a:pos x="connsiteX0" y="connsiteY0"/>
-                  </a:cxn>
-                  <a:cxn ang="0">
-                    <a:pos x="connsiteX1" y="connsiteY1"/>
-                  </a:cxn>
-                  <a:cxn ang="0">
-                    <a:pos x="connsiteX2" y="connsiteY2"/>
-                  </a:cxn>
-                  <a:cxn ang="0">
-                    <a:pos x="connsiteX3" y="connsiteY3"/>
-                  </a:cxn>
-                  <a:cxn ang="0">
-                    <a:pos x="connsiteX4" y="connsiteY4"/>
-                  </a:cxn>
-                  <a:cxn ang="0">
-                    <a:pos x="connsiteX5" y="connsiteY5"/>
-                  </a:cxn>
-                  <a:cxn ang="0">
-                    <a:pos x="connsiteX6" y="connsiteY6"/>
-                  </a:cxn>
-                  <a:cxn ang="0">
-                    <a:pos x="connsiteX7" y="connsiteY7"/>
-                  </a:cxn>
-                  <a:cxn ang="0">
-                    <a:pos x="connsiteX8" y="connsiteY8"/>
-                  </a:cxn>
-                  <a:cxn ang="0">
-                    <a:pos x="connsiteX9" y="connsiteY9"/>
-                  </a:cxn>
-                  <a:cxn ang="0">
-                    <a:pos x="connsiteX10" y="connsiteY10"/>
-                  </a:cxn>
-                  <a:cxn ang="0">
-                    <a:pos x="connsiteX11" y="connsiteY11"/>
-                  </a:cxn>
-                  <a:cxn ang="0">
-                    <a:pos x="connsiteX12" y="connsiteY12"/>
-                  </a:cxn>
-                  <a:cxn ang="0">
-                    <a:pos x="connsiteX13" y="connsiteY13"/>
-                  </a:cxn>
-                  <a:cxn ang="0">
-                    <a:pos x="connsiteX14" y="connsiteY14"/>
-                  </a:cxn>
-                  <a:cxn ang="0">
-                    <a:pos x="connsiteX15" y="connsiteY15"/>
-                  </a:cxn>
-                  <a:cxn ang="0">
-                    <a:pos x="connsiteX16" y="connsiteY16"/>
-                  </a:cxn>
-                  <a:cxn ang="0">
-                    <a:pos x="connsiteX17" y="connsiteY17"/>
-                  </a:cxn>
-                  <a:cxn ang="0">
-                    <a:pos x="connsiteX18" y="connsiteY18"/>
-                  </a:cxn>
-                </a:cxnLst>
-                <a:rect l="l" t="t" r="r" b="b"/>
-                <a:pathLst>
-                  <a:path w="3804679" h="4326067">
-                    <a:moveTo>
-                      <a:pt x="2831790" y="2159138"/>
-                    </a:moveTo>
-                    <a:cubicBezTo>
-                      <a:pt x="2969676" y="2302467"/>
-                      <a:pt x="3426876" y="2309724"/>
-                      <a:pt x="3430504" y="2583681"/>
-                    </a:cubicBezTo>
-                    <a:cubicBezTo>
-                      <a:pt x="3434132" y="2857638"/>
-                      <a:pt x="3163804" y="3708538"/>
-                      <a:pt x="2853561" y="3802881"/>
-                    </a:cubicBezTo>
-                    <a:cubicBezTo>
-                      <a:pt x="2543318" y="3897224"/>
-                      <a:pt x="1752290" y="3527109"/>
-                      <a:pt x="1569047" y="3149738"/>
-                    </a:cubicBezTo>
-                    <a:cubicBezTo>
-                      <a:pt x="1385804" y="2772367"/>
-                      <a:pt x="1764990" y="2033952"/>
-                      <a:pt x="1754104" y="1538652"/>
-                    </a:cubicBezTo>
-                    <a:cubicBezTo>
-                      <a:pt x="1743218" y="1043352"/>
-                      <a:pt x="1764990" y="424681"/>
-                      <a:pt x="1503733" y="177938"/>
-                    </a:cubicBezTo>
-                    <a:cubicBezTo>
-                      <a:pt x="1242476" y="-68805"/>
-                      <a:pt x="424232" y="-7119"/>
-                      <a:pt x="186561" y="58195"/>
-                    </a:cubicBezTo>
-                    <a:cubicBezTo>
-                      <a:pt x="-51110" y="123509"/>
-                      <a:pt x="-31153" y="484552"/>
-                      <a:pt x="77704" y="569824"/>
-                    </a:cubicBezTo>
-                    <a:cubicBezTo>
-                      <a:pt x="186561" y="655095"/>
-                      <a:pt x="640133" y="551681"/>
-                      <a:pt x="839704" y="569824"/>
-                    </a:cubicBezTo>
-                    <a:cubicBezTo>
-                      <a:pt x="1039275" y="587967"/>
-                      <a:pt x="1200747" y="488181"/>
-                      <a:pt x="1275133" y="678681"/>
-                    </a:cubicBezTo>
-                    <a:cubicBezTo>
-                      <a:pt x="1349519" y="869181"/>
-                      <a:pt x="1325932" y="1322753"/>
-                      <a:pt x="1286018" y="1712824"/>
-                    </a:cubicBezTo>
-                    <a:cubicBezTo>
-                      <a:pt x="1246104" y="2102895"/>
-                      <a:pt x="972147" y="2638109"/>
-                      <a:pt x="1035647" y="3019109"/>
-                    </a:cubicBezTo>
-                    <a:cubicBezTo>
-                      <a:pt x="1099147" y="3400109"/>
-                      <a:pt x="1347704" y="3782924"/>
-                      <a:pt x="1667018" y="3998824"/>
-                    </a:cubicBezTo>
-                    <a:cubicBezTo>
-                      <a:pt x="1986332" y="4214724"/>
-                      <a:pt x="2626776" y="4370752"/>
-                      <a:pt x="2951533" y="4314509"/>
-                    </a:cubicBezTo>
-                    <a:cubicBezTo>
-                      <a:pt x="3276290" y="4258266"/>
-                      <a:pt x="3479490" y="3962537"/>
-                      <a:pt x="3615561" y="3661366"/>
-                    </a:cubicBezTo>
-                    <a:cubicBezTo>
-                      <a:pt x="3751632" y="3360195"/>
-                      <a:pt x="3865932" y="2834052"/>
-                      <a:pt x="3767961" y="2507481"/>
-                    </a:cubicBezTo>
-                    <a:cubicBezTo>
-                      <a:pt x="3669990" y="2180910"/>
-                      <a:pt x="3221862" y="1832567"/>
-                      <a:pt x="3027733" y="1701938"/>
-                    </a:cubicBezTo>
-                    <a:cubicBezTo>
-                      <a:pt x="2833605" y="1571309"/>
-                      <a:pt x="2634033" y="1647509"/>
-                      <a:pt x="2603190" y="1723709"/>
-                    </a:cubicBezTo>
-                    <a:cubicBezTo>
-                      <a:pt x="2572347" y="1799909"/>
-                      <a:pt x="2693904" y="2015809"/>
-                      <a:pt x="2831790" y="2159138"/>
-                    </a:cubicBezTo>
-                    <a:close/>
-                  </a:path>
-                </a:pathLst>
-              </a:custGeom>
-              <a:solidFill>
-                <a:schemeClr val="accent6">
-                  <a:lumMod val="60000"/>
-                  <a:lumOff val="40000"/>
-                </a:schemeClr>
-              </a:solidFill>
-              <a:ln>
-                <a:noFill/>
-              </a:ln>
-            </p:spPr>
-            <p:style>
-              <a:lnRef idx="2">
-                <a:schemeClr val="accent1">
-                  <a:shade val="50000"/>
-                </a:schemeClr>
-              </a:lnRef>
-              <a:fillRef idx="1">
-                <a:schemeClr val="accent1"/>
-              </a:fillRef>
-              <a:effectRef idx="0">
-                <a:schemeClr val="accent1"/>
-              </a:effectRef>
-              <a:fontRef idx="minor">
-                <a:schemeClr val="lt1"/>
-              </a:fontRef>
-            </p:style>
-            <p:txBody>
-              <a:bodyPr rtlCol="0" anchor="ctr"/>
-              <a:lstStyle/>
-              <a:p>
-                <a:pPr algn="ctr"/>
-                <a:endParaRPr lang="pt-BR"/>
-              </a:p>
-            </p:txBody>
-          </p:sp>
-          <p:grpSp>
-            <p:nvGrpSpPr>
-              <p:cNvPr id="5" name="Grupo 4"/>
-              <p:cNvGrpSpPr/>
-              <p:nvPr/>
-            </p:nvGrpSpPr>
-            <p:grpSpPr>
-              <a:xfrm>
-                <a:off x="2072341" y="404664"/>
-                <a:ext cx="1195287" cy="612068"/>
-                <a:chOff x="2090649" y="980728"/>
-                <a:chExt cx="1265598" cy="648072"/>
-              </a:xfrm>
-            </p:grpSpPr>
-            <p:grpSp>
-              <p:nvGrpSpPr>
-                <p:cNvPr id="6" name="Grupo 5"/>
-                <p:cNvGrpSpPr/>
-                <p:nvPr/>
-              </p:nvGrpSpPr>
-              <p:grpSpPr>
-                <a:xfrm>
-                  <a:off x="2090649" y="1052736"/>
-                  <a:ext cx="576064" cy="576064"/>
-                  <a:chOff x="2195736" y="980728"/>
-                  <a:chExt cx="720080" cy="720080"/>
-                </a:xfrm>
-              </p:grpSpPr>
-              <p:sp>
-                <p:nvSpPr>
-                  <p:cNvPr id="10" name="Elipse 9"/>
-                  <p:cNvSpPr/>
-                  <p:nvPr/>
-                </p:nvSpPr>
-                <p:spPr>
-                  <a:xfrm>
-                    <a:off x="2195736" y="980728"/>
-                    <a:ext cx="720080" cy="720080"/>
-                  </a:xfrm>
-                  <a:prstGeom prst="ellipse">
-                    <a:avLst/>
-                  </a:prstGeom>
-                  <a:solidFill>
-                    <a:schemeClr val="accent5">
-                      <a:lumMod val="20000"/>
-                      <a:lumOff val="80000"/>
-                    </a:schemeClr>
-                  </a:solidFill>
-                  <a:ln>
-                    <a:noFill/>
-                  </a:ln>
-                </p:spPr>
-                <p:style>
-                  <a:lnRef idx="2">
-                    <a:schemeClr val="accent1">
-                      <a:shade val="50000"/>
-                    </a:schemeClr>
-                  </a:lnRef>
-                  <a:fillRef idx="1">
-                    <a:schemeClr val="accent1"/>
-                  </a:fillRef>
-                  <a:effectRef idx="0">
-                    <a:schemeClr val="accent1"/>
-                  </a:effectRef>
-                  <a:fontRef idx="minor">
-                    <a:schemeClr val="lt1"/>
-                  </a:fontRef>
-                </p:style>
-                <p:txBody>
-                  <a:bodyPr rtlCol="0" anchor="ctr"/>
-                  <a:lstStyle/>
-                  <a:p>
-                    <a:pPr algn="ctr"/>
-                    <a:endParaRPr lang="pt-BR"/>
-                  </a:p>
-                </p:txBody>
-              </p:sp>
-              <p:sp>
-                <p:nvSpPr>
-                  <p:cNvPr id="11" name="Elipse 4"/>
-                  <p:cNvSpPr/>
-                  <p:nvPr/>
-                </p:nvSpPr>
-                <p:spPr>
-                  <a:xfrm>
-                    <a:off x="2411934" y="1124744"/>
-                    <a:ext cx="431875" cy="432048"/>
-                  </a:xfrm>
-                  <a:custGeom>
-                    <a:avLst/>
-                    <a:gdLst/>
-                    <a:ahLst/>
-                    <a:cxnLst/>
-                    <a:rect l="l" t="t" r="r" b="b"/>
-                    <a:pathLst>
-                      <a:path w="431875" h="432048">
-                        <a:moveTo>
-                          <a:pt x="215851" y="0"/>
-                        </a:moveTo>
-                        <a:cubicBezTo>
-                          <a:pt x="335158" y="0"/>
-                          <a:pt x="431875" y="96717"/>
-                          <a:pt x="431875" y="216024"/>
-                        </a:cubicBezTo>
-                        <a:cubicBezTo>
-                          <a:pt x="431875" y="335331"/>
-                          <a:pt x="335158" y="432048"/>
-                          <a:pt x="215851" y="432048"/>
-                        </a:cubicBezTo>
-                        <a:cubicBezTo>
-                          <a:pt x="148977" y="432048"/>
-                          <a:pt x="89200" y="401661"/>
-                          <a:pt x="51833" y="352066"/>
-                        </a:cubicBezTo>
-                        <a:lnTo>
-                          <a:pt x="149777" y="254121"/>
-                        </a:lnTo>
-                        <a:lnTo>
-                          <a:pt x="0" y="214307"/>
-                        </a:lnTo>
-                        <a:cubicBezTo>
-                          <a:pt x="757" y="95790"/>
-                          <a:pt x="97117" y="0"/>
-                          <a:pt x="215851" y="0"/>
-                        </a:cubicBezTo>
-                        <a:close/>
-                      </a:path>
-                    </a:pathLst>
-                  </a:custGeom>
-                  <a:solidFill>
-                    <a:schemeClr val="tx1">
-                      <a:lumMod val="75000"/>
-                      <a:lumOff val="25000"/>
-                    </a:schemeClr>
-                  </a:solidFill>
-                  <a:ln>
-                    <a:noFill/>
-                  </a:ln>
-                </p:spPr>
-                <p:style>
-                  <a:lnRef idx="2">
-                    <a:schemeClr val="accent1">
-                      <a:shade val="50000"/>
-                    </a:schemeClr>
-                  </a:lnRef>
-                  <a:fillRef idx="1">
-                    <a:schemeClr val="accent1"/>
-                  </a:fillRef>
-                  <a:effectRef idx="0">
-                    <a:schemeClr val="accent1"/>
-                  </a:effectRef>
-                  <a:fontRef idx="minor">
-                    <a:schemeClr val="lt1"/>
-                  </a:fontRef>
-                </p:style>
-                <p:txBody>
-                  <a:bodyPr rtlCol="0" anchor="ctr"/>
-                  <a:lstStyle/>
-                  <a:p>
-                    <a:pPr algn="ctr"/>
-                    <a:endParaRPr lang="pt-BR"/>
-                  </a:p>
-                </p:txBody>
-              </p:sp>
-            </p:grpSp>
-            <p:grpSp>
-              <p:nvGrpSpPr>
-                <p:cNvPr id="7" name="Grupo 6"/>
-                <p:cNvGrpSpPr/>
-                <p:nvPr/>
-              </p:nvGrpSpPr>
-              <p:grpSpPr>
-                <a:xfrm flipH="1">
-                  <a:off x="2780183" y="980728"/>
-                  <a:ext cx="576064" cy="576064"/>
-                  <a:chOff x="2195736" y="980728"/>
-                  <a:chExt cx="720080" cy="720080"/>
-                </a:xfrm>
-              </p:grpSpPr>
-              <p:sp>
-                <p:nvSpPr>
-                  <p:cNvPr id="8" name="Elipse 7"/>
-                  <p:cNvSpPr/>
-                  <p:nvPr/>
-                </p:nvSpPr>
-                <p:spPr>
-                  <a:xfrm>
-                    <a:off x="2195736" y="980728"/>
-                    <a:ext cx="720080" cy="720080"/>
-                  </a:xfrm>
-                  <a:prstGeom prst="ellipse">
-                    <a:avLst/>
-                  </a:prstGeom>
-                  <a:solidFill>
-                    <a:schemeClr val="accent5">
-                      <a:lumMod val="20000"/>
-                      <a:lumOff val="80000"/>
-                    </a:schemeClr>
-                  </a:solidFill>
-                  <a:ln>
-                    <a:noFill/>
-                  </a:ln>
-                </p:spPr>
-                <p:style>
-                  <a:lnRef idx="2">
-                    <a:schemeClr val="accent1">
-                      <a:shade val="50000"/>
-                    </a:schemeClr>
-                  </a:lnRef>
-                  <a:fillRef idx="1">
-                    <a:schemeClr val="accent1"/>
-                  </a:fillRef>
-                  <a:effectRef idx="0">
-                    <a:schemeClr val="accent1"/>
-                  </a:effectRef>
-                  <a:fontRef idx="minor">
-                    <a:schemeClr val="lt1"/>
-                  </a:fontRef>
-                </p:style>
-                <p:txBody>
-                  <a:bodyPr rtlCol="0" anchor="ctr"/>
-                  <a:lstStyle/>
-                  <a:p>
-                    <a:pPr algn="ctr"/>
-                    <a:endParaRPr lang="pt-BR"/>
-                  </a:p>
-                </p:txBody>
-              </p:sp>
-              <p:sp>
-                <p:nvSpPr>
-                  <p:cNvPr id="9" name="Elipse 4"/>
-                  <p:cNvSpPr/>
-                  <p:nvPr/>
-                </p:nvSpPr>
-                <p:spPr>
-                  <a:xfrm flipH="1">
-                    <a:off x="2411934" y="1124744"/>
-                    <a:ext cx="431875" cy="432048"/>
-                  </a:xfrm>
-                  <a:custGeom>
-                    <a:avLst/>
-                    <a:gdLst/>
-                    <a:ahLst/>
-                    <a:cxnLst/>
-                    <a:rect l="l" t="t" r="r" b="b"/>
-                    <a:pathLst>
-                      <a:path w="431875" h="432048">
-                        <a:moveTo>
-                          <a:pt x="215851" y="0"/>
-                        </a:moveTo>
-                        <a:cubicBezTo>
-                          <a:pt x="335158" y="0"/>
-                          <a:pt x="431875" y="96717"/>
-                          <a:pt x="431875" y="216024"/>
-                        </a:cubicBezTo>
-                        <a:cubicBezTo>
-                          <a:pt x="431875" y="335331"/>
-                          <a:pt x="335158" y="432048"/>
-                          <a:pt x="215851" y="432048"/>
-                        </a:cubicBezTo>
-                        <a:cubicBezTo>
-                          <a:pt x="148977" y="432048"/>
-                          <a:pt x="89200" y="401661"/>
-                          <a:pt x="51833" y="352066"/>
-                        </a:cubicBezTo>
-                        <a:lnTo>
-                          <a:pt x="149777" y="254121"/>
-                        </a:lnTo>
-                        <a:lnTo>
-                          <a:pt x="0" y="214307"/>
-                        </a:lnTo>
-                        <a:cubicBezTo>
-                          <a:pt x="757" y="95790"/>
-                          <a:pt x="97117" y="0"/>
-                          <a:pt x="215851" y="0"/>
-                        </a:cubicBezTo>
-                        <a:close/>
-                      </a:path>
-                    </a:pathLst>
-                  </a:custGeom>
-                  <a:solidFill>
-                    <a:schemeClr val="tx1">
-                      <a:lumMod val="75000"/>
-                      <a:lumOff val="25000"/>
-                    </a:schemeClr>
-                  </a:solidFill>
-                  <a:ln>
-                    <a:noFill/>
-                  </a:ln>
-                </p:spPr>
-                <p:style>
-                  <a:lnRef idx="2">
-                    <a:schemeClr val="accent1">
-                      <a:shade val="50000"/>
-                    </a:schemeClr>
-                  </a:lnRef>
-                  <a:fillRef idx="1">
-                    <a:schemeClr val="accent1"/>
-                  </a:fillRef>
-                  <a:effectRef idx="0">
-                    <a:schemeClr val="accent1"/>
-                  </a:effectRef>
-                  <a:fontRef idx="minor">
-                    <a:schemeClr val="lt1"/>
-                  </a:fontRef>
-                </p:style>
-                <p:txBody>
-                  <a:bodyPr rtlCol="0" anchor="ctr"/>
-                  <a:lstStyle/>
-                  <a:p>
-                    <a:pPr algn="ctr"/>
-                    <a:endParaRPr lang="pt-BR"/>
-                  </a:p>
-                </p:txBody>
-              </p:sp>
-            </p:grpSp>
-          </p:grpSp>
-          <p:pic>
-            <p:nvPicPr>
-              <p:cNvPr id="1026" name="Picture 2"/>
-              <p:cNvPicPr>
-                <a:picLocks noChangeAspect="1" noChangeArrowheads="1"/>
-              </p:cNvPicPr>
-              <p:nvPr/>
-            </p:nvPicPr>
-            <p:blipFill>
-              <a:blip r:embed="rId2" cstate="print">
-                <a:extLst>
-                  <a:ext uri="{28A0092B-C50C-407E-A947-70E740481C1C}">
-                    <a14:useLocalDpi xmlns:a14="http://schemas.microsoft.com/office/drawing/2010/main" val="0"/>
-                  </a:ext>
-                </a:extLst>
-              </a:blip>
-              <a:srcRect/>
-              <a:stretch>
-                <a:fillRect/>
-              </a:stretch>
-            </p:blipFill>
-            <p:spPr bwMode="auto">
-              <a:xfrm>
-                <a:off x="2648592" y="918561"/>
-                <a:ext cx="128587" cy="60325"/>
-              </a:xfrm>
-              <a:prstGeom prst="rect">
-                <a:avLst/>
-              </a:prstGeom>
-              <a:noFill/>
-              <a:ln>
-                <a:noFill/>
-              </a:ln>
-              <a:effectLst/>
-              <a:extLst>
-                <a:ext uri="{909E8E84-426E-40DD-AFC4-6F175D3DCCD1}">
-                  <a14:hiddenFill xmlns:a14="http://schemas.microsoft.com/office/drawing/2010/main">
-                    <a:solidFill>
-                      <a:schemeClr val="accent1"/>
-                    </a:solidFill>
-                  </a14:hiddenFill>
-                </a:ext>
-                <a:ext uri="{91240B29-F687-4F45-9708-019B960494DF}">
-                  <a14:hiddenLine xmlns:a14="http://schemas.microsoft.com/office/drawing/2010/main" w="9525">
-                    <a:solidFill>
-                      <a:schemeClr val="tx1"/>
-                    </a:solidFill>
-                    <a:miter lim="800000"/>
-                    <a:headEnd/>
-                    <a:tailEnd/>
-                  </a14:hiddenLine>
-                </a:ext>
-                <a:ext uri="{AF507438-7753-43E0-B8FC-AC1667EBCBE1}">
-                  <a14:hiddenEffects xmlns:a14="http://schemas.microsoft.com/office/drawing/2010/main">
-                    <a:effectLst>
-                      <a:outerShdw dist="35921" dir="2700000" algn="ctr" rotWithShape="0">
-                        <a:schemeClr val="bg2"/>
-                      </a:outerShdw>
-                    </a:effectLst>
-                  </a14:hiddenEffects>
-                </a:ext>
-              </a:extLst>
-            </p:spPr>
-          </p:pic>
-        </p:grpSp>
-        <p:grpSp>
-          <p:nvGrpSpPr>
-            <p:cNvPr id="100" name="Grupo 99"/>
-            <p:cNvGrpSpPr/>
-            <p:nvPr/>
-          </p:nvGrpSpPr>
-          <p:grpSpPr>
-            <a:xfrm>
-              <a:off x="5439061" y="3540920"/>
-              <a:ext cx="2747190" cy="643318"/>
-              <a:chOff x="4620542" y="5602098"/>
-              <a:chExt cx="2747190" cy="643318"/>
-            </a:xfrm>
-          </p:grpSpPr>
-          <p:grpSp>
-            <p:nvGrpSpPr>
-              <p:cNvPr id="59" name="Grupo 58"/>
-              <p:cNvGrpSpPr/>
-              <p:nvPr/>
-            </p:nvGrpSpPr>
-            <p:grpSpPr>
-              <a:xfrm>
-                <a:off x="5652120" y="5602098"/>
-                <a:ext cx="627651" cy="619940"/>
-                <a:chOff x="5528525" y="5760537"/>
-                <a:chExt cx="440526" cy="435114"/>
-              </a:xfrm>
-            </p:grpSpPr>
-            <p:sp>
-              <p:nvSpPr>
-                <p:cNvPr id="60" name="Forma Livre: Forma 49">
-                  <a:extLst>
-                    <a:ext uri="{FF2B5EF4-FFF2-40B4-BE49-F238E27FC236}">
-                      <a16:creationId xmlns:a16="http://schemas.microsoft.com/office/drawing/2014/main" xmlns="" id="{41453F3A-CCFA-4C9D-AB76-D9A8CED0195A}"/>
-                    </a:ext>
-                  </a:extLst>
-                </p:cNvPr>
-                <p:cNvSpPr/>
-                <p:nvPr/>
-              </p:nvSpPr>
-              <p:spPr>
-                <a:xfrm>
-                  <a:off x="5528525" y="5760537"/>
-                  <a:ext cx="434878" cy="434878"/>
-                </a:xfrm>
-                <a:custGeom>
-                  <a:avLst/>
-                  <a:gdLst>
-                    <a:gd name="connsiteX0" fmla="*/ 217439 w 434878"/>
-                    <a:gd name="connsiteY0" fmla="*/ 96953 h 434878"/>
-                    <a:gd name="connsiteX1" fmla="*/ 96953 w 434878"/>
-                    <a:gd name="connsiteY1" fmla="*/ 217439 h 434878"/>
-                    <a:gd name="connsiteX2" fmla="*/ 217439 w 434878"/>
-                    <a:gd name="connsiteY2" fmla="*/ 337925 h 434878"/>
-                    <a:gd name="connsiteX3" fmla="*/ 337925 w 434878"/>
-                    <a:gd name="connsiteY3" fmla="*/ 217439 h 434878"/>
-                    <a:gd name="connsiteX4" fmla="*/ 217439 w 434878"/>
-                    <a:gd name="connsiteY4" fmla="*/ 96953 h 434878"/>
-                    <a:gd name="connsiteX5" fmla="*/ 217439 w 434878"/>
-                    <a:gd name="connsiteY5" fmla="*/ 0 h 434878"/>
-                    <a:gd name="connsiteX6" fmla="*/ 434878 w 434878"/>
-                    <a:gd name="connsiteY6" fmla="*/ 217439 h 434878"/>
-                    <a:gd name="connsiteX7" fmla="*/ 217439 w 434878"/>
-                    <a:gd name="connsiteY7" fmla="*/ 434878 h 434878"/>
-                    <a:gd name="connsiteX8" fmla="*/ 0 w 434878"/>
-                    <a:gd name="connsiteY8" fmla="*/ 217439 h 434878"/>
-                    <a:gd name="connsiteX9" fmla="*/ 217439 w 434878"/>
-                    <a:gd name="connsiteY9" fmla="*/ 0 h 434878"/>
-                  </a:gdLst>
-                  <a:ahLst/>
-                  <a:cxnLst>
-                    <a:cxn ang="0">
-                      <a:pos x="connsiteX0" y="connsiteY0"/>
-                    </a:cxn>
-                    <a:cxn ang="0">
-                      <a:pos x="connsiteX1" y="connsiteY1"/>
-                    </a:cxn>
-                    <a:cxn ang="0">
-                      <a:pos x="connsiteX2" y="connsiteY2"/>
-                    </a:cxn>
-                    <a:cxn ang="0">
-                      <a:pos x="connsiteX3" y="connsiteY3"/>
-                    </a:cxn>
-                    <a:cxn ang="0">
-                      <a:pos x="connsiteX4" y="connsiteY4"/>
-                    </a:cxn>
-                    <a:cxn ang="0">
-                      <a:pos x="connsiteX5" y="connsiteY5"/>
-                    </a:cxn>
-                    <a:cxn ang="0">
-                      <a:pos x="connsiteX6" y="connsiteY6"/>
-                    </a:cxn>
-                    <a:cxn ang="0">
-                      <a:pos x="connsiteX7" y="connsiteY7"/>
-                    </a:cxn>
-                    <a:cxn ang="0">
-                      <a:pos x="connsiteX8" y="connsiteY8"/>
-                    </a:cxn>
-                    <a:cxn ang="0">
-                      <a:pos x="connsiteX9" y="connsiteY9"/>
-                    </a:cxn>
-                  </a:cxnLst>
-                  <a:rect l="l" t="t" r="r" b="b"/>
-                  <a:pathLst>
-                    <a:path w="434878" h="434878">
-                      <a:moveTo>
-                        <a:pt x="217439" y="96953"/>
-                      </a:moveTo>
-                      <a:cubicBezTo>
-                        <a:pt x="150896" y="96953"/>
-                        <a:pt x="96953" y="150896"/>
-                        <a:pt x="96953" y="217439"/>
-                      </a:cubicBezTo>
-                      <a:cubicBezTo>
-                        <a:pt x="96953" y="283982"/>
-                        <a:pt x="150896" y="337925"/>
-                        <a:pt x="217439" y="337925"/>
-                      </a:cubicBezTo>
-                      <a:cubicBezTo>
-                        <a:pt x="283982" y="337925"/>
-                        <a:pt x="337925" y="283982"/>
-                        <a:pt x="337925" y="217439"/>
-                      </a:cubicBezTo>
-                      <a:cubicBezTo>
-                        <a:pt x="337925" y="150896"/>
-                        <a:pt x="283982" y="96953"/>
-                        <a:pt x="217439" y="96953"/>
-                      </a:cubicBezTo>
-                      <a:close/>
-                      <a:moveTo>
-                        <a:pt x="217439" y="0"/>
-                      </a:moveTo>
-                      <a:cubicBezTo>
-                        <a:pt x="337527" y="0"/>
-                        <a:pt x="434878" y="97351"/>
-                        <a:pt x="434878" y="217439"/>
-                      </a:cubicBezTo>
-                      <a:cubicBezTo>
-                        <a:pt x="434878" y="337527"/>
-                        <a:pt x="337527" y="434878"/>
-                        <a:pt x="217439" y="434878"/>
-                      </a:cubicBezTo>
-                      <a:cubicBezTo>
-                        <a:pt x="97351" y="434878"/>
-                        <a:pt x="0" y="337527"/>
-                        <a:pt x="0" y="217439"/>
-                      </a:cubicBezTo>
-                      <a:cubicBezTo>
-                        <a:pt x="0" y="97351"/>
-                        <a:pt x="97351" y="0"/>
-                        <a:pt x="217439" y="0"/>
-                      </a:cubicBezTo>
-                      <a:close/>
-                    </a:path>
-                  </a:pathLst>
-                </a:custGeom>
-                <a:solidFill>
-                  <a:schemeClr val="tx1">
-                    <a:lumMod val="75000"/>
-                    <a:lumOff val="25000"/>
-                  </a:schemeClr>
-                </a:solidFill>
-                <a:ln>
-                  <a:noFill/>
-                </a:ln>
-              </p:spPr>
-              <p:style>
-                <a:lnRef idx="2">
-                  <a:schemeClr val="accent1">
-                    <a:shade val="50000"/>
-                  </a:schemeClr>
-                </a:lnRef>
-                <a:fillRef idx="1">
-                  <a:schemeClr val="accent1"/>
-                </a:fillRef>
-                <a:effectRef idx="0">
-                  <a:schemeClr val="accent1"/>
-                </a:effectRef>
-                <a:fontRef idx="minor">
-                  <a:schemeClr val="lt1"/>
-                </a:fontRef>
-              </p:style>
-              <p:txBody>
-                <a:bodyPr wrap="square" rtlCol="0" anchor="ctr">
-                  <a:noAutofit/>
-                </a:bodyPr>
-                <a:lstStyle/>
-                <a:p>
-                  <a:pPr algn="ctr"/>
-                  <a:endParaRPr lang="pt-BR"/>
-                </a:p>
-              </p:txBody>
-            </p:sp>
-            <p:sp>
-              <p:nvSpPr>
-                <p:cNvPr id="61" name="Retângulo 60">
-                  <a:extLst>
-                    <a:ext uri="{FF2B5EF4-FFF2-40B4-BE49-F238E27FC236}">
-                      <a16:creationId xmlns:a16="http://schemas.microsoft.com/office/drawing/2014/main" xmlns="" id="{AAE567ED-5815-4493-B2FA-CE69C8A3E85A}"/>
-                    </a:ext>
-                  </a:extLst>
-                </p:cNvPr>
-                <p:cNvSpPr/>
-                <p:nvPr/>
-              </p:nvSpPr>
-              <p:spPr>
-                <a:xfrm>
-                  <a:off x="5892569" y="5781952"/>
-                  <a:ext cx="76482" cy="413463"/>
-                </a:xfrm>
-                <a:prstGeom prst="rect">
-                  <a:avLst/>
-                </a:prstGeom>
-                <a:solidFill>
-                  <a:schemeClr val="tx1">
-                    <a:lumMod val="75000"/>
-                    <a:lumOff val="25000"/>
-                  </a:schemeClr>
-                </a:solidFill>
-                <a:ln>
-                  <a:noFill/>
-                </a:ln>
-              </p:spPr>
-              <p:style>
-                <a:lnRef idx="2">
-                  <a:schemeClr val="accent1">
-                    <a:shade val="50000"/>
-                  </a:schemeClr>
-                </a:lnRef>
-                <a:fillRef idx="1">
-                  <a:schemeClr val="accent1"/>
-                </a:fillRef>
-                <a:effectRef idx="0">
-                  <a:schemeClr val="accent1"/>
-                </a:effectRef>
-                <a:fontRef idx="minor">
-                  <a:schemeClr val="lt1"/>
-                </a:fontRef>
-              </p:style>
-              <p:txBody>
-                <a:bodyPr rtlCol="0" anchor="ctr"/>
-                <a:lstStyle/>
-                <a:p>
-                  <a:pPr algn="ctr"/>
-                  <a:endParaRPr lang="pt-BR"/>
-                </a:p>
-              </p:txBody>
-            </p:sp>
-            <p:sp>
-              <p:nvSpPr>
-                <p:cNvPr id="62" name="Retângulo 61">
-                  <a:extLst>
-                    <a:ext uri="{FF2B5EF4-FFF2-40B4-BE49-F238E27FC236}">
-                      <a16:creationId xmlns:a16="http://schemas.microsoft.com/office/drawing/2014/main" xmlns="" id="{315B7EE7-7DC7-44CF-9324-EA99CE217667}"/>
-                    </a:ext>
-                  </a:extLst>
-                </p:cNvPr>
-                <p:cNvSpPr/>
-                <p:nvPr/>
-              </p:nvSpPr>
-              <p:spPr>
-                <a:xfrm rot="16200000">
-                  <a:off x="5874194" y="6109307"/>
-                  <a:ext cx="72010" cy="100677"/>
-                </a:xfrm>
-                <a:prstGeom prst="rect">
-                  <a:avLst/>
-                </a:prstGeom>
-                <a:solidFill>
-                  <a:schemeClr val="tx1">
-                    <a:lumMod val="75000"/>
-                    <a:lumOff val="25000"/>
-                  </a:schemeClr>
-                </a:solidFill>
-                <a:ln>
-                  <a:noFill/>
-                </a:ln>
-              </p:spPr>
-              <p:style>
-                <a:lnRef idx="2">
-                  <a:schemeClr val="accent1">
-                    <a:shade val="50000"/>
-                  </a:schemeClr>
-                </a:lnRef>
-                <a:fillRef idx="1">
-                  <a:schemeClr val="accent1"/>
-                </a:fillRef>
-                <a:effectRef idx="0">
-                  <a:schemeClr val="accent1"/>
-                </a:effectRef>
-                <a:fontRef idx="minor">
-                  <a:schemeClr val="lt1"/>
-                </a:fontRef>
-              </p:style>
-              <p:txBody>
-                <a:bodyPr rtlCol="0" anchor="ctr"/>
-                <a:lstStyle/>
-                <a:p>
-                  <a:pPr algn="ctr"/>
-                  <a:endParaRPr lang="pt-BR"/>
-                </a:p>
-              </p:txBody>
-            </p:sp>
-          </p:grpSp>
-          <p:grpSp>
-            <p:nvGrpSpPr>
-              <p:cNvPr id="66" name="Grupo 65"/>
-              <p:cNvGrpSpPr/>
-              <p:nvPr/>
-            </p:nvGrpSpPr>
-            <p:grpSpPr>
-              <a:xfrm>
-                <a:off x="4620542" y="5617353"/>
-                <a:ext cx="936104" cy="604684"/>
-                <a:chOff x="4355976" y="5632944"/>
-                <a:chExt cx="1146522" cy="604684"/>
-              </a:xfrm>
-            </p:grpSpPr>
-            <p:sp>
-              <p:nvSpPr>
-                <p:cNvPr id="64" name="Retângulo 63">
-                  <a:extLst>
-                    <a:ext uri="{FF2B5EF4-FFF2-40B4-BE49-F238E27FC236}">
-                      <a16:creationId xmlns:a16="http://schemas.microsoft.com/office/drawing/2014/main" xmlns="" id="{AAE567ED-5815-4493-B2FA-CE69C8A3E85A}"/>
-                    </a:ext>
-                  </a:extLst>
-                </p:cNvPr>
-                <p:cNvSpPr/>
-                <p:nvPr/>
-              </p:nvSpPr>
-              <p:spPr>
-                <a:xfrm>
-                  <a:off x="4355976" y="5632944"/>
-                  <a:ext cx="144016" cy="604683"/>
-                </a:xfrm>
-                <a:prstGeom prst="rect">
-                  <a:avLst/>
-                </a:prstGeom>
-                <a:solidFill>
-                  <a:schemeClr val="tx1">
-                    <a:lumMod val="75000"/>
-                    <a:lumOff val="25000"/>
-                  </a:schemeClr>
-                </a:solidFill>
-                <a:ln>
-                  <a:noFill/>
-                </a:ln>
-              </p:spPr>
-              <p:style>
-                <a:lnRef idx="2">
-                  <a:schemeClr val="accent1">
-                    <a:shade val="50000"/>
-                  </a:schemeClr>
-                </a:lnRef>
-                <a:fillRef idx="1">
-                  <a:schemeClr val="accent1"/>
-                </a:fillRef>
-                <a:effectRef idx="0">
-                  <a:schemeClr val="accent1"/>
-                </a:effectRef>
-                <a:fontRef idx="minor">
-                  <a:schemeClr val="lt1"/>
-                </a:fontRef>
-              </p:style>
-              <p:txBody>
-                <a:bodyPr rtlCol="0" anchor="ctr"/>
-                <a:lstStyle/>
-                <a:p>
-                  <a:pPr algn="ctr"/>
-                  <a:endParaRPr lang="pt-BR"/>
-                </a:p>
-              </p:txBody>
-            </p:sp>
-            <p:sp>
-              <p:nvSpPr>
-                <p:cNvPr id="65" name="Forma Livre: Forma 49">
-                  <a:extLst>
-                    <a:ext uri="{FF2B5EF4-FFF2-40B4-BE49-F238E27FC236}">
-                      <a16:creationId xmlns:a16="http://schemas.microsoft.com/office/drawing/2014/main" xmlns="" id="{41453F3A-CCFA-4C9D-AB76-D9A8CED0195A}"/>
-                    </a:ext>
-                  </a:extLst>
-                </p:cNvPr>
-                <p:cNvSpPr/>
-                <p:nvPr/>
-              </p:nvSpPr>
-              <p:spPr>
-                <a:xfrm>
-                  <a:off x="4355976" y="5653703"/>
-                  <a:ext cx="648072" cy="549334"/>
-                </a:xfrm>
-                <a:custGeom>
-                  <a:avLst/>
-                  <a:gdLst/>
-                  <a:ahLst/>
-                  <a:cxnLst/>
-                  <a:rect l="l" t="t" r="r" b="b"/>
-                  <a:pathLst>
-                    <a:path w="619604" h="549334">
-                      <a:moveTo>
-                        <a:pt x="309802" y="0"/>
-                      </a:moveTo>
-                      <a:cubicBezTo>
-                        <a:pt x="480901" y="0"/>
-                        <a:pt x="619604" y="138704"/>
-                        <a:pt x="619604" y="309802"/>
-                      </a:cubicBezTo>
-                      <a:cubicBezTo>
-                        <a:pt x="619604" y="406936"/>
-                        <a:pt x="574901" y="493629"/>
-                        <a:pt x="504056" y="549334"/>
-                      </a:cubicBezTo>
-                      <a:lnTo>
-                        <a:pt x="504056" y="309802"/>
-                      </a:lnTo>
-                      <a:lnTo>
-                        <a:pt x="481468" y="309802"/>
-                      </a:lnTo>
-                      <a:cubicBezTo>
-                        <a:pt x="481468" y="214993"/>
-                        <a:pt x="404611" y="138137"/>
-                        <a:pt x="309802" y="138137"/>
-                      </a:cubicBezTo>
-                      <a:cubicBezTo>
-                        <a:pt x="214993" y="138137"/>
-                        <a:pt x="138137" y="214993"/>
-                        <a:pt x="138137" y="309802"/>
-                      </a:cubicBezTo>
-                      <a:lnTo>
-                        <a:pt x="0" y="309802"/>
-                      </a:lnTo>
-                      <a:cubicBezTo>
-                        <a:pt x="0" y="138704"/>
-                        <a:pt x="138704" y="0"/>
-                        <a:pt x="309802" y="0"/>
-                      </a:cubicBezTo>
-                      <a:close/>
-                    </a:path>
-                  </a:pathLst>
-                </a:custGeom>
-                <a:solidFill>
-                  <a:schemeClr val="tx1">
-                    <a:lumMod val="75000"/>
-                    <a:lumOff val="25000"/>
-                  </a:schemeClr>
-                </a:solidFill>
-                <a:ln>
-                  <a:noFill/>
-                </a:ln>
-              </p:spPr>
-              <p:style>
-                <a:lnRef idx="2">
-                  <a:schemeClr val="accent1">
-                    <a:shade val="50000"/>
-                  </a:schemeClr>
-                </a:lnRef>
-                <a:fillRef idx="1">
-                  <a:schemeClr val="accent1"/>
-                </a:fillRef>
-                <a:effectRef idx="0">
-                  <a:schemeClr val="accent1"/>
-                </a:effectRef>
-                <a:fontRef idx="minor">
-                  <a:schemeClr val="lt1"/>
-                </a:fontRef>
-              </p:style>
-              <p:txBody>
-                <a:bodyPr wrap="square" rtlCol="0" anchor="ctr">
-                  <a:noAutofit/>
-                </a:bodyPr>
-                <a:lstStyle/>
-                <a:p>
-                  <a:pPr algn="ctr"/>
-                  <a:endParaRPr lang="pt-BR"/>
-                </a:p>
-              </p:txBody>
-            </p:sp>
-            <p:sp>
-              <p:nvSpPr>
-                <p:cNvPr id="68" name="Retângulo 67">
-                  <a:extLst>
-                    <a:ext uri="{FF2B5EF4-FFF2-40B4-BE49-F238E27FC236}">
-                      <a16:creationId xmlns:a16="http://schemas.microsoft.com/office/drawing/2014/main" xmlns="" id="{AAE567ED-5815-4493-B2FA-CE69C8A3E85A}"/>
-                    </a:ext>
-                  </a:extLst>
-                </p:cNvPr>
-                <p:cNvSpPr/>
-                <p:nvPr/>
-              </p:nvSpPr>
-              <p:spPr>
-                <a:xfrm>
-                  <a:off x="4860032" y="5928370"/>
-                  <a:ext cx="144016" cy="309258"/>
-                </a:xfrm>
-                <a:prstGeom prst="rect">
-                  <a:avLst/>
-                </a:prstGeom>
-                <a:solidFill>
-                  <a:schemeClr val="tx1">
-                    <a:lumMod val="75000"/>
-                    <a:lumOff val="25000"/>
-                  </a:schemeClr>
-                </a:solidFill>
-                <a:ln>
-                  <a:noFill/>
-                </a:ln>
-              </p:spPr>
-              <p:style>
-                <a:lnRef idx="2">
-                  <a:schemeClr val="accent1">
-                    <a:shade val="50000"/>
-                  </a:schemeClr>
-                </a:lnRef>
-                <a:fillRef idx="1">
-                  <a:schemeClr val="accent1"/>
-                </a:fillRef>
-                <a:effectRef idx="0">
-                  <a:schemeClr val="accent1"/>
-                </a:effectRef>
-                <a:fontRef idx="minor">
-                  <a:schemeClr val="lt1"/>
-                </a:fontRef>
-              </p:style>
-              <p:txBody>
-                <a:bodyPr rtlCol="0" anchor="ctr"/>
-                <a:lstStyle/>
-                <a:p>
-                  <a:pPr algn="ctr"/>
-                  <a:endParaRPr lang="pt-BR"/>
-                </a:p>
-              </p:txBody>
-            </p:sp>
-            <p:sp>
-              <p:nvSpPr>
-                <p:cNvPr id="69" name="Forma Livre: Forma 49">
-                  <a:extLst>
-                    <a:ext uri="{FF2B5EF4-FFF2-40B4-BE49-F238E27FC236}">
-                      <a16:creationId xmlns:a16="http://schemas.microsoft.com/office/drawing/2014/main" xmlns="" id="{41453F3A-CCFA-4C9D-AB76-D9A8CED0195A}"/>
-                    </a:ext>
-                  </a:extLst>
-                </p:cNvPr>
-                <p:cNvSpPr/>
-                <p:nvPr/>
-              </p:nvSpPr>
-              <p:spPr>
-                <a:xfrm>
-                  <a:off x="4860032" y="5648003"/>
-                  <a:ext cx="642466" cy="549334"/>
-                </a:xfrm>
-                <a:custGeom>
-                  <a:avLst/>
-                  <a:gdLst/>
-                  <a:ahLst/>
-                  <a:cxnLst/>
-                  <a:rect l="l" t="t" r="r" b="b"/>
-                  <a:pathLst>
-                    <a:path w="619604" h="549334">
-                      <a:moveTo>
-                        <a:pt x="309802" y="0"/>
-                      </a:moveTo>
-                      <a:cubicBezTo>
-                        <a:pt x="480901" y="0"/>
-                        <a:pt x="619604" y="138704"/>
-                        <a:pt x="619604" y="309802"/>
-                      </a:cubicBezTo>
-                      <a:cubicBezTo>
-                        <a:pt x="619604" y="406936"/>
-                        <a:pt x="574901" y="493629"/>
-                        <a:pt x="504056" y="549334"/>
-                      </a:cubicBezTo>
-                      <a:lnTo>
-                        <a:pt x="504056" y="309802"/>
-                      </a:lnTo>
-                      <a:lnTo>
-                        <a:pt x="481468" y="309802"/>
-                      </a:lnTo>
-                      <a:cubicBezTo>
-                        <a:pt x="481468" y="214993"/>
-                        <a:pt x="404611" y="138137"/>
-                        <a:pt x="309802" y="138137"/>
-                      </a:cubicBezTo>
-                      <a:cubicBezTo>
-                        <a:pt x="214993" y="138137"/>
-                        <a:pt x="138137" y="214993"/>
-                        <a:pt x="138137" y="309802"/>
-                      </a:cubicBezTo>
-                      <a:lnTo>
-                        <a:pt x="0" y="309802"/>
-                      </a:lnTo>
-                      <a:cubicBezTo>
-                        <a:pt x="0" y="138704"/>
-                        <a:pt x="138704" y="0"/>
-                        <a:pt x="309802" y="0"/>
-                      </a:cubicBezTo>
-                      <a:close/>
-                    </a:path>
-                  </a:pathLst>
-                </a:custGeom>
-                <a:solidFill>
-                  <a:schemeClr val="tx1">
-                    <a:lumMod val="75000"/>
-                    <a:lumOff val="25000"/>
-                  </a:schemeClr>
-                </a:solidFill>
-                <a:ln>
-                  <a:noFill/>
-                </a:ln>
-              </p:spPr>
-              <p:style>
-                <a:lnRef idx="2">
-                  <a:schemeClr val="accent1">
-                    <a:shade val="50000"/>
-                  </a:schemeClr>
-                </a:lnRef>
-                <a:fillRef idx="1">
-                  <a:schemeClr val="accent1"/>
-                </a:fillRef>
-                <a:effectRef idx="0">
-                  <a:schemeClr val="accent1"/>
-                </a:effectRef>
-                <a:fontRef idx="minor">
-                  <a:schemeClr val="lt1"/>
-                </a:fontRef>
-              </p:style>
-              <p:txBody>
-                <a:bodyPr wrap="square" rtlCol="0" anchor="ctr">
-                  <a:noAutofit/>
-                </a:bodyPr>
-                <a:lstStyle/>
-                <a:p>
-                  <a:pPr algn="ctr"/>
-                  <a:endParaRPr lang="pt-BR"/>
-                </a:p>
-              </p:txBody>
-            </p:sp>
-            <p:sp>
-              <p:nvSpPr>
-                <p:cNvPr id="70" name="Retângulo 69">
-                  <a:extLst>
-                    <a:ext uri="{FF2B5EF4-FFF2-40B4-BE49-F238E27FC236}">
-                      <a16:creationId xmlns:a16="http://schemas.microsoft.com/office/drawing/2014/main" xmlns="" id="{AAE567ED-5815-4493-B2FA-CE69C8A3E85A}"/>
-                    </a:ext>
-                  </a:extLst>
-                </p:cNvPr>
-                <p:cNvSpPr/>
-                <p:nvPr/>
-              </p:nvSpPr>
-              <p:spPr>
-                <a:xfrm>
-                  <a:off x="5358482" y="5928370"/>
-                  <a:ext cx="144016" cy="309258"/>
-                </a:xfrm>
-                <a:prstGeom prst="rect">
-                  <a:avLst/>
-                </a:prstGeom>
-                <a:solidFill>
-                  <a:schemeClr val="tx1">
-                    <a:lumMod val="75000"/>
-                    <a:lumOff val="25000"/>
-                  </a:schemeClr>
-                </a:solidFill>
-                <a:ln>
-                  <a:noFill/>
-                </a:ln>
-              </p:spPr>
-              <p:style>
-                <a:lnRef idx="2">
-                  <a:schemeClr val="accent1">
-                    <a:shade val="50000"/>
-                  </a:schemeClr>
-                </a:lnRef>
-                <a:fillRef idx="1">
-                  <a:schemeClr val="accent1"/>
-                </a:fillRef>
-                <a:effectRef idx="0">
-                  <a:schemeClr val="accent1"/>
-                </a:effectRef>
-                <a:fontRef idx="minor">
-                  <a:schemeClr val="lt1"/>
-                </a:fontRef>
-              </p:style>
-              <p:txBody>
-                <a:bodyPr rtlCol="0" anchor="ctr"/>
-                <a:lstStyle/>
-                <a:p>
-                  <a:pPr algn="ctr"/>
-                  <a:endParaRPr lang="pt-BR"/>
-                </a:p>
-              </p:txBody>
-            </p:sp>
-          </p:grpSp>
-          <p:grpSp>
-            <p:nvGrpSpPr>
-              <p:cNvPr id="81" name="Grupo 80"/>
-              <p:cNvGrpSpPr/>
-              <p:nvPr/>
-            </p:nvGrpSpPr>
-            <p:grpSpPr>
-              <a:xfrm>
-                <a:off x="6389723" y="5633810"/>
-                <a:ext cx="471201" cy="588227"/>
-                <a:chOff x="6389723" y="5633810"/>
-                <a:chExt cx="471201" cy="588227"/>
-              </a:xfrm>
-            </p:grpSpPr>
-            <p:sp>
-              <p:nvSpPr>
-                <p:cNvPr id="76" name="Retângulo 75">
-                  <a:extLst>
-                    <a:ext uri="{FF2B5EF4-FFF2-40B4-BE49-F238E27FC236}">
-                      <a16:creationId xmlns:a16="http://schemas.microsoft.com/office/drawing/2014/main" xmlns="" id="{AAE567ED-5815-4493-B2FA-CE69C8A3E85A}"/>
-                    </a:ext>
-                  </a:extLst>
-                </p:cNvPr>
-                <p:cNvSpPr/>
-                <p:nvPr/>
-              </p:nvSpPr>
-              <p:spPr>
-                <a:xfrm>
-                  <a:off x="6389723" y="5633810"/>
-                  <a:ext cx="126493" cy="588227"/>
-                </a:xfrm>
-                <a:prstGeom prst="rect">
-                  <a:avLst/>
-                </a:prstGeom>
-                <a:solidFill>
-                  <a:schemeClr val="tx1">
-                    <a:lumMod val="75000"/>
-                    <a:lumOff val="25000"/>
-                  </a:schemeClr>
-                </a:solidFill>
-                <a:ln>
-                  <a:noFill/>
-                </a:ln>
-              </p:spPr>
-              <p:style>
-                <a:lnRef idx="2">
-                  <a:schemeClr val="accent1">
-                    <a:shade val="50000"/>
-                  </a:schemeClr>
-                </a:lnRef>
-                <a:fillRef idx="1">
-                  <a:schemeClr val="accent1"/>
-                </a:fillRef>
-                <a:effectRef idx="0">
-                  <a:schemeClr val="accent1"/>
-                </a:effectRef>
-                <a:fontRef idx="minor">
-                  <a:schemeClr val="lt1"/>
-                </a:fontRef>
-              </p:style>
-              <p:txBody>
-                <a:bodyPr rtlCol="0" anchor="ctr"/>
-                <a:lstStyle/>
-                <a:p>
-                  <a:pPr algn="ctr"/>
-                  <a:endParaRPr lang="pt-BR"/>
-                </a:p>
-              </p:txBody>
-            </p:sp>
-            <p:sp>
-              <p:nvSpPr>
-                <p:cNvPr id="77" name="Forma Livre: Forma 49">
-                  <a:extLst>
-                    <a:ext uri="{FF2B5EF4-FFF2-40B4-BE49-F238E27FC236}">
-                      <a16:creationId xmlns:a16="http://schemas.microsoft.com/office/drawing/2014/main" xmlns="" id="{41453F3A-CCFA-4C9D-AB76-D9A8CED0195A}"/>
-                    </a:ext>
-                  </a:extLst>
-                </p:cNvPr>
-                <p:cNvSpPr/>
-                <p:nvPr/>
-              </p:nvSpPr>
-              <p:spPr>
-                <a:xfrm>
-                  <a:off x="6402880" y="5636614"/>
-                  <a:ext cx="458044" cy="272867"/>
-                </a:xfrm>
-                <a:custGeom>
-                  <a:avLst/>
-                  <a:gdLst/>
-                  <a:ahLst/>
-                  <a:cxnLst/>
-                  <a:rect l="l" t="t" r="r" b="b"/>
-                  <a:pathLst>
-                    <a:path w="458044" h="245831">
-                      <a:moveTo>
-                        <a:pt x="249326" y="0"/>
-                      </a:moveTo>
-                      <a:cubicBezTo>
-                        <a:pt x="336934" y="0"/>
-                        <a:pt x="414005" y="45115"/>
-                        <a:pt x="458044" y="113665"/>
-                      </a:cubicBezTo>
-                      <a:lnTo>
-                        <a:pt x="364325" y="177339"/>
-                      </a:lnTo>
-                      <a:cubicBezTo>
-                        <a:pt x="342019" y="137196"/>
-                        <a:pt x="298692" y="111346"/>
-                        <a:pt x="249326" y="111346"/>
-                      </a:cubicBezTo>
-                      <a:cubicBezTo>
-                        <a:pt x="174211" y="111346"/>
-                        <a:pt x="113077" y="171196"/>
-                        <a:pt x="111739" y="245831"/>
-                      </a:cubicBezTo>
-                      <a:lnTo>
-                        <a:pt x="0" y="245831"/>
-                      </a:lnTo>
-                      <a:cubicBezTo>
-                        <a:pt x="1718" y="109706"/>
-                        <a:pt x="112711" y="0"/>
-                        <a:pt x="249326" y="0"/>
-                      </a:cubicBezTo>
-                      <a:close/>
-                    </a:path>
-                  </a:pathLst>
-                </a:custGeom>
-                <a:solidFill>
-                  <a:schemeClr val="tx1">
-                    <a:lumMod val="75000"/>
-                    <a:lumOff val="25000"/>
-                  </a:schemeClr>
-                </a:solidFill>
-                <a:ln>
-                  <a:noFill/>
-                </a:ln>
-              </p:spPr>
-              <p:style>
-                <a:lnRef idx="2">
-                  <a:schemeClr val="accent1">
-                    <a:shade val="50000"/>
-                  </a:schemeClr>
-                </a:lnRef>
-                <a:fillRef idx="1">
-                  <a:schemeClr val="accent1"/>
-                </a:fillRef>
-                <a:effectRef idx="0">
-                  <a:schemeClr val="accent1"/>
-                </a:effectRef>
-                <a:fontRef idx="minor">
-                  <a:schemeClr val="lt1"/>
-                </a:fontRef>
-              </p:style>
-              <p:txBody>
-                <a:bodyPr wrap="square" rtlCol="0" anchor="ctr">
-                  <a:noAutofit/>
-                </a:bodyPr>
-                <a:lstStyle/>
-                <a:p>
-                  <a:pPr algn="ctr"/>
-                  <a:endParaRPr lang="pt-BR"/>
-                </a:p>
-              </p:txBody>
-            </p:sp>
-          </p:grpSp>
-          <p:sp>
-            <p:nvSpPr>
-              <p:cNvPr id="92" name="Semicírculo 53">
-                <a:extLst>
-                  <a:ext uri="{FF2B5EF4-FFF2-40B4-BE49-F238E27FC236}">
-                    <a16:creationId xmlns:a16="http://schemas.microsoft.com/office/drawing/2014/main" xmlns="" id="{E9129E24-551E-4103-AFAA-36A3A7A66E48}"/>
-                  </a:ext>
-                </a:extLst>
-              </p:cNvPr>
-              <p:cNvSpPr/>
-              <p:nvPr/>
-            </p:nvSpPr>
-            <p:spPr>
-              <a:xfrm rot="10800000" flipH="1">
-                <a:off x="7020269" y="5889400"/>
-                <a:ext cx="347463" cy="356016"/>
-              </a:xfrm>
-              <a:prstGeom prst="blockArc">
-                <a:avLst>
-                  <a:gd name="adj1" fmla="val 10800000"/>
-                  <a:gd name="adj2" fmla="val 251697"/>
-                  <a:gd name="adj3" fmla="val 36027"/>
-                </a:avLst>
-              </a:prstGeom>
-              <a:solidFill>
-                <a:schemeClr val="tx1">
-                  <a:lumMod val="75000"/>
-                  <a:lumOff val="25000"/>
-                </a:schemeClr>
-              </a:solidFill>
-              <a:ln>
-                <a:noFill/>
-              </a:ln>
-            </p:spPr>
-            <p:style>
-              <a:lnRef idx="2">
-                <a:schemeClr val="accent1">
-                  <a:shade val="50000"/>
-                </a:schemeClr>
-              </a:lnRef>
-              <a:fillRef idx="1">
-                <a:schemeClr val="accent1"/>
-              </a:fillRef>
-              <a:effectRef idx="0">
-                <a:schemeClr val="accent1"/>
-              </a:effectRef>
-              <a:fontRef idx="minor">
-                <a:schemeClr val="lt1"/>
-              </a:fontRef>
-            </p:style>
-            <p:txBody>
-              <a:bodyPr rtlCol="0" anchor="ctr"/>
-              <a:lstStyle/>
-              <a:p>
-                <a:pPr algn="ctr"/>
-                <a:endParaRPr lang="pt-BR">
-                  <a:solidFill>
-                    <a:schemeClr val="tx1"/>
-                  </a:solidFill>
-                </a:endParaRPr>
-              </a:p>
-            </p:txBody>
-          </p:sp>
-          <p:sp>
-            <p:nvSpPr>
-              <p:cNvPr id="96" name="Retângulo 95"/>
-              <p:cNvSpPr/>
-              <p:nvPr/>
-            </p:nvSpPr>
-            <p:spPr>
-              <a:xfrm>
-                <a:off x="7020270" y="5629357"/>
-                <a:ext cx="126000" cy="443668"/>
-              </a:xfrm>
-              <a:prstGeom prst="rect">
-                <a:avLst/>
-              </a:prstGeom>
-              <a:solidFill>
-                <a:schemeClr val="tx1">
-                  <a:lumMod val="75000"/>
-                  <a:lumOff val="25000"/>
-                </a:schemeClr>
-              </a:solidFill>
-              <a:ln>
-                <a:noFill/>
-              </a:ln>
-            </p:spPr>
-            <p:style>
-              <a:lnRef idx="2">
-                <a:schemeClr val="accent1">
-                  <a:shade val="50000"/>
-                </a:schemeClr>
-              </a:lnRef>
-              <a:fillRef idx="1">
-                <a:schemeClr val="accent1"/>
-              </a:fillRef>
-              <a:effectRef idx="0">
-                <a:schemeClr val="accent1"/>
-              </a:effectRef>
-              <a:fontRef idx="minor">
-                <a:schemeClr val="lt1"/>
-              </a:fontRef>
-            </p:style>
-            <p:txBody>
-              <a:bodyPr rtlCol="0" anchor="ctr"/>
-              <a:lstStyle/>
-              <a:p>
-                <a:pPr algn="ctr"/>
-                <a:endParaRPr lang="pt-BR"/>
-              </a:p>
-            </p:txBody>
-          </p:sp>
-          <p:sp>
-            <p:nvSpPr>
-              <p:cNvPr id="99" name="Retângulo 98"/>
-              <p:cNvSpPr/>
-              <p:nvPr/>
-            </p:nvSpPr>
-            <p:spPr>
-              <a:xfrm rot="16200000">
-                <a:off x="7020270" y="5629064"/>
-                <a:ext cx="126000" cy="333986"/>
-              </a:xfrm>
-              <a:prstGeom prst="rect">
-                <a:avLst/>
-              </a:prstGeom>
-              <a:solidFill>
-                <a:schemeClr val="tx1">
-                  <a:lumMod val="75000"/>
-                  <a:lumOff val="25000"/>
-                </a:schemeClr>
-              </a:solidFill>
-              <a:ln>
-                <a:noFill/>
-              </a:ln>
-            </p:spPr>
-            <p:style>
-              <a:lnRef idx="2">
-                <a:schemeClr val="accent1">
-                  <a:shade val="50000"/>
-                </a:schemeClr>
-              </a:lnRef>
-              <a:fillRef idx="1">
-                <a:schemeClr val="accent1"/>
-              </a:fillRef>
-              <a:effectRef idx="0">
-                <a:schemeClr val="accent1"/>
-              </a:effectRef>
-              <a:fontRef idx="minor">
-                <a:schemeClr val="lt1"/>
-              </a:fontRef>
-            </p:style>
-            <p:txBody>
-              <a:bodyPr rtlCol="0" anchor="ctr"/>
-              <a:lstStyle/>
-              <a:p>
-                <a:pPr algn="ctr"/>
-                <a:endParaRPr lang="pt-BR"/>
-              </a:p>
-            </p:txBody>
-          </p:sp>
-        </p:grpSp>
-      </p:grpSp>
-      <p:grpSp>
-        <p:nvGrpSpPr>
-          <p:cNvPr id="1033" name="Grupo 1032"/>
-          <p:cNvGrpSpPr/>
-          <p:nvPr/>
-        </p:nvGrpSpPr>
-        <p:grpSpPr>
-          <a:xfrm>
-            <a:off x="5090281" y="3003384"/>
-            <a:ext cx="3544092" cy="808395"/>
-            <a:chOff x="5222849" y="5033180"/>
-            <a:chExt cx="3544092" cy="808395"/>
-          </a:xfrm>
-        </p:grpSpPr>
-        <p:grpSp>
-          <p:nvGrpSpPr>
-            <p:cNvPr id="113" name="Agrupar 16">
-              <a:extLst>
-                <a:ext uri="{FF2B5EF4-FFF2-40B4-BE49-F238E27FC236}">
-                  <a16:creationId xmlns:a16="http://schemas.microsoft.com/office/drawing/2014/main" xmlns="" id="{FFCBCA76-95EA-4C50-8AB1-5118340B6708}"/>
-                </a:ext>
-              </a:extLst>
-            </p:cNvPr>
-            <p:cNvGrpSpPr/>
-            <p:nvPr/>
-          </p:nvGrpSpPr>
-          <p:grpSpPr>
-            <a:xfrm rot="1800000">
-              <a:off x="6093558" y="5033180"/>
-              <a:ext cx="177816" cy="277320"/>
-              <a:chOff x="6445772" y="1077492"/>
-              <a:chExt cx="2324411" cy="3625136"/>
-            </a:xfrm>
-          </p:grpSpPr>
-          <p:sp>
-            <p:nvSpPr>
-              <p:cNvPr id="114" name="Elipse 1">
-                <a:extLst>
-                  <a:ext uri="{FF2B5EF4-FFF2-40B4-BE49-F238E27FC236}">
-                    <a16:creationId xmlns:a16="http://schemas.microsoft.com/office/drawing/2014/main" xmlns="" id="{D499439C-D85C-4E91-8E85-5768706562B1}"/>
-                  </a:ext>
-                </a:extLst>
-              </p:cNvPr>
-              <p:cNvSpPr/>
-              <p:nvPr/>
-            </p:nvSpPr>
-            <p:spPr>
-              <a:xfrm rot="10800000">
-                <a:off x="6445772" y="1077492"/>
-                <a:ext cx="2324411" cy="2905514"/>
-              </a:xfrm>
-              <a:custGeom>
-                <a:avLst/>
-                <a:gdLst/>
-                <a:ahLst/>
-                <a:cxnLst/>
-                <a:rect l="l" t="t" r="r" b="b"/>
-                <a:pathLst>
-                  <a:path w="571500" h="714375">
-                    <a:moveTo>
-                      <a:pt x="285750" y="0"/>
-                    </a:moveTo>
-                    <a:cubicBezTo>
-                      <a:pt x="443565" y="0"/>
-                      <a:pt x="571500" y="127935"/>
-                      <a:pt x="571500" y="285750"/>
-                    </a:cubicBezTo>
-                    <a:cubicBezTo>
-                      <a:pt x="571500" y="312845"/>
-                      <a:pt x="567729" y="339059"/>
-                      <a:pt x="559424" y="363539"/>
-                    </a:cubicBezTo>
-                    <a:cubicBezTo>
-                      <a:pt x="542624" y="459184"/>
-                      <a:pt x="465810" y="582087"/>
-                      <a:pt x="285750" y="714375"/>
-                    </a:cubicBezTo>
-                    <a:cubicBezTo>
-                      <a:pt x="105691" y="582087"/>
-                      <a:pt x="28877" y="459184"/>
-                      <a:pt x="12076" y="363539"/>
-                    </a:cubicBezTo>
-                    <a:cubicBezTo>
-                      <a:pt x="3771" y="339059"/>
-                      <a:pt x="0" y="312845"/>
-                      <a:pt x="0" y="285750"/>
-                    </a:cubicBezTo>
-                    <a:cubicBezTo>
-                      <a:pt x="0" y="127935"/>
-                      <a:pt x="127935" y="0"/>
-                      <a:pt x="285750" y="0"/>
-                    </a:cubicBezTo>
-                    <a:close/>
-                  </a:path>
-                </a:pathLst>
-              </a:custGeom>
-              <a:solidFill>
-                <a:srgbClr val="8FFF00"/>
-              </a:solidFill>
-              <a:ln>
-                <a:noFill/>
-              </a:ln>
-            </p:spPr>
-            <p:style>
-              <a:lnRef idx="2">
-                <a:schemeClr val="accent1">
-                  <a:shade val="50000"/>
-                </a:schemeClr>
-              </a:lnRef>
-              <a:fillRef idx="1">
-                <a:schemeClr val="accent1"/>
-              </a:fillRef>
-              <a:effectRef idx="0">
-                <a:schemeClr val="accent1"/>
-              </a:effectRef>
-              <a:fontRef idx="minor">
-                <a:schemeClr val="lt1"/>
-              </a:fontRef>
-            </p:style>
-            <p:txBody>
-              <a:bodyPr rtlCol="0" anchor="ctr"/>
-              <a:lstStyle/>
-              <a:p>
-                <a:pPr algn="r"/>
-                <a:endParaRPr lang="pt-BR"/>
-              </a:p>
-            </p:txBody>
-          </p:sp>
-          <p:sp>
-            <p:nvSpPr>
-              <p:cNvPr id="115" name="Retângulo: Cantos Arredondados 18">
-                <a:extLst>
-                  <a:ext uri="{FF2B5EF4-FFF2-40B4-BE49-F238E27FC236}">
-                    <a16:creationId xmlns:a16="http://schemas.microsoft.com/office/drawing/2014/main" xmlns="" id="{94129A67-4C2E-4AF1-A2CE-2E2D618EFEEA}"/>
-                  </a:ext>
-                </a:extLst>
-              </p:cNvPr>
-              <p:cNvSpPr/>
-              <p:nvPr/>
-            </p:nvSpPr>
-            <p:spPr>
-              <a:xfrm>
-                <a:off x="7564434" y="1341891"/>
-                <a:ext cx="115080" cy="3360737"/>
-              </a:xfrm>
-              <a:prstGeom prst="roundRect">
-                <a:avLst>
-                  <a:gd name="adj" fmla="val 50000"/>
-                </a:avLst>
-              </a:prstGeom>
-              <a:solidFill>
-                <a:srgbClr val="72C800"/>
-              </a:solidFill>
-              <a:ln>
-                <a:noFill/>
-              </a:ln>
-            </p:spPr>
-            <p:style>
-              <a:lnRef idx="2">
-                <a:schemeClr val="accent1">
-                  <a:shade val="50000"/>
-                </a:schemeClr>
-              </a:lnRef>
-              <a:fillRef idx="1">
-                <a:schemeClr val="accent1"/>
-              </a:fillRef>
-              <a:effectRef idx="0">
-                <a:schemeClr val="accent1"/>
-              </a:effectRef>
-              <a:fontRef idx="minor">
-                <a:schemeClr val="lt1"/>
-              </a:fontRef>
-            </p:style>
-            <p:txBody>
-              <a:bodyPr rtlCol="0" anchor="ctr"/>
-              <a:lstStyle/>
-              <a:p>
-                <a:pPr algn="r"/>
-                <a:endParaRPr lang="pt-BR"/>
-              </a:p>
-            </p:txBody>
-          </p:sp>
-          <p:grpSp>
-            <p:nvGrpSpPr>
-              <p:cNvPr id="116" name="Agrupar 19">
-                <a:extLst>
-                  <a:ext uri="{FF2B5EF4-FFF2-40B4-BE49-F238E27FC236}">
-                    <a16:creationId xmlns:a16="http://schemas.microsoft.com/office/drawing/2014/main" xmlns="" id="{F197E95C-F728-4EA1-AEB8-9BB995A3CE01}"/>
-                  </a:ext>
-                </a:extLst>
-              </p:cNvPr>
-              <p:cNvGrpSpPr/>
-              <p:nvPr/>
-            </p:nvGrpSpPr>
-            <p:grpSpPr>
-              <a:xfrm>
-                <a:off x="7003486" y="1680483"/>
-                <a:ext cx="1238000" cy="1790548"/>
-                <a:chOff x="7003486" y="1651455"/>
-                <a:chExt cx="1238000" cy="1790548"/>
-              </a:xfrm>
-            </p:grpSpPr>
-            <p:grpSp>
-              <p:nvGrpSpPr>
-                <p:cNvPr id="117" name="Agrupar 20">
-                  <a:extLst>
-                    <a:ext uri="{FF2B5EF4-FFF2-40B4-BE49-F238E27FC236}">
-                      <a16:creationId xmlns:a16="http://schemas.microsoft.com/office/drawing/2014/main" xmlns="" id="{82F7FA59-4D4A-487C-A656-D25215F57185}"/>
-                    </a:ext>
-                  </a:extLst>
-                </p:cNvPr>
-                <p:cNvGrpSpPr/>
-                <p:nvPr/>
-              </p:nvGrpSpPr>
-              <p:grpSpPr>
-                <a:xfrm>
-                  <a:off x="7003486" y="2636102"/>
-                  <a:ext cx="1236975" cy="805901"/>
-                  <a:chOff x="7003486" y="2084559"/>
-                  <a:chExt cx="1236975" cy="805901"/>
-                </a:xfrm>
-              </p:grpSpPr>
-              <p:sp>
-                <p:nvSpPr>
-                  <p:cNvPr id="121" name="Retângulo: Cantos Arredondados 24">
-                    <a:extLst>
-                      <a:ext uri="{FF2B5EF4-FFF2-40B4-BE49-F238E27FC236}">
-                        <a16:creationId xmlns:a16="http://schemas.microsoft.com/office/drawing/2014/main" xmlns="" id="{38244068-655B-450A-9D7D-6EFCAD59F425}"/>
-                      </a:ext>
-                    </a:extLst>
-                  </p:cNvPr>
-                  <p:cNvSpPr/>
-                  <p:nvPr/>
-                </p:nvSpPr>
-                <p:spPr>
-                  <a:xfrm rot="2700000">
-                    <a:off x="7806967" y="1779051"/>
-                    <a:ext cx="127985" cy="739002"/>
-                  </a:xfrm>
-                  <a:prstGeom prst="roundRect">
-                    <a:avLst>
-                      <a:gd name="adj" fmla="val 50000"/>
-                    </a:avLst>
-                  </a:prstGeom>
-                  <a:solidFill>
-                    <a:srgbClr val="72C800"/>
-                  </a:solidFill>
-                  <a:ln>
-                    <a:noFill/>
-                  </a:ln>
-                </p:spPr>
-                <p:style>
-                  <a:lnRef idx="2">
-                    <a:schemeClr val="accent1">
-                      <a:shade val="50000"/>
-                    </a:schemeClr>
-                  </a:lnRef>
-                  <a:fillRef idx="1">
-                    <a:schemeClr val="accent1"/>
-                  </a:fillRef>
-                  <a:effectRef idx="0">
-                    <a:schemeClr val="accent1"/>
-                  </a:effectRef>
-                  <a:fontRef idx="minor">
-                    <a:schemeClr val="lt1"/>
-                  </a:fontRef>
-                </p:style>
-                <p:txBody>
-                  <a:bodyPr rtlCol="0" anchor="ctr"/>
-                  <a:lstStyle/>
-                  <a:p>
-                    <a:pPr algn="r"/>
-                    <a:endParaRPr lang="pt-BR"/>
-                  </a:p>
-                </p:txBody>
-              </p:sp>
-              <p:sp>
-                <p:nvSpPr>
-                  <p:cNvPr id="122" name="Retângulo: Cantos Arredondados 25">
-                    <a:extLst>
-                      <a:ext uri="{FF2B5EF4-FFF2-40B4-BE49-F238E27FC236}">
-                        <a16:creationId xmlns:a16="http://schemas.microsoft.com/office/drawing/2014/main" xmlns="" id="{AC4EC53E-09B5-4090-B5EF-E051AE30B4DE}"/>
-                      </a:ext>
-                    </a:extLst>
-                  </p:cNvPr>
-                  <p:cNvSpPr/>
-                  <p:nvPr/>
-                </p:nvSpPr>
-                <p:spPr>
-                  <a:xfrm rot="2700000">
-                    <a:off x="7806967" y="2448915"/>
-                    <a:ext cx="127985" cy="739002"/>
-                  </a:xfrm>
-                  <a:prstGeom prst="roundRect">
-                    <a:avLst>
-                      <a:gd name="adj" fmla="val 50000"/>
-                    </a:avLst>
-                  </a:prstGeom>
-                  <a:solidFill>
-                    <a:srgbClr val="72C800"/>
-                  </a:solidFill>
-                  <a:ln>
-                    <a:noFill/>
-                  </a:ln>
-                </p:spPr>
-                <p:style>
-                  <a:lnRef idx="2">
-                    <a:schemeClr val="accent1">
-                      <a:shade val="50000"/>
-                    </a:schemeClr>
-                  </a:lnRef>
-                  <a:fillRef idx="1">
-                    <a:schemeClr val="accent1"/>
-                  </a:fillRef>
-                  <a:effectRef idx="0">
-                    <a:schemeClr val="accent1"/>
-                  </a:effectRef>
-                  <a:fontRef idx="minor">
-                    <a:schemeClr val="lt1"/>
-                  </a:fontRef>
-                </p:style>
-                <p:txBody>
-                  <a:bodyPr rtlCol="0" anchor="ctr"/>
-                  <a:lstStyle/>
-                  <a:p>
-                    <a:pPr algn="r"/>
-                    <a:endParaRPr lang="pt-BR"/>
-                  </a:p>
-                </p:txBody>
-              </p:sp>
-              <p:grpSp>
-                <p:nvGrpSpPr>
-                  <p:cNvPr id="123" name="Agrupar 26">
-                    <a:extLst>
-                      <a:ext uri="{FF2B5EF4-FFF2-40B4-BE49-F238E27FC236}">
-                        <a16:creationId xmlns:a16="http://schemas.microsoft.com/office/drawing/2014/main" xmlns="" id="{E736EA85-D4AF-4293-B794-771E4EF2328C}"/>
-                      </a:ext>
-                    </a:extLst>
-                  </p:cNvPr>
-                  <p:cNvGrpSpPr/>
-                  <p:nvPr/>
-                </p:nvGrpSpPr>
-                <p:grpSpPr>
-                  <a:xfrm flipH="1">
-                    <a:off x="7003486" y="2092611"/>
-                    <a:ext cx="739002" cy="797849"/>
-                    <a:chOff x="7653859" y="2236959"/>
-                    <a:chExt cx="739002" cy="797849"/>
-                  </a:xfrm>
-                </p:grpSpPr>
-                <p:sp>
-                  <p:nvSpPr>
-                    <p:cNvPr id="124" name="Retângulo: Cantos Arredondados 27">
-                      <a:extLst>
-                        <a:ext uri="{FF2B5EF4-FFF2-40B4-BE49-F238E27FC236}">
-                          <a16:creationId xmlns:a16="http://schemas.microsoft.com/office/drawing/2014/main" xmlns="" id="{84412980-2075-4276-823D-E43C25E95EFF}"/>
-                        </a:ext>
-                      </a:extLst>
-                    </p:cNvPr>
-                    <p:cNvSpPr/>
-                    <p:nvPr/>
-                  </p:nvSpPr>
-                  <p:spPr>
-                    <a:xfrm rot="2700000">
-                      <a:off x="7959367" y="1931451"/>
-                      <a:ext cx="127985" cy="739002"/>
-                    </a:xfrm>
-                    <a:prstGeom prst="roundRect">
-                      <a:avLst>
-                        <a:gd name="adj" fmla="val 50000"/>
-                      </a:avLst>
-                    </a:prstGeom>
-                    <a:solidFill>
-                      <a:srgbClr val="72C800"/>
-                    </a:solidFill>
-                    <a:ln>
-                      <a:noFill/>
-                    </a:ln>
-                  </p:spPr>
-                  <p:style>
-                    <a:lnRef idx="2">
-                      <a:schemeClr val="accent1">
-                        <a:shade val="50000"/>
-                      </a:schemeClr>
-                    </a:lnRef>
-                    <a:fillRef idx="1">
-                      <a:schemeClr val="accent1"/>
-                    </a:fillRef>
-                    <a:effectRef idx="0">
-                      <a:schemeClr val="accent1"/>
-                    </a:effectRef>
-                    <a:fontRef idx="minor">
-                      <a:schemeClr val="lt1"/>
-                    </a:fontRef>
-                  </p:style>
-                  <p:txBody>
-                    <a:bodyPr rtlCol="0" anchor="ctr"/>
-                    <a:lstStyle/>
-                    <a:p>
-                      <a:pPr algn="r"/>
-                      <a:endParaRPr lang="pt-BR"/>
-                    </a:p>
-                  </p:txBody>
-                </p:sp>
-                <p:sp>
-                  <p:nvSpPr>
-                    <p:cNvPr id="125" name="Retângulo: Cantos Arredondados 28">
-                      <a:extLst>
-                        <a:ext uri="{FF2B5EF4-FFF2-40B4-BE49-F238E27FC236}">
-                          <a16:creationId xmlns:a16="http://schemas.microsoft.com/office/drawing/2014/main" xmlns="" id="{FC7F90A0-A267-4F99-93FB-4DD31F4565F6}"/>
-                        </a:ext>
-                      </a:extLst>
-                    </p:cNvPr>
-                    <p:cNvSpPr/>
-                    <p:nvPr/>
-                  </p:nvSpPr>
-                  <p:spPr>
-                    <a:xfrm rot="2700000">
-                      <a:off x="7959367" y="2601315"/>
-                      <a:ext cx="127985" cy="739002"/>
-                    </a:xfrm>
-                    <a:prstGeom prst="roundRect">
-                      <a:avLst>
-                        <a:gd name="adj" fmla="val 50000"/>
-                      </a:avLst>
-                    </a:prstGeom>
-                    <a:solidFill>
-                      <a:srgbClr val="72C800"/>
-                    </a:solidFill>
-                    <a:ln>
-                      <a:noFill/>
-                    </a:ln>
-                  </p:spPr>
-                  <p:style>
-                    <a:lnRef idx="2">
-                      <a:schemeClr val="accent1">
-                        <a:shade val="50000"/>
-                      </a:schemeClr>
-                    </a:lnRef>
-                    <a:fillRef idx="1">
-                      <a:schemeClr val="accent1"/>
-                    </a:fillRef>
-                    <a:effectRef idx="0">
-                      <a:schemeClr val="accent1"/>
-                    </a:effectRef>
-                    <a:fontRef idx="minor">
-                      <a:schemeClr val="lt1"/>
-                    </a:fontRef>
-                  </p:style>
-                  <p:txBody>
-                    <a:bodyPr rtlCol="0" anchor="ctr"/>
-                    <a:lstStyle/>
-                    <a:p>
-                      <a:pPr algn="r"/>
-                      <a:endParaRPr lang="pt-BR"/>
-                    </a:p>
-                  </p:txBody>
-                </p:sp>
-              </p:grpSp>
-            </p:grpSp>
-            <p:grpSp>
-              <p:nvGrpSpPr>
-                <p:cNvPr id="118" name="Agrupar 21">
-                  <a:extLst>
-                    <a:ext uri="{FF2B5EF4-FFF2-40B4-BE49-F238E27FC236}">
-                      <a16:creationId xmlns:a16="http://schemas.microsoft.com/office/drawing/2014/main" xmlns="" id="{29065F86-9559-45A0-A934-DBBD6FD794C5}"/>
-                    </a:ext>
-                  </a:extLst>
-                </p:cNvPr>
-                <p:cNvGrpSpPr/>
-                <p:nvPr/>
-              </p:nvGrpSpPr>
-              <p:grpSpPr>
-                <a:xfrm>
-                  <a:off x="7310020" y="1651455"/>
-                  <a:ext cx="931466" cy="739002"/>
-                  <a:chOff x="7308995" y="2456967"/>
-                  <a:chExt cx="931466" cy="739002"/>
-                </a:xfrm>
-              </p:grpSpPr>
-              <p:sp>
-                <p:nvSpPr>
-                  <p:cNvPr id="119" name="Retângulo: Cantos Arredondados 22">
-                    <a:extLst>
-                      <a:ext uri="{FF2B5EF4-FFF2-40B4-BE49-F238E27FC236}">
-                        <a16:creationId xmlns:a16="http://schemas.microsoft.com/office/drawing/2014/main" xmlns="" id="{5EAE69C0-ECD0-442A-85E6-C5C01336EDA9}"/>
-                      </a:ext>
-                    </a:extLst>
-                  </p:cNvPr>
-                  <p:cNvSpPr/>
-                  <p:nvPr/>
-                </p:nvSpPr>
-                <p:spPr>
-                  <a:xfrm rot="2700000">
-                    <a:off x="7806967" y="2448915"/>
-                    <a:ext cx="127985" cy="739002"/>
-                  </a:xfrm>
-                  <a:prstGeom prst="roundRect">
-                    <a:avLst>
-                      <a:gd name="adj" fmla="val 50000"/>
-                    </a:avLst>
-                  </a:prstGeom>
-                  <a:solidFill>
-                    <a:srgbClr val="72C800"/>
-                  </a:solidFill>
-                  <a:ln>
-                    <a:noFill/>
-                  </a:ln>
-                </p:spPr>
-                <p:style>
-                  <a:lnRef idx="2">
-                    <a:schemeClr val="accent1">
-                      <a:shade val="50000"/>
-                    </a:schemeClr>
-                  </a:lnRef>
-                  <a:fillRef idx="1">
-                    <a:schemeClr val="accent1"/>
-                  </a:fillRef>
-                  <a:effectRef idx="0">
-                    <a:schemeClr val="accent1"/>
-                  </a:effectRef>
-                  <a:fontRef idx="minor">
-                    <a:schemeClr val="lt1"/>
-                  </a:fontRef>
-                </p:style>
-                <p:txBody>
-                  <a:bodyPr rtlCol="0" anchor="ctr"/>
-                  <a:lstStyle/>
-                  <a:p>
-                    <a:pPr algn="r"/>
-                    <a:endParaRPr lang="pt-BR"/>
-                  </a:p>
-                </p:txBody>
-              </p:sp>
-              <p:sp>
-                <p:nvSpPr>
-                  <p:cNvPr id="120" name="Retângulo: Cantos Arredondados 23">
-                    <a:extLst>
-                      <a:ext uri="{FF2B5EF4-FFF2-40B4-BE49-F238E27FC236}">
-                        <a16:creationId xmlns:a16="http://schemas.microsoft.com/office/drawing/2014/main" xmlns="" id="{7693F556-B50A-44BF-9A5C-D3C4AC4EAD96}"/>
-                      </a:ext>
-                    </a:extLst>
-                  </p:cNvPr>
-                  <p:cNvSpPr/>
-                  <p:nvPr/>
-                </p:nvSpPr>
-                <p:spPr>
-                  <a:xfrm rot="18900000" flipH="1">
-                    <a:off x="7308995" y="2456967"/>
-                    <a:ext cx="127985" cy="739002"/>
-                  </a:xfrm>
-                  <a:prstGeom prst="roundRect">
-                    <a:avLst>
-                      <a:gd name="adj" fmla="val 50000"/>
-                    </a:avLst>
-                  </a:prstGeom>
-                  <a:solidFill>
-                    <a:srgbClr val="72C800"/>
-                  </a:solidFill>
-                  <a:ln>
-                    <a:noFill/>
-                  </a:ln>
-                </p:spPr>
-                <p:style>
-                  <a:lnRef idx="2">
-                    <a:schemeClr val="accent1">
-                      <a:shade val="50000"/>
-                    </a:schemeClr>
-                  </a:lnRef>
-                  <a:fillRef idx="1">
-                    <a:schemeClr val="accent1"/>
-                  </a:fillRef>
-                  <a:effectRef idx="0">
-                    <a:schemeClr val="accent1"/>
-                  </a:effectRef>
-                  <a:fontRef idx="minor">
-                    <a:schemeClr val="lt1"/>
-                  </a:fontRef>
-                </p:style>
-                <p:txBody>
-                  <a:bodyPr rtlCol="0" anchor="ctr"/>
-                  <a:lstStyle/>
-                  <a:p>
-                    <a:pPr algn="r"/>
-                    <a:endParaRPr lang="pt-BR"/>
-                  </a:p>
-                </p:txBody>
-              </p:sp>
-            </p:grpSp>
-          </p:grpSp>
-        </p:grpSp>
-        <p:grpSp>
-          <p:nvGrpSpPr>
-            <p:cNvPr id="101" name="Grupo 100"/>
-            <p:cNvGrpSpPr/>
-            <p:nvPr/>
-          </p:nvGrpSpPr>
-          <p:grpSpPr>
-            <a:xfrm>
-              <a:off x="5222849" y="5115785"/>
-              <a:ext cx="391710" cy="589391"/>
-              <a:chOff x="5800690" y="5104239"/>
-              <a:chExt cx="391710" cy="589391"/>
-            </a:xfrm>
-          </p:grpSpPr>
-          <p:sp>
-            <p:nvSpPr>
-              <p:cNvPr id="102" name="Retângulo 101">
-                <a:extLst>
-                  <a:ext uri="{FF2B5EF4-FFF2-40B4-BE49-F238E27FC236}">
-                    <a16:creationId xmlns:a16="http://schemas.microsoft.com/office/drawing/2014/main" xmlns="" id="{AAE567ED-5815-4493-B2FA-CE69C8A3E85A}"/>
-                  </a:ext>
-                </a:extLst>
-              </p:cNvPr>
-              <p:cNvSpPr/>
-              <p:nvPr/>
-            </p:nvSpPr>
-            <p:spPr>
-              <a:xfrm>
-                <a:off x="5800690" y="5104538"/>
-                <a:ext cx="108970" cy="589092"/>
-              </a:xfrm>
-              <a:prstGeom prst="rect">
-                <a:avLst/>
-              </a:prstGeom>
-              <a:solidFill>
-                <a:schemeClr val="tx1">
-                  <a:lumMod val="75000"/>
-                  <a:lumOff val="25000"/>
-                </a:schemeClr>
-              </a:solidFill>
-              <a:ln>
-                <a:noFill/>
-              </a:ln>
-            </p:spPr>
-            <p:style>
-              <a:lnRef idx="2">
-                <a:schemeClr val="accent1">
-                  <a:shade val="50000"/>
-                </a:schemeClr>
-              </a:lnRef>
-              <a:fillRef idx="1">
-                <a:schemeClr val="accent1"/>
-              </a:fillRef>
-              <a:effectRef idx="0">
-                <a:schemeClr val="accent1"/>
-              </a:effectRef>
-              <a:fontRef idx="minor">
-                <a:schemeClr val="lt1"/>
-              </a:fontRef>
-            </p:style>
-            <p:txBody>
-              <a:bodyPr rtlCol="0" anchor="ctr"/>
-              <a:lstStyle/>
-              <a:p>
-                <a:pPr algn="r"/>
-                <a:endParaRPr lang="pt-BR"/>
-              </a:p>
-            </p:txBody>
-          </p:sp>
-          <p:sp>
-            <p:nvSpPr>
-              <p:cNvPr id="103" name="Retângulo 102">
-                <a:extLst>
-                  <a:ext uri="{FF2B5EF4-FFF2-40B4-BE49-F238E27FC236}">
-                    <a16:creationId xmlns:a16="http://schemas.microsoft.com/office/drawing/2014/main" xmlns="" id="{AAE567ED-5815-4493-B2FA-CE69C8A3E85A}"/>
-                  </a:ext>
-                </a:extLst>
-              </p:cNvPr>
-              <p:cNvSpPr/>
-              <p:nvPr/>
-            </p:nvSpPr>
-            <p:spPr>
-              <a:xfrm rot="16200000">
-                <a:off x="5893478" y="5251811"/>
-                <a:ext cx="108970" cy="294546"/>
-              </a:xfrm>
-              <a:prstGeom prst="rect">
-                <a:avLst/>
-              </a:prstGeom>
-              <a:solidFill>
-                <a:schemeClr val="tx1">
-                  <a:lumMod val="75000"/>
-                  <a:lumOff val="25000"/>
-                </a:schemeClr>
-              </a:solidFill>
-              <a:ln>
-                <a:noFill/>
-              </a:ln>
-            </p:spPr>
-            <p:style>
-              <a:lnRef idx="2">
-                <a:schemeClr val="accent1">
-                  <a:shade val="50000"/>
-                </a:schemeClr>
-              </a:lnRef>
-              <a:fillRef idx="1">
-                <a:schemeClr val="accent1"/>
-              </a:fillRef>
-              <a:effectRef idx="0">
-                <a:schemeClr val="accent1"/>
-              </a:effectRef>
-              <a:fontRef idx="minor">
-                <a:schemeClr val="lt1"/>
-              </a:fontRef>
-            </p:style>
-            <p:txBody>
-              <a:bodyPr rtlCol="0" anchor="ctr"/>
-              <a:lstStyle/>
-              <a:p>
-                <a:pPr algn="r"/>
-                <a:endParaRPr lang="pt-BR"/>
-              </a:p>
-            </p:txBody>
-          </p:sp>
-          <p:sp>
-            <p:nvSpPr>
-              <p:cNvPr id="104" name="Retângulo 103">
-                <a:extLst>
-                  <a:ext uri="{FF2B5EF4-FFF2-40B4-BE49-F238E27FC236}">
-                    <a16:creationId xmlns:a16="http://schemas.microsoft.com/office/drawing/2014/main" xmlns="" id="{AAE567ED-5815-4493-B2FA-CE69C8A3E85A}"/>
-                  </a:ext>
-                </a:extLst>
-              </p:cNvPr>
-              <p:cNvSpPr/>
-              <p:nvPr/>
-            </p:nvSpPr>
-            <p:spPr>
-              <a:xfrm>
-                <a:off x="6083430" y="5104239"/>
-                <a:ext cx="108970" cy="589092"/>
-              </a:xfrm>
-              <a:prstGeom prst="rect">
-                <a:avLst/>
-              </a:prstGeom>
-              <a:solidFill>
-                <a:schemeClr val="tx1">
-                  <a:lumMod val="75000"/>
-                  <a:lumOff val="25000"/>
-                </a:schemeClr>
-              </a:solidFill>
-              <a:ln>
-                <a:noFill/>
-              </a:ln>
-            </p:spPr>
-            <p:style>
-              <a:lnRef idx="2">
-                <a:schemeClr val="accent1">
-                  <a:shade val="50000"/>
-                </a:schemeClr>
-              </a:lnRef>
-              <a:fillRef idx="1">
-                <a:schemeClr val="accent1"/>
-              </a:fillRef>
-              <a:effectRef idx="0">
-                <a:schemeClr val="accent1"/>
-              </a:effectRef>
-              <a:fontRef idx="minor">
-                <a:schemeClr val="lt1"/>
-              </a:fontRef>
-            </p:style>
-            <p:txBody>
-              <a:bodyPr rtlCol="0" anchor="ctr"/>
-              <a:lstStyle/>
-              <a:p>
-                <a:pPr algn="r"/>
-                <a:endParaRPr lang="pt-BR"/>
-              </a:p>
-            </p:txBody>
-          </p:sp>
-        </p:grpSp>
-        <p:sp>
-          <p:nvSpPr>
-            <p:cNvPr id="108" name="Forma Livre: Forma 55">
-              <a:extLst>
-                <a:ext uri="{FF2B5EF4-FFF2-40B4-BE49-F238E27FC236}">
-                  <a16:creationId xmlns:a16="http://schemas.microsoft.com/office/drawing/2014/main" xmlns="" id="{49514120-7B2C-4575-BF94-7E3FA2CB17A8}"/>
-                </a:ext>
-              </a:extLst>
-            </p:cNvPr>
-            <p:cNvSpPr/>
-            <p:nvPr/>
-          </p:nvSpPr>
-          <p:spPr>
-            <a:xfrm>
-              <a:off x="5709282" y="5467647"/>
-              <a:ext cx="451396" cy="225983"/>
-            </a:xfrm>
-            <a:custGeom>
-              <a:avLst/>
-              <a:gdLst/>
-              <a:ahLst/>
-              <a:cxnLst/>
-              <a:rect l="l" t="t" r="r" b="b"/>
-              <a:pathLst>
-                <a:path w="620653" h="300051">
-                  <a:moveTo>
-                    <a:pt x="0" y="0"/>
-                  </a:moveTo>
-                  <a:lnTo>
-                    <a:pt x="116219" y="0"/>
-                  </a:lnTo>
-                  <a:cubicBezTo>
-                    <a:pt x="122120" y="102121"/>
-                    <a:pt x="207056" y="182804"/>
-                    <a:pt x="310837" y="182804"/>
-                  </a:cubicBezTo>
-                  <a:cubicBezTo>
-                    <a:pt x="414618" y="182804"/>
-                    <a:pt x="499554" y="102121"/>
-                    <a:pt x="505455" y="0"/>
-                  </a:cubicBezTo>
-                  <a:lnTo>
-                    <a:pt x="620653" y="0"/>
-                  </a:lnTo>
-                  <a:cubicBezTo>
-                    <a:pt x="615568" y="166750"/>
-                    <a:pt x="478515" y="300051"/>
-                    <a:pt x="310327" y="300051"/>
-                  </a:cubicBezTo>
-                  <a:cubicBezTo>
-                    <a:pt x="142139" y="300051"/>
-                    <a:pt x="5086" y="166750"/>
-                    <a:pt x="0" y="0"/>
-                  </a:cubicBezTo>
-                  <a:close/>
-                </a:path>
-              </a:pathLst>
-            </a:custGeom>
-            <a:solidFill>
-              <a:srgbClr val="81FF3B"/>
-            </a:solidFill>
-            <a:ln>
-              <a:noFill/>
-            </a:ln>
-          </p:spPr>
-          <p:style>
-            <a:lnRef idx="2">
-              <a:schemeClr val="accent1">
-                <a:shade val="50000"/>
-              </a:schemeClr>
-            </a:lnRef>
-            <a:fillRef idx="1">
-              <a:schemeClr val="accent1"/>
-            </a:fillRef>
-            <a:effectRef idx="0">
-              <a:schemeClr val="accent1"/>
-            </a:effectRef>
-            <a:fontRef idx="minor">
-              <a:schemeClr val="lt1"/>
-            </a:fontRef>
-          </p:style>
-          <p:txBody>
-            <a:bodyPr wrap="square" rtlCol="0" anchor="ctr">
-              <a:noAutofit/>
-            </a:bodyPr>
-            <a:lstStyle/>
-            <a:p>
-              <a:pPr algn="r"/>
-              <a:endParaRPr lang="pt-BR"/>
-            </a:p>
-          </p:txBody>
-        </p:sp>
-        <p:sp>
-          <p:nvSpPr>
-            <p:cNvPr id="139" name="Retângulo 138"/>
-            <p:cNvSpPr/>
-            <p:nvPr/>
-          </p:nvSpPr>
-          <p:spPr>
-            <a:xfrm>
-              <a:off x="5709282" y="5274744"/>
-              <a:ext cx="79669" cy="177648"/>
-            </a:xfrm>
-            <a:prstGeom prst="rect">
-              <a:avLst/>
-            </a:prstGeom>
-            <a:solidFill>
-              <a:srgbClr val="81FF3B"/>
-            </a:solidFill>
-            <a:ln>
-              <a:noFill/>
-            </a:ln>
-          </p:spPr>
-          <p:style>
-            <a:lnRef idx="2">
-              <a:schemeClr val="accent1">
-                <a:shade val="50000"/>
-              </a:schemeClr>
-            </a:lnRef>
-            <a:fillRef idx="1">
-              <a:schemeClr val="accent1"/>
-            </a:fillRef>
-            <a:effectRef idx="0">
-              <a:schemeClr val="accent1"/>
-            </a:effectRef>
-            <a:fontRef idx="minor">
-              <a:schemeClr val="lt1"/>
-            </a:fontRef>
-          </p:style>
-          <p:txBody>
-            <a:bodyPr rtlCol="0" anchor="ctr"/>
-            <a:lstStyle/>
-            <a:p>
-              <a:pPr algn="r"/>
-              <a:endParaRPr lang="pt-BR"/>
-            </a:p>
-          </p:txBody>
-        </p:sp>
-        <p:sp>
-          <p:nvSpPr>
-            <p:cNvPr id="140" name="Retângulo 139"/>
-            <p:cNvSpPr/>
-            <p:nvPr/>
-          </p:nvSpPr>
-          <p:spPr>
-            <a:xfrm>
-              <a:off x="6080678" y="5277423"/>
-              <a:ext cx="79669" cy="177648"/>
-            </a:xfrm>
-            <a:prstGeom prst="rect">
-              <a:avLst/>
-            </a:prstGeom>
-            <a:solidFill>
-              <a:srgbClr val="81FF3B"/>
-            </a:solidFill>
-            <a:ln>
-              <a:noFill/>
-            </a:ln>
-          </p:spPr>
-          <p:style>
-            <a:lnRef idx="2">
-              <a:schemeClr val="accent1">
-                <a:shade val="50000"/>
-              </a:schemeClr>
-            </a:lnRef>
-            <a:fillRef idx="1">
-              <a:schemeClr val="accent1"/>
-            </a:fillRef>
-            <a:effectRef idx="0">
-              <a:schemeClr val="accent1"/>
-            </a:effectRef>
-            <a:fontRef idx="minor">
-              <a:schemeClr val="lt1"/>
-            </a:fontRef>
-          </p:style>
-          <p:txBody>
-            <a:bodyPr rtlCol="0" anchor="ctr"/>
-            <a:lstStyle/>
-            <a:p>
-              <a:pPr algn="r"/>
-              <a:endParaRPr lang="pt-BR"/>
-            </a:p>
-          </p:txBody>
-        </p:sp>
-        <p:grpSp>
-          <p:nvGrpSpPr>
-            <p:cNvPr id="110" name="Grupo 109"/>
-            <p:cNvGrpSpPr/>
-            <p:nvPr/>
-          </p:nvGrpSpPr>
-          <p:grpSpPr>
-            <a:xfrm>
-              <a:off x="6286689" y="5247798"/>
-              <a:ext cx="670353" cy="433020"/>
-              <a:chOff x="6344082" y="5081091"/>
-              <a:chExt cx="936105" cy="604686"/>
-            </a:xfrm>
-          </p:grpSpPr>
-          <p:sp>
-            <p:nvSpPr>
-              <p:cNvPr id="141" name="Retângulo 140">
-                <a:extLst>
-                  <a:ext uri="{FF2B5EF4-FFF2-40B4-BE49-F238E27FC236}">
-                    <a16:creationId xmlns:a16="http://schemas.microsoft.com/office/drawing/2014/main" xmlns="" id="{AAE567ED-5815-4493-B2FA-CE69C8A3E85A}"/>
-                  </a:ext>
-                </a:extLst>
-              </p:cNvPr>
-              <p:cNvSpPr/>
-              <p:nvPr/>
-            </p:nvSpPr>
-            <p:spPr>
-              <a:xfrm>
-                <a:off x="6344082" y="5081091"/>
-                <a:ext cx="117585" cy="604683"/>
-              </a:xfrm>
-              <a:prstGeom prst="rect">
-                <a:avLst/>
-              </a:prstGeom>
-              <a:solidFill>
-                <a:schemeClr val="tx1">
-                  <a:lumMod val="75000"/>
-                  <a:lumOff val="25000"/>
-                </a:schemeClr>
-              </a:solidFill>
-              <a:ln>
-                <a:noFill/>
-              </a:ln>
-            </p:spPr>
-            <p:style>
-              <a:lnRef idx="2">
-                <a:schemeClr val="accent1">
-                  <a:shade val="50000"/>
-                </a:schemeClr>
-              </a:lnRef>
-              <a:fillRef idx="1">
-                <a:schemeClr val="accent1"/>
-              </a:fillRef>
-              <a:effectRef idx="0">
-                <a:schemeClr val="accent1"/>
-              </a:effectRef>
-              <a:fontRef idx="minor">
-                <a:schemeClr val="lt1"/>
-              </a:fontRef>
-            </p:style>
-            <p:txBody>
-              <a:bodyPr rtlCol="0" anchor="ctr"/>
-              <a:lstStyle/>
-              <a:p>
-                <a:pPr algn="r"/>
-                <a:endParaRPr lang="pt-BR"/>
-              </a:p>
-            </p:txBody>
-          </p:sp>
-          <p:sp>
-            <p:nvSpPr>
-              <p:cNvPr id="142" name="Forma Livre: Forma 49">
-                <a:extLst>
-                  <a:ext uri="{FF2B5EF4-FFF2-40B4-BE49-F238E27FC236}">
-                    <a16:creationId xmlns:a16="http://schemas.microsoft.com/office/drawing/2014/main" xmlns="" id="{41453F3A-CCFA-4C9D-AB76-D9A8CED0195A}"/>
-                  </a:ext>
-                </a:extLst>
-              </p:cNvPr>
-              <p:cNvSpPr/>
-              <p:nvPr/>
-            </p:nvSpPr>
-            <p:spPr>
-              <a:xfrm>
-                <a:off x="6344085" y="5101850"/>
-                <a:ext cx="529132" cy="549334"/>
-              </a:xfrm>
-              <a:custGeom>
-                <a:avLst/>
-                <a:gdLst/>
-                <a:ahLst/>
-                <a:cxnLst/>
-                <a:rect l="l" t="t" r="r" b="b"/>
-                <a:pathLst>
-                  <a:path w="619604" h="549334">
-                    <a:moveTo>
-                      <a:pt x="309802" y="0"/>
-                    </a:moveTo>
-                    <a:cubicBezTo>
-                      <a:pt x="480901" y="0"/>
-                      <a:pt x="619604" y="138704"/>
-                      <a:pt x="619604" y="309802"/>
-                    </a:cubicBezTo>
-                    <a:cubicBezTo>
-                      <a:pt x="619604" y="406936"/>
-                      <a:pt x="574901" y="493629"/>
-                      <a:pt x="504056" y="549334"/>
-                    </a:cubicBezTo>
-                    <a:lnTo>
-                      <a:pt x="504056" y="309802"/>
-                    </a:lnTo>
-                    <a:lnTo>
-                      <a:pt x="481468" y="309802"/>
-                    </a:lnTo>
-                    <a:cubicBezTo>
-                      <a:pt x="481468" y="214993"/>
-                      <a:pt x="404611" y="138137"/>
-                      <a:pt x="309802" y="138137"/>
-                    </a:cubicBezTo>
-                    <a:cubicBezTo>
-                      <a:pt x="214993" y="138137"/>
-                      <a:pt x="138137" y="214993"/>
-                      <a:pt x="138137" y="309802"/>
-                    </a:cubicBezTo>
-                    <a:lnTo>
-                      <a:pt x="0" y="309802"/>
-                    </a:lnTo>
-                    <a:cubicBezTo>
-                      <a:pt x="0" y="138704"/>
-                      <a:pt x="138704" y="0"/>
-                      <a:pt x="309802" y="0"/>
-                    </a:cubicBezTo>
-                    <a:close/>
-                  </a:path>
-                </a:pathLst>
-              </a:custGeom>
-              <a:solidFill>
-                <a:schemeClr val="tx1">
-                  <a:lumMod val="75000"/>
-                  <a:lumOff val="25000"/>
-                </a:schemeClr>
-              </a:solidFill>
-              <a:ln>
-                <a:noFill/>
-              </a:ln>
-            </p:spPr>
-            <p:style>
-              <a:lnRef idx="2">
-                <a:schemeClr val="accent1">
-                  <a:shade val="50000"/>
-                </a:schemeClr>
-              </a:lnRef>
-              <a:fillRef idx="1">
-                <a:schemeClr val="accent1"/>
-              </a:fillRef>
-              <a:effectRef idx="0">
-                <a:schemeClr val="accent1"/>
-              </a:effectRef>
-              <a:fontRef idx="minor">
-                <a:schemeClr val="lt1"/>
-              </a:fontRef>
-            </p:style>
-            <p:txBody>
-              <a:bodyPr wrap="square" rtlCol="0" anchor="ctr">
-                <a:noAutofit/>
-              </a:bodyPr>
-              <a:lstStyle/>
-              <a:p>
-                <a:pPr algn="r"/>
-                <a:endParaRPr lang="pt-BR"/>
-              </a:p>
-            </p:txBody>
-          </p:sp>
-          <p:sp>
-            <p:nvSpPr>
-              <p:cNvPr id="143" name="Retângulo 142">
-                <a:extLst>
-                  <a:ext uri="{FF2B5EF4-FFF2-40B4-BE49-F238E27FC236}">
-                    <a16:creationId xmlns:a16="http://schemas.microsoft.com/office/drawing/2014/main" xmlns="" id="{AAE567ED-5815-4493-B2FA-CE69C8A3E85A}"/>
-                  </a:ext>
-                </a:extLst>
-              </p:cNvPr>
-              <p:cNvSpPr/>
-              <p:nvPr/>
-            </p:nvSpPr>
-            <p:spPr>
-              <a:xfrm>
-                <a:off x="6755631" y="5376519"/>
-                <a:ext cx="117585" cy="309258"/>
-              </a:xfrm>
-              <a:prstGeom prst="rect">
-                <a:avLst/>
-              </a:prstGeom>
-              <a:solidFill>
-                <a:schemeClr val="tx1">
-                  <a:lumMod val="75000"/>
-                  <a:lumOff val="25000"/>
-                </a:schemeClr>
-              </a:solidFill>
-              <a:ln>
-                <a:noFill/>
-              </a:ln>
-            </p:spPr>
-            <p:style>
-              <a:lnRef idx="2">
-                <a:schemeClr val="accent1">
-                  <a:shade val="50000"/>
-                </a:schemeClr>
-              </a:lnRef>
-              <a:fillRef idx="1">
-                <a:schemeClr val="accent1"/>
-              </a:fillRef>
-              <a:effectRef idx="0">
-                <a:schemeClr val="accent1"/>
-              </a:effectRef>
-              <a:fontRef idx="minor">
-                <a:schemeClr val="lt1"/>
-              </a:fontRef>
-            </p:style>
-            <p:txBody>
-              <a:bodyPr rtlCol="0" anchor="ctr"/>
-              <a:lstStyle/>
-              <a:p>
-                <a:pPr algn="r"/>
-                <a:endParaRPr lang="pt-BR"/>
-              </a:p>
-            </p:txBody>
-          </p:sp>
-          <p:sp>
-            <p:nvSpPr>
-              <p:cNvPr id="144" name="Forma Livre: Forma 49">
-                <a:extLst>
-                  <a:ext uri="{FF2B5EF4-FFF2-40B4-BE49-F238E27FC236}">
-                    <a16:creationId xmlns:a16="http://schemas.microsoft.com/office/drawing/2014/main" xmlns="" id="{41453F3A-CCFA-4C9D-AB76-D9A8CED0195A}"/>
-                  </a:ext>
-                </a:extLst>
-              </p:cNvPr>
-              <p:cNvSpPr/>
-              <p:nvPr/>
-            </p:nvSpPr>
-            <p:spPr>
-              <a:xfrm>
-                <a:off x="6755631" y="5096149"/>
-                <a:ext cx="524556" cy="549334"/>
-              </a:xfrm>
-              <a:custGeom>
-                <a:avLst/>
-                <a:gdLst/>
-                <a:ahLst/>
-                <a:cxnLst/>
-                <a:rect l="l" t="t" r="r" b="b"/>
-                <a:pathLst>
-                  <a:path w="619604" h="549334">
-                    <a:moveTo>
-                      <a:pt x="309802" y="0"/>
-                    </a:moveTo>
-                    <a:cubicBezTo>
-                      <a:pt x="480901" y="0"/>
-                      <a:pt x="619604" y="138704"/>
-                      <a:pt x="619604" y="309802"/>
-                    </a:cubicBezTo>
-                    <a:cubicBezTo>
-                      <a:pt x="619604" y="406936"/>
-                      <a:pt x="574901" y="493629"/>
-                      <a:pt x="504056" y="549334"/>
-                    </a:cubicBezTo>
-                    <a:lnTo>
-                      <a:pt x="504056" y="309802"/>
-                    </a:lnTo>
-                    <a:lnTo>
-                      <a:pt x="481468" y="309802"/>
-                    </a:lnTo>
-                    <a:cubicBezTo>
-                      <a:pt x="481468" y="214993"/>
-                      <a:pt x="404611" y="138137"/>
-                      <a:pt x="309802" y="138137"/>
-                    </a:cubicBezTo>
-                    <a:cubicBezTo>
-                      <a:pt x="214993" y="138137"/>
-                      <a:pt x="138137" y="214993"/>
-                      <a:pt x="138137" y="309802"/>
-                    </a:cubicBezTo>
-                    <a:lnTo>
-                      <a:pt x="0" y="309802"/>
-                    </a:lnTo>
-                    <a:cubicBezTo>
-                      <a:pt x="0" y="138704"/>
-                      <a:pt x="138704" y="0"/>
-                      <a:pt x="309802" y="0"/>
-                    </a:cubicBezTo>
-                    <a:close/>
-                  </a:path>
-                </a:pathLst>
-              </a:custGeom>
-              <a:solidFill>
-                <a:schemeClr val="tx1">
-                  <a:lumMod val="75000"/>
-                  <a:lumOff val="25000"/>
-                </a:schemeClr>
-              </a:solidFill>
-              <a:ln>
-                <a:noFill/>
-              </a:ln>
-            </p:spPr>
-            <p:style>
-              <a:lnRef idx="2">
-                <a:schemeClr val="accent1">
-                  <a:shade val="50000"/>
-                </a:schemeClr>
-              </a:lnRef>
-              <a:fillRef idx="1">
-                <a:schemeClr val="accent1"/>
-              </a:fillRef>
-              <a:effectRef idx="0">
-                <a:schemeClr val="accent1"/>
-              </a:effectRef>
-              <a:fontRef idx="minor">
-                <a:schemeClr val="lt1"/>
-              </a:fontRef>
-            </p:style>
-            <p:txBody>
-              <a:bodyPr wrap="square" rtlCol="0" anchor="ctr">
-                <a:noAutofit/>
-              </a:bodyPr>
-              <a:lstStyle/>
-              <a:p>
-                <a:pPr algn="r"/>
-                <a:endParaRPr lang="pt-BR"/>
-              </a:p>
-            </p:txBody>
-          </p:sp>
-          <p:sp>
-            <p:nvSpPr>
-              <p:cNvPr id="145" name="Retângulo 144">
-                <a:extLst>
-                  <a:ext uri="{FF2B5EF4-FFF2-40B4-BE49-F238E27FC236}">
-                    <a16:creationId xmlns:a16="http://schemas.microsoft.com/office/drawing/2014/main" xmlns="" id="{AAE567ED-5815-4493-B2FA-CE69C8A3E85A}"/>
-                  </a:ext>
-                </a:extLst>
-              </p:cNvPr>
-              <p:cNvSpPr/>
-              <p:nvPr/>
-            </p:nvSpPr>
-            <p:spPr>
-              <a:xfrm>
-                <a:off x="7162602" y="5376516"/>
-                <a:ext cx="117585" cy="309258"/>
-              </a:xfrm>
-              <a:prstGeom prst="rect">
-                <a:avLst/>
-              </a:prstGeom>
-              <a:solidFill>
-                <a:schemeClr val="tx1">
-                  <a:lumMod val="75000"/>
-                  <a:lumOff val="25000"/>
-                </a:schemeClr>
-              </a:solidFill>
-              <a:ln>
-                <a:noFill/>
-              </a:ln>
-            </p:spPr>
-            <p:style>
-              <a:lnRef idx="2">
-                <a:schemeClr val="accent1">
-                  <a:shade val="50000"/>
-                </a:schemeClr>
-              </a:lnRef>
-              <a:fillRef idx="1">
-                <a:schemeClr val="accent1"/>
-              </a:fillRef>
-              <a:effectRef idx="0">
-                <a:schemeClr val="accent1"/>
-              </a:effectRef>
-              <a:fontRef idx="minor">
-                <a:schemeClr val="lt1"/>
-              </a:fontRef>
-            </p:style>
-            <p:txBody>
-              <a:bodyPr rtlCol="0" anchor="ctr"/>
-              <a:lstStyle/>
-              <a:p>
-                <a:pPr algn="r"/>
-                <a:endParaRPr lang="pt-BR"/>
-              </a:p>
-            </p:txBody>
-          </p:sp>
-        </p:grpSp>
-        <p:grpSp>
-          <p:nvGrpSpPr>
-            <p:cNvPr id="147" name="Grupo 146"/>
-            <p:cNvGrpSpPr/>
-            <p:nvPr/>
-          </p:nvGrpSpPr>
-          <p:grpSpPr>
-            <a:xfrm>
-              <a:off x="7043805" y="5252926"/>
-              <a:ext cx="670352" cy="433019"/>
-              <a:chOff x="6344087" y="5081091"/>
-              <a:chExt cx="936104" cy="604684"/>
-            </a:xfrm>
-          </p:grpSpPr>
-          <p:sp>
-            <p:nvSpPr>
-              <p:cNvPr id="148" name="Retângulo 147">
-                <a:extLst>
-                  <a:ext uri="{FF2B5EF4-FFF2-40B4-BE49-F238E27FC236}">
-                    <a16:creationId xmlns:a16="http://schemas.microsoft.com/office/drawing/2014/main" xmlns="" id="{AAE567ED-5815-4493-B2FA-CE69C8A3E85A}"/>
-                  </a:ext>
-                </a:extLst>
-              </p:cNvPr>
-              <p:cNvSpPr/>
-              <p:nvPr/>
-            </p:nvSpPr>
-            <p:spPr>
-              <a:xfrm>
-                <a:off x="6344087" y="5081091"/>
-                <a:ext cx="117585" cy="604683"/>
-              </a:xfrm>
-              <a:prstGeom prst="rect">
-                <a:avLst/>
-              </a:prstGeom>
-              <a:solidFill>
-                <a:schemeClr val="tx1">
-                  <a:lumMod val="75000"/>
-                  <a:lumOff val="25000"/>
-                </a:schemeClr>
-              </a:solidFill>
-              <a:ln>
-                <a:noFill/>
-              </a:ln>
-            </p:spPr>
-            <p:style>
-              <a:lnRef idx="2">
-                <a:schemeClr val="accent1">
-                  <a:shade val="50000"/>
-                </a:schemeClr>
-              </a:lnRef>
-              <a:fillRef idx="1">
-                <a:schemeClr val="accent1"/>
-              </a:fillRef>
-              <a:effectRef idx="0">
-                <a:schemeClr val="accent1"/>
-              </a:effectRef>
-              <a:fontRef idx="minor">
-                <a:schemeClr val="lt1"/>
-              </a:fontRef>
-            </p:style>
-            <p:txBody>
-              <a:bodyPr rtlCol="0" anchor="ctr"/>
-              <a:lstStyle/>
-              <a:p>
-                <a:pPr algn="r"/>
-                <a:endParaRPr lang="pt-BR"/>
-              </a:p>
-            </p:txBody>
-          </p:sp>
-          <p:sp>
-            <p:nvSpPr>
-              <p:cNvPr id="149" name="Forma Livre: Forma 49">
-                <a:extLst>
-                  <a:ext uri="{FF2B5EF4-FFF2-40B4-BE49-F238E27FC236}">
-                    <a16:creationId xmlns:a16="http://schemas.microsoft.com/office/drawing/2014/main" xmlns="" id="{41453F3A-CCFA-4C9D-AB76-D9A8CED0195A}"/>
-                  </a:ext>
-                </a:extLst>
-              </p:cNvPr>
-              <p:cNvSpPr/>
-              <p:nvPr/>
-            </p:nvSpPr>
-            <p:spPr>
-              <a:xfrm>
-                <a:off x="6344087" y="5101850"/>
-                <a:ext cx="529133" cy="549334"/>
-              </a:xfrm>
-              <a:custGeom>
-                <a:avLst/>
-                <a:gdLst/>
-                <a:ahLst/>
-                <a:cxnLst/>
-                <a:rect l="l" t="t" r="r" b="b"/>
-                <a:pathLst>
-                  <a:path w="619604" h="549334">
-                    <a:moveTo>
-                      <a:pt x="309802" y="0"/>
-                    </a:moveTo>
-                    <a:cubicBezTo>
-                      <a:pt x="480901" y="0"/>
-                      <a:pt x="619604" y="138704"/>
-                      <a:pt x="619604" y="309802"/>
-                    </a:cubicBezTo>
-                    <a:cubicBezTo>
-                      <a:pt x="619604" y="406936"/>
-                      <a:pt x="574901" y="493629"/>
-                      <a:pt x="504056" y="549334"/>
-                    </a:cubicBezTo>
-                    <a:lnTo>
-                      <a:pt x="504056" y="309802"/>
-                    </a:lnTo>
-                    <a:lnTo>
-                      <a:pt x="481468" y="309802"/>
-                    </a:lnTo>
-                    <a:cubicBezTo>
-                      <a:pt x="481468" y="214993"/>
-                      <a:pt x="404611" y="138137"/>
-                      <a:pt x="309802" y="138137"/>
-                    </a:cubicBezTo>
-                    <a:cubicBezTo>
-                      <a:pt x="214993" y="138137"/>
-                      <a:pt x="138137" y="214993"/>
-                      <a:pt x="138137" y="309802"/>
-                    </a:cubicBezTo>
-                    <a:lnTo>
-                      <a:pt x="0" y="309802"/>
-                    </a:lnTo>
-                    <a:cubicBezTo>
-                      <a:pt x="0" y="138704"/>
-                      <a:pt x="138704" y="0"/>
-                      <a:pt x="309802" y="0"/>
-                    </a:cubicBezTo>
-                    <a:close/>
-                  </a:path>
-                </a:pathLst>
-              </a:custGeom>
-              <a:solidFill>
-                <a:schemeClr val="tx1">
-                  <a:lumMod val="75000"/>
-                  <a:lumOff val="25000"/>
-                </a:schemeClr>
-              </a:solidFill>
-              <a:ln>
-                <a:noFill/>
-              </a:ln>
-            </p:spPr>
-            <p:style>
-              <a:lnRef idx="2">
-                <a:schemeClr val="accent1">
-                  <a:shade val="50000"/>
-                </a:schemeClr>
-              </a:lnRef>
-              <a:fillRef idx="1">
-                <a:schemeClr val="accent1"/>
-              </a:fillRef>
-              <a:effectRef idx="0">
-                <a:schemeClr val="accent1"/>
-              </a:effectRef>
-              <a:fontRef idx="minor">
-                <a:schemeClr val="lt1"/>
-              </a:fontRef>
-            </p:style>
-            <p:txBody>
-              <a:bodyPr wrap="square" rtlCol="0" anchor="ctr">
-                <a:noAutofit/>
-              </a:bodyPr>
-              <a:lstStyle/>
-              <a:p>
-                <a:pPr algn="r"/>
-                <a:endParaRPr lang="pt-BR"/>
-              </a:p>
-            </p:txBody>
-          </p:sp>
-          <p:sp>
-            <p:nvSpPr>
-              <p:cNvPr id="150" name="Retângulo 149">
-                <a:extLst>
-                  <a:ext uri="{FF2B5EF4-FFF2-40B4-BE49-F238E27FC236}">
-                    <a16:creationId xmlns:a16="http://schemas.microsoft.com/office/drawing/2014/main" xmlns="" id="{AAE567ED-5815-4493-B2FA-CE69C8A3E85A}"/>
-                  </a:ext>
-                </a:extLst>
-              </p:cNvPr>
-              <p:cNvSpPr/>
-              <p:nvPr/>
-            </p:nvSpPr>
-            <p:spPr>
-              <a:xfrm>
-                <a:off x="6755635" y="5376517"/>
-                <a:ext cx="117585" cy="309258"/>
-              </a:xfrm>
-              <a:prstGeom prst="rect">
-                <a:avLst/>
-              </a:prstGeom>
-              <a:solidFill>
-                <a:schemeClr val="tx1">
-                  <a:lumMod val="75000"/>
-                  <a:lumOff val="25000"/>
-                </a:schemeClr>
-              </a:solidFill>
-              <a:ln>
-                <a:noFill/>
-              </a:ln>
-            </p:spPr>
-            <p:style>
-              <a:lnRef idx="2">
-                <a:schemeClr val="accent1">
-                  <a:shade val="50000"/>
-                </a:schemeClr>
-              </a:lnRef>
-              <a:fillRef idx="1">
-                <a:schemeClr val="accent1"/>
-              </a:fillRef>
-              <a:effectRef idx="0">
-                <a:schemeClr val="accent1"/>
-              </a:effectRef>
-              <a:fontRef idx="minor">
-                <a:schemeClr val="lt1"/>
-              </a:fontRef>
-            </p:style>
-            <p:txBody>
-              <a:bodyPr rtlCol="0" anchor="ctr"/>
-              <a:lstStyle/>
-              <a:p>
-                <a:pPr algn="r"/>
-                <a:endParaRPr lang="pt-BR"/>
-              </a:p>
-            </p:txBody>
-          </p:sp>
-          <p:sp>
-            <p:nvSpPr>
-              <p:cNvPr id="151" name="Forma Livre: Forma 49">
-                <a:extLst>
-                  <a:ext uri="{FF2B5EF4-FFF2-40B4-BE49-F238E27FC236}">
-                    <a16:creationId xmlns:a16="http://schemas.microsoft.com/office/drawing/2014/main" xmlns="" id="{41453F3A-CCFA-4C9D-AB76-D9A8CED0195A}"/>
-                  </a:ext>
-                </a:extLst>
-              </p:cNvPr>
-              <p:cNvSpPr/>
-              <p:nvPr/>
-            </p:nvSpPr>
-            <p:spPr>
-              <a:xfrm>
-                <a:off x="6755635" y="5096150"/>
-                <a:ext cx="524556" cy="549334"/>
-              </a:xfrm>
-              <a:custGeom>
-                <a:avLst/>
-                <a:gdLst/>
-                <a:ahLst/>
-                <a:cxnLst/>
-                <a:rect l="l" t="t" r="r" b="b"/>
-                <a:pathLst>
-                  <a:path w="619604" h="549334">
-                    <a:moveTo>
-                      <a:pt x="309802" y="0"/>
-                    </a:moveTo>
-                    <a:cubicBezTo>
-                      <a:pt x="480901" y="0"/>
-                      <a:pt x="619604" y="138704"/>
-                      <a:pt x="619604" y="309802"/>
-                    </a:cubicBezTo>
-                    <a:cubicBezTo>
-                      <a:pt x="619604" y="406936"/>
-                      <a:pt x="574901" y="493629"/>
-                      <a:pt x="504056" y="549334"/>
-                    </a:cubicBezTo>
-                    <a:lnTo>
-                      <a:pt x="504056" y="309802"/>
-                    </a:lnTo>
-                    <a:lnTo>
-                      <a:pt x="481468" y="309802"/>
-                    </a:lnTo>
-                    <a:cubicBezTo>
-                      <a:pt x="481468" y="214993"/>
-                      <a:pt x="404611" y="138137"/>
-                      <a:pt x="309802" y="138137"/>
-                    </a:cubicBezTo>
-                    <a:cubicBezTo>
-                      <a:pt x="214993" y="138137"/>
-                      <a:pt x="138137" y="214993"/>
-                      <a:pt x="138137" y="309802"/>
-                    </a:cubicBezTo>
-                    <a:lnTo>
-                      <a:pt x="0" y="309802"/>
-                    </a:lnTo>
-                    <a:cubicBezTo>
-                      <a:pt x="0" y="138704"/>
-                      <a:pt x="138704" y="0"/>
-                      <a:pt x="309802" y="0"/>
-                    </a:cubicBezTo>
-                    <a:close/>
-                  </a:path>
-                </a:pathLst>
-              </a:custGeom>
-              <a:solidFill>
-                <a:schemeClr val="tx1">
-                  <a:lumMod val="75000"/>
-                  <a:lumOff val="25000"/>
-                </a:schemeClr>
-              </a:solidFill>
-              <a:ln>
-                <a:noFill/>
-              </a:ln>
-            </p:spPr>
-            <p:style>
-              <a:lnRef idx="2">
-                <a:schemeClr val="accent1">
-                  <a:shade val="50000"/>
-                </a:schemeClr>
-              </a:lnRef>
-              <a:fillRef idx="1">
-                <a:schemeClr val="accent1"/>
-              </a:fillRef>
-              <a:effectRef idx="0">
-                <a:schemeClr val="accent1"/>
-              </a:effectRef>
-              <a:fontRef idx="minor">
-                <a:schemeClr val="lt1"/>
-              </a:fontRef>
-            </p:style>
-            <p:txBody>
-              <a:bodyPr wrap="square" rtlCol="0" anchor="ctr">
-                <a:noAutofit/>
-              </a:bodyPr>
-              <a:lstStyle/>
-              <a:p>
-                <a:pPr algn="r"/>
-                <a:endParaRPr lang="pt-BR"/>
-              </a:p>
-            </p:txBody>
-          </p:sp>
-          <p:sp>
-            <p:nvSpPr>
-              <p:cNvPr id="152" name="Retângulo 151">
-                <a:extLst>
-                  <a:ext uri="{FF2B5EF4-FFF2-40B4-BE49-F238E27FC236}">
-                    <a16:creationId xmlns:a16="http://schemas.microsoft.com/office/drawing/2014/main" xmlns="" id="{AAE567ED-5815-4493-B2FA-CE69C8A3E85A}"/>
-                  </a:ext>
-                </a:extLst>
-              </p:cNvPr>
-              <p:cNvSpPr/>
-              <p:nvPr/>
-            </p:nvSpPr>
-            <p:spPr>
-              <a:xfrm>
-                <a:off x="7162606" y="5376517"/>
-                <a:ext cx="117585" cy="309258"/>
-              </a:xfrm>
-              <a:prstGeom prst="rect">
-                <a:avLst/>
-              </a:prstGeom>
-              <a:solidFill>
-                <a:schemeClr val="tx1">
-                  <a:lumMod val="75000"/>
-                  <a:lumOff val="25000"/>
-                </a:schemeClr>
-              </a:solidFill>
-              <a:ln>
-                <a:noFill/>
-              </a:ln>
-            </p:spPr>
-            <p:style>
-              <a:lnRef idx="2">
-                <a:schemeClr val="accent1">
-                  <a:shade val="50000"/>
-                </a:schemeClr>
-              </a:lnRef>
-              <a:fillRef idx="1">
-                <a:schemeClr val="accent1"/>
-              </a:fillRef>
-              <a:effectRef idx="0">
-                <a:schemeClr val="accent1"/>
-              </a:effectRef>
-              <a:fontRef idx="minor">
-                <a:schemeClr val="lt1"/>
-              </a:fontRef>
-            </p:style>
-            <p:txBody>
-              <a:bodyPr rtlCol="0" anchor="ctr"/>
-              <a:lstStyle/>
-              <a:p>
-                <a:pPr algn="r"/>
-                <a:endParaRPr lang="pt-BR"/>
-              </a:p>
-            </p:txBody>
-          </p:sp>
-        </p:grpSp>
-        <p:grpSp>
-          <p:nvGrpSpPr>
-            <p:cNvPr id="1029" name="Grupo 1028"/>
-            <p:cNvGrpSpPr/>
-            <p:nvPr/>
-          </p:nvGrpSpPr>
-          <p:grpSpPr>
-            <a:xfrm>
-              <a:off x="7786820" y="5292045"/>
-              <a:ext cx="451651" cy="429343"/>
-              <a:chOff x="7786820" y="5292045"/>
-              <a:chExt cx="451651" cy="429343"/>
-            </a:xfrm>
-          </p:grpSpPr>
-          <p:sp>
-            <p:nvSpPr>
-              <p:cNvPr id="165" name="Forma Livre: Forma 55">
-                <a:extLst>
-                  <a:ext uri="{FF2B5EF4-FFF2-40B4-BE49-F238E27FC236}">
-                    <a16:creationId xmlns:a16="http://schemas.microsoft.com/office/drawing/2014/main" xmlns="" id="{49514120-7B2C-4575-BF94-7E3FA2CB17A8}"/>
-                  </a:ext>
-                </a:extLst>
-              </p:cNvPr>
-              <p:cNvSpPr/>
-              <p:nvPr/>
-            </p:nvSpPr>
-            <p:spPr>
-              <a:xfrm>
-                <a:off x="7786821" y="5495405"/>
-                <a:ext cx="451396" cy="225983"/>
-              </a:xfrm>
-              <a:custGeom>
-                <a:avLst/>
-                <a:gdLst/>
-                <a:ahLst/>
-                <a:cxnLst/>
-                <a:rect l="l" t="t" r="r" b="b"/>
-                <a:pathLst>
-                  <a:path w="620653" h="300051">
-                    <a:moveTo>
-                      <a:pt x="0" y="0"/>
-                    </a:moveTo>
-                    <a:lnTo>
-                      <a:pt x="116219" y="0"/>
-                    </a:lnTo>
-                    <a:cubicBezTo>
-                      <a:pt x="122120" y="102121"/>
-                      <a:pt x="207056" y="182804"/>
-                      <a:pt x="310837" y="182804"/>
-                    </a:cubicBezTo>
-                    <a:cubicBezTo>
-                      <a:pt x="414618" y="182804"/>
-                      <a:pt x="499554" y="102121"/>
-                      <a:pt x="505455" y="0"/>
-                    </a:cubicBezTo>
-                    <a:lnTo>
-                      <a:pt x="620653" y="0"/>
-                    </a:lnTo>
-                    <a:cubicBezTo>
-                      <a:pt x="615568" y="166750"/>
-                      <a:pt x="478515" y="300051"/>
-                      <a:pt x="310327" y="300051"/>
-                    </a:cubicBezTo>
-                    <a:cubicBezTo>
-                      <a:pt x="142139" y="300051"/>
-                      <a:pt x="5086" y="166750"/>
-                      <a:pt x="0" y="0"/>
-                    </a:cubicBezTo>
-                    <a:close/>
-                  </a:path>
-                </a:pathLst>
-              </a:custGeom>
-              <a:solidFill>
-                <a:schemeClr val="tx1">
-                  <a:lumMod val="75000"/>
-                  <a:lumOff val="25000"/>
-                </a:schemeClr>
-              </a:solidFill>
-              <a:ln>
-                <a:noFill/>
-              </a:ln>
-            </p:spPr>
-            <p:style>
-              <a:lnRef idx="2">
-                <a:schemeClr val="accent1">
-                  <a:shade val="50000"/>
-                </a:schemeClr>
-              </a:lnRef>
-              <a:fillRef idx="1">
-                <a:schemeClr val="accent1"/>
-              </a:fillRef>
-              <a:effectRef idx="0">
-                <a:schemeClr val="accent1"/>
-              </a:effectRef>
-              <a:fontRef idx="minor">
-                <a:schemeClr val="lt1"/>
-              </a:fontRef>
-            </p:style>
-            <p:txBody>
-              <a:bodyPr wrap="square" rtlCol="0" anchor="ctr">
-                <a:noAutofit/>
-              </a:bodyPr>
-              <a:lstStyle/>
-              <a:p>
-                <a:pPr algn="r"/>
-                <a:endParaRPr lang="pt-BR"/>
-              </a:p>
-            </p:txBody>
-          </p:sp>
-          <p:sp>
-            <p:nvSpPr>
-              <p:cNvPr id="183" name="Retângulo 182"/>
-              <p:cNvSpPr/>
-              <p:nvPr/>
-            </p:nvSpPr>
-            <p:spPr>
-              <a:xfrm>
-                <a:off x="7786820" y="5295071"/>
-                <a:ext cx="82800" cy="206099"/>
-              </a:xfrm>
-              <a:prstGeom prst="rect">
-                <a:avLst/>
-              </a:prstGeom>
-              <a:solidFill>
-                <a:schemeClr val="tx1">
-                  <a:lumMod val="75000"/>
-                  <a:lumOff val="25000"/>
-                </a:schemeClr>
-              </a:solidFill>
-              <a:ln>
-                <a:noFill/>
-              </a:ln>
-            </p:spPr>
-            <p:style>
-              <a:lnRef idx="2">
-                <a:schemeClr val="accent1">
-                  <a:shade val="50000"/>
-                </a:schemeClr>
-              </a:lnRef>
-              <a:fillRef idx="1">
-                <a:schemeClr val="accent1"/>
-              </a:fillRef>
-              <a:effectRef idx="0">
-                <a:schemeClr val="accent1"/>
-              </a:effectRef>
-              <a:fontRef idx="minor">
-                <a:schemeClr val="lt1"/>
-              </a:fontRef>
-            </p:style>
-            <p:txBody>
-              <a:bodyPr rtlCol="0" anchor="ctr"/>
-              <a:lstStyle/>
-              <a:p>
-                <a:pPr algn="r"/>
-                <a:endParaRPr lang="pt-BR"/>
-              </a:p>
-            </p:txBody>
-          </p:sp>
-          <p:sp>
-            <p:nvSpPr>
-              <p:cNvPr id="184" name="Retângulo 183"/>
-              <p:cNvSpPr/>
-              <p:nvPr/>
-            </p:nvSpPr>
-            <p:spPr>
-              <a:xfrm>
-                <a:off x="8155671" y="5292045"/>
-                <a:ext cx="82800" cy="206099"/>
-              </a:xfrm>
-              <a:prstGeom prst="rect">
-                <a:avLst/>
-              </a:prstGeom>
-              <a:solidFill>
-                <a:schemeClr val="tx1">
-                  <a:lumMod val="75000"/>
-                  <a:lumOff val="25000"/>
-                </a:schemeClr>
-              </a:solidFill>
-              <a:ln>
-                <a:noFill/>
-              </a:ln>
-            </p:spPr>
-            <p:style>
-              <a:lnRef idx="2">
-                <a:schemeClr val="accent1">
-                  <a:shade val="50000"/>
-                </a:schemeClr>
-              </a:lnRef>
-              <a:fillRef idx="1">
-                <a:schemeClr val="accent1"/>
-              </a:fillRef>
-              <a:effectRef idx="0">
-                <a:schemeClr val="accent1"/>
-              </a:effectRef>
-              <a:fontRef idx="minor">
-                <a:schemeClr val="lt1"/>
-              </a:fontRef>
-            </p:style>
-            <p:txBody>
-              <a:bodyPr rtlCol="0" anchor="ctr"/>
-              <a:lstStyle/>
-              <a:p>
-                <a:pPr algn="r"/>
-                <a:endParaRPr lang="pt-BR"/>
-              </a:p>
-            </p:txBody>
-          </p:sp>
-        </p:grpSp>
-        <p:grpSp>
-          <p:nvGrpSpPr>
-            <p:cNvPr id="196" name="Grupo 195"/>
-            <p:cNvGrpSpPr/>
-            <p:nvPr/>
-          </p:nvGrpSpPr>
-          <p:grpSpPr>
-            <a:xfrm rot="5400000">
-              <a:off x="8312360" y="5243242"/>
-              <a:ext cx="326911" cy="336030"/>
-              <a:chOff x="7786820" y="5257139"/>
-              <a:chExt cx="451651" cy="464249"/>
-            </a:xfrm>
-          </p:grpSpPr>
-          <p:sp>
-            <p:nvSpPr>
-              <p:cNvPr id="197" name="Forma Livre: Forma 55">
-                <a:extLst>
-                  <a:ext uri="{FF2B5EF4-FFF2-40B4-BE49-F238E27FC236}">
-                    <a16:creationId xmlns:a16="http://schemas.microsoft.com/office/drawing/2014/main" xmlns="" id="{49514120-7B2C-4575-BF94-7E3FA2CB17A8}"/>
-                  </a:ext>
-                </a:extLst>
-              </p:cNvPr>
-              <p:cNvSpPr/>
-              <p:nvPr/>
-            </p:nvSpPr>
-            <p:spPr>
-              <a:xfrm>
-                <a:off x="7786821" y="5495405"/>
-                <a:ext cx="451396" cy="225983"/>
-              </a:xfrm>
-              <a:custGeom>
-                <a:avLst/>
-                <a:gdLst/>
-                <a:ahLst/>
-                <a:cxnLst/>
-                <a:rect l="l" t="t" r="r" b="b"/>
-                <a:pathLst>
-                  <a:path w="620653" h="300051">
-                    <a:moveTo>
-                      <a:pt x="0" y="0"/>
-                    </a:moveTo>
-                    <a:lnTo>
-                      <a:pt x="116219" y="0"/>
-                    </a:lnTo>
-                    <a:cubicBezTo>
-                      <a:pt x="122120" y="102121"/>
-                      <a:pt x="207056" y="182804"/>
-                      <a:pt x="310837" y="182804"/>
-                    </a:cubicBezTo>
-                    <a:cubicBezTo>
-                      <a:pt x="414618" y="182804"/>
-                      <a:pt x="499554" y="102121"/>
-                      <a:pt x="505455" y="0"/>
-                    </a:cubicBezTo>
-                    <a:lnTo>
-                      <a:pt x="620653" y="0"/>
-                    </a:lnTo>
-                    <a:cubicBezTo>
-                      <a:pt x="615568" y="166750"/>
-                      <a:pt x="478515" y="300051"/>
-                      <a:pt x="310327" y="300051"/>
-                    </a:cubicBezTo>
-                    <a:cubicBezTo>
-                      <a:pt x="142139" y="300051"/>
-                      <a:pt x="5086" y="166750"/>
-                      <a:pt x="0" y="0"/>
-                    </a:cubicBezTo>
-                    <a:close/>
-                  </a:path>
-                </a:pathLst>
-              </a:custGeom>
-              <a:solidFill>
-                <a:schemeClr val="tx1">
-                  <a:lumMod val="75000"/>
-                  <a:lumOff val="25000"/>
-                </a:schemeClr>
-              </a:solidFill>
-              <a:ln>
-                <a:noFill/>
-              </a:ln>
-            </p:spPr>
-            <p:style>
-              <a:lnRef idx="2">
-                <a:schemeClr val="accent1">
-                  <a:shade val="50000"/>
-                </a:schemeClr>
-              </a:lnRef>
-              <a:fillRef idx="1">
-                <a:schemeClr val="accent1"/>
-              </a:fillRef>
-              <a:effectRef idx="0">
-                <a:schemeClr val="accent1"/>
-              </a:effectRef>
-              <a:fontRef idx="minor">
-                <a:schemeClr val="lt1"/>
-              </a:fontRef>
-            </p:style>
-            <p:txBody>
-              <a:bodyPr wrap="square" rtlCol="0" anchor="ctr">
-                <a:noAutofit/>
-              </a:bodyPr>
-              <a:lstStyle/>
-              <a:p>
-                <a:pPr algn="r"/>
-                <a:endParaRPr lang="pt-BR"/>
-              </a:p>
-            </p:txBody>
-          </p:sp>
-          <p:sp>
-            <p:nvSpPr>
-              <p:cNvPr id="198" name="Retângulo 197"/>
-              <p:cNvSpPr/>
-              <p:nvPr/>
-            </p:nvSpPr>
-            <p:spPr>
-              <a:xfrm>
-                <a:off x="7786820" y="5257139"/>
-                <a:ext cx="82800" cy="244031"/>
-              </a:xfrm>
-              <a:prstGeom prst="rect">
-                <a:avLst/>
-              </a:prstGeom>
-              <a:solidFill>
-                <a:schemeClr val="tx1">
-                  <a:lumMod val="75000"/>
-                  <a:lumOff val="25000"/>
-                </a:schemeClr>
-              </a:solidFill>
-              <a:ln>
-                <a:noFill/>
-              </a:ln>
-            </p:spPr>
-            <p:style>
-              <a:lnRef idx="2">
-                <a:schemeClr val="accent1">
-                  <a:shade val="50000"/>
-                </a:schemeClr>
-              </a:lnRef>
-              <a:fillRef idx="1">
-                <a:schemeClr val="accent1"/>
-              </a:fillRef>
-              <a:effectRef idx="0">
-                <a:schemeClr val="accent1"/>
-              </a:effectRef>
-              <a:fontRef idx="minor">
-                <a:schemeClr val="lt1"/>
-              </a:fontRef>
-            </p:style>
-            <p:txBody>
-              <a:bodyPr rtlCol="0" anchor="ctr"/>
-              <a:lstStyle/>
-              <a:p>
-                <a:pPr algn="r"/>
-                <a:endParaRPr lang="pt-BR"/>
-              </a:p>
-            </p:txBody>
-          </p:sp>
-          <p:sp>
-            <p:nvSpPr>
-              <p:cNvPr id="199" name="Retângulo 198"/>
-              <p:cNvSpPr/>
-              <p:nvPr/>
-            </p:nvSpPr>
-            <p:spPr>
-              <a:xfrm>
-                <a:off x="8155671" y="5292045"/>
-                <a:ext cx="82800" cy="206099"/>
-              </a:xfrm>
-              <a:prstGeom prst="rect">
-                <a:avLst/>
-              </a:prstGeom>
-              <a:solidFill>
-                <a:schemeClr val="tx1">
-                  <a:lumMod val="75000"/>
-                  <a:lumOff val="25000"/>
-                </a:schemeClr>
-              </a:solidFill>
-              <a:ln>
-                <a:noFill/>
-              </a:ln>
-            </p:spPr>
-            <p:style>
-              <a:lnRef idx="2">
-                <a:schemeClr val="accent1">
-                  <a:shade val="50000"/>
-                </a:schemeClr>
-              </a:lnRef>
-              <a:fillRef idx="1">
-                <a:schemeClr val="accent1"/>
-              </a:fillRef>
-              <a:effectRef idx="0">
-                <a:schemeClr val="accent1"/>
-              </a:effectRef>
-              <a:fontRef idx="minor">
-                <a:schemeClr val="lt1"/>
-              </a:fontRef>
-            </p:style>
-            <p:txBody>
-              <a:bodyPr rtlCol="0" anchor="ctr"/>
-              <a:lstStyle/>
-              <a:p>
-                <a:pPr algn="r"/>
-                <a:endParaRPr lang="pt-BR"/>
-              </a:p>
-            </p:txBody>
-          </p:sp>
-        </p:grpSp>
-        <p:grpSp>
-          <p:nvGrpSpPr>
-            <p:cNvPr id="200" name="Grupo 199"/>
-            <p:cNvGrpSpPr/>
-            <p:nvPr/>
-          </p:nvGrpSpPr>
-          <p:grpSpPr>
-            <a:xfrm rot="16200000">
-              <a:off x="7741915" y="4816549"/>
-              <a:ext cx="326917" cy="1723135"/>
-              <a:chOff x="7786812" y="3340752"/>
-              <a:chExt cx="451659" cy="2380636"/>
-            </a:xfrm>
-          </p:grpSpPr>
-          <p:sp>
-            <p:nvSpPr>
-              <p:cNvPr id="201" name="Forma Livre: Forma 55">
-                <a:extLst>
-                  <a:ext uri="{FF2B5EF4-FFF2-40B4-BE49-F238E27FC236}">
-                    <a16:creationId xmlns:a16="http://schemas.microsoft.com/office/drawing/2014/main" xmlns="" id="{49514120-7B2C-4575-BF94-7E3FA2CB17A8}"/>
-                  </a:ext>
-                </a:extLst>
-              </p:cNvPr>
-              <p:cNvSpPr/>
-              <p:nvPr/>
-            </p:nvSpPr>
-            <p:spPr>
-              <a:xfrm>
-                <a:off x="7786821" y="5495405"/>
-                <a:ext cx="451396" cy="225983"/>
-              </a:xfrm>
-              <a:custGeom>
-                <a:avLst/>
-                <a:gdLst/>
-                <a:ahLst/>
-                <a:cxnLst/>
-                <a:rect l="l" t="t" r="r" b="b"/>
-                <a:pathLst>
-                  <a:path w="620653" h="300051">
-                    <a:moveTo>
-                      <a:pt x="0" y="0"/>
-                    </a:moveTo>
-                    <a:lnTo>
-                      <a:pt x="116219" y="0"/>
-                    </a:lnTo>
-                    <a:cubicBezTo>
-                      <a:pt x="122120" y="102121"/>
-                      <a:pt x="207056" y="182804"/>
-                      <a:pt x="310837" y="182804"/>
-                    </a:cubicBezTo>
-                    <a:cubicBezTo>
-                      <a:pt x="414618" y="182804"/>
-                      <a:pt x="499554" y="102121"/>
-                      <a:pt x="505455" y="0"/>
-                    </a:cubicBezTo>
-                    <a:lnTo>
-                      <a:pt x="620653" y="0"/>
-                    </a:lnTo>
-                    <a:cubicBezTo>
-                      <a:pt x="615568" y="166750"/>
-                      <a:pt x="478515" y="300051"/>
-                      <a:pt x="310327" y="300051"/>
-                    </a:cubicBezTo>
-                    <a:cubicBezTo>
-                      <a:pt x="142139" y="300051"/>
-                      <a:pt x="5086" y="166750"/>
-                      <a:pt x="0" y="0"/>
-                    </a:cubicBezTo>
-                    <a:close/>
-                  </a:path>
-                </a:pathLst>
-              </a:custGeom>
-              <a:solidFill>
-                <a:schemeClr val="tx1">
-                  <a:lumMod val="75000"/>
-                  <a:lumOff val="25000"/>
-                </a:schemeClr>
-              </a:solidFill>
-              <a:ln>
-                <a:noFill/>
-              </a:ln>
-            </p:spPr>
-            <p:style>
-              <a:lnRef idx="2">
-                <a:schemeClr val="accent1">
-                  <a:shade val="50000"/>
-                </a:schemeClr>
-              </a:lnRef>
-              <a:fillRef idx="1">
-                <a:schemeClr val="accent1"/>
-              </a:fillRef>
-              <a:effectRef idx="0">
-                <a:schemeClr val="accent1"/>
-              </a:effectRef>
-              <a:fontRef idx="minor">
-                <a:schemeClr val="lt1"/>
-              </a:fontRef>
-            </p:style>
-            <p:txBody>
-              <a:bodyPr wrap="square" rtlCol="0" anchor="ctr">
-                <a:noAutofit/>
-              </a:bodyPr>
-              <a:lstStyle/>
-              <a:p>
-                <a:pPr algn="r"/>
-                <a:endParaRPr lang="pt-BR"/>
-              </a:p>
-            </p:txBody>
-          </p:sp>
-          <p:sp>
-            <p:nvSpPr>
-              <p:cNvPr id="202" name="Retângulo 201"/>
-              <p:cNvSpPr/>
-              <p:nvPr/>
-            </p:nvSpPr>
-            <p:spPr>
-              <a:xfrm>
-                <a:off x="7786812" y="3340752"/>
-                <a:ext cx="82800" cy="2160425"/>
-              </a:xfrm>
-              <a:prstGeom prst="rect">
-                <a:avLst/>
-              </a:prstGeom>
-              <a:solidFill>
-                <a:schemeClr val="tx1">
-                  <a:lumMod val="75000"/>
-                  <a:lumOff val="25000"/>
-                </a:schemeClr>
-              </a:solidFill>
-              <a:ln>
-                <a:noFill/>
-              </a:ln>
-            </p:spPr>
-            <p:style>
-              <a:lnRef idx="2">
-                <a:schemeClr val="accent1">
-                  <a:shade val="50000"/>
-                </a:schemeClr>
-              </a:lnRef>
-              <a:fillRef idx="1">
-                <a:schemeClr val="accent1"/>
-              </a:fillRef>
-              <a:effectRef idx="0">
-                <a:schemeClr val="accent1"/>
-              </a:effectRef>
-              <a:fontRef idx="minor">
-                <a:schemeClr val="lt1"/>
-              </a:fontRef>
-            </p:style>
-            <p:txBody>
-              <a:bodyPr rtlCol="0" anchor="ctr"/>
-              <a:lstStyle/>
-              <a:p>
-                <a:pPr algn="r"/>
-                <a:endParaRPr lang="pt-BR"/>
-              </a:p>
-            </p:txBody>
-          </p:sp>
-          <p:sp>
-            <p:nvSpPr>
-              <p:cNvPr id="203" name="Retângulo 202"/>
-              <p:cNvSpPr/>
-              <p:nvPr/>
-            </p:nvSpPr>
-            <p:spPr>
-              <a:xfrm>
-                <a:off x="8155671" y="5292045"/>
-                <a:ext cx="82800" cy="206099"/>
-              </a:xfrm>
-              <a:prstGeom prst="rect">
-                <a:avLst/>
-              </a:prstGeom>
-              <a:solidFill>
-                <a:schemeClr val="tx1">
-                  <a:lumMod val="75000"/>
-                  <a:lumOff val="25000"/>
-                </a:schemeClr>
-              </a:solidFill>
-              <a:ln>
-                <a:noFill/>
-              </a:ln>
-            </p:spPr>
-            <p:style>
-              <a:lnRef idx="2">
-                <a:schemeClr val="accent1">
-                  <a:shade val="50000"/>
-                </a:schemeClr>
-              </a:lnRef>
-              <a:fillRef idx="1">
-                <a:schemeClr val="accent1"/>
-              </a:fillRef>
-              <a:effectRef idx="0">
-                <a:schemeClr val="accent1"/>
-              </a:effectRef>
-              <a:fontRef idx="minor">
-                <a:schemeClr val="lt1"/>
-              </a:fontRef>
-            </p:style>
-            <p:txBody>
-              <a:bodyPr rtlCol="0" anchor="ctr"/>
-              <a:lstStyle/>
-              <a:p>
-                <a:pPr algn="r"/>
-                <a:endParaRPr lang="pt-BR"/>
-              </a:p>
-            </p:txBody>
-          </p:sp>
-        </p:grpSp>
-      </p:grpSp>
-      <p:grpSp>
-        <p:nvGrpSpPr>
           <p:cNvPr id="205" name="Grupo 204"/>
           <p:cNvGrpSpPr/>
           <p:nvPr/>
         </p:nvGrpSpPr>
         <p:grpSpPr>
           <a:xfrm>
-            <a:off x="2235512" y="2238704"/>
+            <a:off x="1221566" y="2121863"/>
             <a:ext cx="455120" cy="471028"/>
             <a:chOff x="8316422" y="5222602"/>
             <a:chExt cx="481941" cy="498786"/>
@@ -10890,7 +6863,7 @@
               <p:cNvPr id="211" name="Forma Livre: Forma 55">
                 <a:extLst>
                   <a:ext uri="{FF2B5EF4-FFF2-40B4-BE49-F238E27FC236}">
-                    <a16:creationId xmlns:a16="http://schemas.microsoft.com/office/drawing/2014/main" xmlns="" id="{49514120-7B2C-4575-BF94-7E3FA2CB17A8}"/>
+                    <a16:creationId xmlns="" xmlns:a16="http://schemas.microsoft.com/office/drawing/2014/main" id="{49514120-7B2C-4575-BF94-7E3FA2CB17A8}"/>
                   </a:ext>
                 </a:extLst>
               </p:cNvPr>
@@ -11098,7 +7071,7 @@
               <p:cNvPr id="208" name="Forma Livre: Forma 55">
                 <a:extLst>
                   <a:ext uri="{FF2B5EF4-FFF2-40B4-BE49-F238E27FC236}">
-                    <a16:creationId xmlns:a16="http://schemas.microsoft.com/office/drawing/2014/main" xmlns="" id="{49514120-7B2C-4575-BF94-7E3FA2CB17A8}"/>
+                    <a16:creationId xmlns="" xmlns:a16="http://schemas.microsoft.com/office/drawing/2014/main" id="{49514120-7B2C-4575-BF94-7E3FA2CB17A8}"/>
                   </a:ext>
                 </a:extLst>
               </p:cNvPr>
@@ -11288,6 +7261,3698 @@
           </p:sp>
         </p:grpSp>
       </p:grpSp>
+      <p:grpSp>
+        <p:nvGrpSpPr>
+          <p:cNvPr id="100" name="Grupo 99"/>
+          <p:cNvGrpSpPr/>
+          <p:nvPr/>
+        </p:nvGrpSpPr>
+        <p:grpSpPr>
+          <a:xfrm>
+            <a:off x="4738814" y="1898898"/>
+            <a:ext cx="3654807" cy="855857"/>
+            <a:chOff x="4620542" y="5602098"/>
+            <a:chExt cx="2747190" cy="643318"/>
+          </a:xfrm>
+        </p:grpSpPr>
+        <p:grpSp>
+          <p:nvGrpSpPr>
+            <p:cNvPr id="59" name="Grupo 58"/>
+            <p:cNvGrpSpPr/>
+            <p:nvPr/>
+          </p:nvGrpSpPr>
+          <p:grpSpPr>
+            <a:xfrm>
+              <a:off x="5652120" y="5602098"/>
+              <a:ext cx="627651" cy="619940"/>
+              <a:chOff x="5528525" y="5760537"/>
+              <a:chExt cx="440526" cy="435114"/>
+            </a:xfrm>
+          </p:grpSpPr>
+          <p:sp>
+            <p:nvSpPr>
+              <p:cNvPr id="60" name="Forma Livre: Forma 49">
+                <a:extLst>
+                  <a:ext uri="{FF2B5EF4-FFF2-40B4-BE49-F238E27FC236}">
+                    <a16:creationId xmlns="" xmlns:a16="http://schemas.microsoft.com/office/drawing/2014/main" id="{41453F3A-CCFA-4C9D-AB76-D9A8CED0195A}"/>
+                  </a:ext>
+                </a:extLst>
+              </p:cNvPr>
+              <p:cNvSpPr/>
+              <p:nvPr/>
+            </p:nvSpPr>
+            <p:spPr>
+              <a:xfrm>
+                <a:off x="5528525" y="5760537"/>
+                <a:ext cx="434878" cy="434878"/>
+              </a:xfrm>
+              <a:custGeom>
+                <a:avLst/>
+                <a:gdLst>
+                  <a:gd name="connsiteX0" fmla="*/ 217439 w 434878"/>
+                  <a:gd name="connsiteY0" fmla="*/ 96953 h 434878"/>
+                  <a:gd name="connsiteX1" fmla="*/ 96953 w 434878"/>
+                  <a:gd name="connsiteY1" fmla="*/ 217439 h 434878"/>
+                  <a:gd name="connsiteX2" fmla="*/ 217439 w 434878"/>
+                  <a:gd name="connsiteY2" fmla="*/ 337925 h 434878"/>
+                  <a:gd name="connsiteX3" fmla="*/ 337925 w 434878"/>
+                  <a:gd name="connsiteY3" fmla="*/ 217439 h 434878"/>
+                  <a:gd name="connsiteX4" fmla="*/ 217439 w 434878"/>
+                  <a:gd name="connsiteY4" fmla="*/ 96953 h 434878"/>
+                  <a:gd name="connsiteX5" fmla="*/ 217439 w 434878"/>
+                  <a:gd name="connsiteY5" fmla="*/ 0 h 434878"/>
+                  <a:gd name="connsiteX6" fmla="*/ 434878 w 434878"/>
+                  <a:gd name="connsiteY6" fmla="*/ 217439 h 434878"/>
+                  <a:gd name="connsiteX7" fmla="*/ 217439 w 434878"/>
+                  <a:gd name="connsiteY7" fmla="*/ 434878 h 434878"/>
+                  <a:gd name="connsiteX8" fmla="*/ 0 w 434878"/>
+                  <a:gd name="connsiteY8" fmla="*/ 217439 h 434878"/>
+                  <a:gd name="connsiteX9" fmla="*/ 217439 w 434878"/>
+                  <a:gd name="connsiteY9" fmla="*/ 0 h 434878"/>
+                </a:gdLst>
+                <a:ahLst/>
+                <a:cxnLst>
+                  <a:cxn ang="0">
+                    <a:pos x="connsiteX0" y="connsiteY0"/>
+                  </a:cxn>
+                  <a:cxn ang="0">
+                    <a:pos x="connsiteX1" y="connsiteY1"/>
+                  </a:cxn>
+                  <a:cxn ang="0">
+                    <a:pos x="connsiteX2" y="connsiteY2"/>
+                  </a:cxn>
+                  <a:cxn ang="0">
+                    <a:pos x="connsiteX3" y="connsiteY3"/>
+                  </a:cxn>
+                  <a:cxn ang="0">
+                    <a:pos x="connsiteX4" y="connsiteY4"/>
+                  </a:cxn>
+                  <a:cxn ang="0">
+                    <a:pos x="connsiteX5" y="connsiteY5"/>
+                  </a:cxn>
+                  <a:cxn ang="0">
+                    <a:pos x="connsiteX6" y="connsiteY6"/>
+                  </a:cxn>
+                  <a:cxn ang="0">
+                    <a:pos x="connsiteX7" y="connsiteY7"/>
+                  </a:cxn>
+                  <a:cxn ang="0">
+                    <a:pos x="connsiteX8" y="connsiteY8"/>
+                  </a:cxn>
+                  <a:cxn ang="0">
+                    <a:pos x="connsiteX9" y="connsiteY9"/>
+                  </a:cxn>
+                </a:cxnLst>
+                <a:rect l="l" t="t" r="r" b="b"/>
+                <a:pathLst>
+                  <a:path w="434878" h="434878">
+                    <a:moveTo>
+                      <a:pt x="217439" y="96953"/>
+                    </a:moveTo>
+                    <a:cubicBezTo>
+                      <a:pt x="150896" y="96953"/>
+                      <a:pt x="96953" y="150896"/>
+                      <a:pt x="96953" y="217439"/>
+                    </a:cubicBezTo>
+                    <a:cubicBezTo>
+                      <a:pt x="96953" y="283982"/>
+                      <a:pt x="150896" y="337925"/>
+                      <a:pt x="217439" y="337925"/>
+                    </a:cubicBezTo>
+                    <a:cubicBezTo>
+                      <a:pt x="283982" y="337925"/>
+                      <a:pt x="337925" y="283982"/>
+                      <a:pt x="337925" y="217439"/>
+                    </a:cubicBezTo>
+                    <a:cubicBezTo>
+                      <a:pt x="337925" y="150896"/>
+                      <a:pt x="283982" y="96953"/>
+                      <a:pt x="217439" y="96953"/>
+                    </a:cubicBezTo>
+                    <a:close/>
+                    <a:moveTo>
+                      <a:pt x="217439" y="0"/>
+                    </a:moveTo>
+                    <a:cubicBezTo>
+                      <a:pt x="337527" y="0"/>
+                      <a:pt x="434878" y="97351"/>
+                      <a:pt x="434878" y="217439"/>
+                    </a:cubicBezTo>
+                    <a:cubicBezTo>
+                      <a:pt x="434878" y="337527"/>
+                      <a:pt x="337527" y="434878"/>
+                      <a:pt x="217439" y="434878"/>
+                    </a:cubicBezTo>
+                    <a:cubicBezTo>
+                      <a:pt x="97351" y="434878"/>
+                      <a:pt x="0" y="337527"/>
+                      <a:pt x="0" y="217439"/>
+                    </a:cubicBezTo>
+                    <a:cubicBezTo>
+                      <a:pt x="0" y="97351"/>
+                      <a:pt x="97351" y="0"/>
+                      <a:pt x="217439" y="0"/>
+                    </a:cubicBezTo>
+                    <a:close/>
+                  </a:path>
+                </a:pathLst>
+              </a:custGeom>
+              <a:solidFill>
+                <a:schemeClr val="tx1">
+                  <a:lumMod val="75000"/>
+                  <a:lumOff val="25000"/>
+                </a:schemeClr>
+              </a:solidFill>
+              <a:ln>
+                <a:noFill/>
+              </a:ln>
+            </p:spPr>
+            <p:style>
+              <a:lnRef idx="2">
+                <a:schemeClr val="accent1">
+                  <a:shade val="50000"/>
+                </a:schemeClr>
+              </a:lnRef>
+              <a:fillRef idx="1">
+                <a:schemeClr val="accent1"/>
+              </a:fillRef>
+              <a:effectRef idx="0">
+                <a:schemeClr val="accent1"/>
+              </a:effectRef>
+              <a:fontRef idx="minor">
+                <a:schemeClr val="lt1"/>
+              </a:fontRef>
+            </p:style>
+            <p:txBody>
+              <a:bodyPr wrap="square" rtlCol="0" anchor="ctr">
+                <a:noAutofit/>
+              </a:bodyPr>
+              <a:lstStyle/>
+              <a:p>
+                <a:pPr algn="ctr"/>
+                <a:endParaRPr lang="pt-BR"/>
+              </a:p>
+            </p:txBody>
+          </p:sp>
+          <p:sp>
+            <p:nvSpPr>
+              <p:cNvPr id="61" name="Retângulo 60">
+                <a:extLst>
+                  <a:ext uri="{FF2B5EF4-FFF2-40B4-BE49-F238E27FC236}">
+                    <a16:creationId xmlns="" xmlns:a16="http://schemas.microsoft.com/office/drawing/2014/main" id="{AAE567ED-5815-4493-B2FA-CE69C8A3E85A}"/>
+                  </a:ext>
+                </a:extLst>
+              </p:cNvPr>
+              <p:cNvSpPr/>
+              <p:nvPr/>
+            </p:nvSpPr>
+            <p:spPr>
+              <a:xfrm>
+                <a:off x="5892569" y="5781952"/>
+                <a:ext cx="76482" cy="413463"/>
+              </a:xfrm>
+              <a:prstGeom prst="rect">
+                <a:avLst/>
+              </a:prstGeom>
+              <a:solidFill>
+                <a:schemeClr val="tx1">
+                  <a:lumMod val="75000"/>
+                  <a:lumOff val="25000"/>
+                </a:schemeClr>
+              </a:solidFill>
+              <a:ln>
+                <a:noFill/>
+              </a:ln>
+            </p:spPr>
+            <p:style>
+              <a:lnRef idx="2">
+                <a:schemeClr val="accent1">
+                  <a:shade val="50000"/>
+                </a:schemeClr>
+              </a:lnRef>
+              <a:fillRef idx="1">
+                <a:schemeClr val="accent1"/>
+              </a:fillRef>
+              <a:effectRef idx="0">
+                <a:schemeClr val="accent1"/>
+              </a:effectRef>
+              <a:fontRef idx="minor">
+                <a:schemeClr val="lt1"/>
+              </a:fontRef>
+            </p:style>
+            <p:txBody>
+              <a:bodyPr rtlCol="0" anchor="ctr"/>
+              <a:lstStyle/>
+              <a:p>
+                <a:pPr algn="ctr"/>
+                <a:endParaRPr lang="pt-BR"/>
+              </a:p>
+            </p:txBody>
+          </p:sp>
+          <p:sp>
+            <p:nvSpPr>
+              <p:cNvPr id="62" name="Retângulo 61">
+                <a:extLst>
+                  <a:ext uri="{FF2B5EF4-FFF2-40B4-BE49-F238E27FC236}">
+                    <a16:creationId xmlns="" xmlns:a16="http://schemas.microsoft.com/office/drawing/2014/main" id="{315B7EE7-7DC7-44CF-9324-EA99CE217667}"/>
+                  </a:ext>
+                </a:extLst>
+              </p:cNvPr>
+              <p:cNvSpPr/>
+              <p:nvPr/>
+            </p:nvSpPr>
+            <p:spPr>
+              <a:xfrm rot="16200000">
+                <a:off x="5874194" y="6109307"/>
+                <a:ext cx="72010" cy="100677"/>
+              </a:xfrm>
+              <a:prstGeom prst="rect">
+                <a:avLst/>
+              </a:prstGeom>
+              <a:solidFill>
+                <a:schemeClr val="tx1">
+                  <a:lumMod val="75000"/>
+                  <a:lumOff val="25000"/>
+                </a:schemeClr>
+              </a:solidFill>
+              <a:ln>
+                <a:noFill/>
+              </a:ln>
+            </p:spPr>
+            <p:style>
+              <a:lnRef idx="2">
+                <a:schemeClr val="accent1">
+                  <a:shade val="50000"/>
+                </a:schemeClr>
+              </a:lnRef>
+              <a:fillRef idx="1">
+                <a:schemeClr val="accent1"/>
+              </a:fillRef>
+              <a:effectRef idx="0">
+                <a:schemeClr val="accent1"/>
+              </a:effectRef>
+              <a:fontRef idx="minor">
+                <a:schemeClr val="lt1"/>
+              </a:fontRef>
+            </p:style>
+            <p:txBody>
+              <a:bodyPr rtlCol="0" anchor="ctr"/>
+              <a:lstStyle/>
+              <a:p>
+                <a:pPr algn="ctr"/>
+                <a:endParaRPr lang="pt-BR"/>
+              </a:p>
+            </p:txBody>
+          </p:sp>
+        </p:grpSp>
+        <p:grpSp>
+          <p:nvGrpSpPr>
+            <p:cNvPr id="66" name="Grupo 65"/>
+            <p:cNvGrpSpPr/>
+            <p:nvPr/>
+          </p:nvGrpSpPr>
+          <p:grpSpPr>
+            <a:xfrm>
+              <a:off x="4620542" y="5617353"/>
+              <a:ext cx="936104" cy="604684"/>
+              <a:chOff x="4355976" y="5632944"/>
+              <a:chExt cx="1146522" cy="604684"/>
+            </a:xfrm>
+          </p:grpSpPr>
+          <p:sp>
+            <p:nvSpPr>
+              <p:cNvPr id="64" name="Retângulo 63">
+                <a:extLst>
+                  <a:ext uri="{FF2B5EF4-FFF2-40B4-BE49-F238E27FC236}">
+                    <a16:creationId xmlns="" xmlns:a16="http://schemas.microsoft.com/office/drawing/2014/main" id="{AAE567ED-5815-4493-B2FA-CE69C8A3E85A}"/>
+                  </a:ext>
+                </a:extLst>
+              </p:cNvPr>
+              <p:cNvSpPr/>
+              <p:nvPr/>
+            </p:nvSpPr>
+            <p:spPr>
+              <a:xfrm>
+                <a:off x="4355976" y="5632944"/>
+                <a:ext cx="144016" cy="604683"/>
+              </a:xfrm>
+              <a:prstGeom prst="rect">
+                <a:avLst/>
+              </a:prstGeom>
+              <a:solidFill>
+                <a:schemeClr val="tx1">
+                  <a:lumMod val="75000"/>
+                  <a:lumOff val="25000"/>
+                </a:schemeClr>
+              </a:solidFill>
+              <a:ln>
+                <a:noFill/>
+              </a:ln>
+            </p:spPr>
+            <p:style>
+              <a:lnRef idx="2">
+                <a:schemeClr val="accent1">
+                  <a:shade val="50000"/>
+                </a:schemeClr>
+              </a:lnRef>
+              <a:fillRef idx="1">
+                <a:schemeClr val="accent1"/>
+              </a:fillRef>
+              <a:effectRef idx="0">
+                <a:schemeClr val="accent1"/>
+              </a:effectRef>
+              <a:fontRef idx="minor">
+                <a:schemeClr val="lt1"/>
+              </a:fontRef>
+            </p:style>
+            <p:txBody>
+              <a:bodyPr rtlCol="0" anchor="ctr"/>
+              <a:lstStyle/>
+              <a:p>
+                <a:pPr algn="ctr"/>
+                <a:endParaRPr lang="pt-BR"/>
+              </a:p>
+            </p:txBody>
+          </p:sp>
+          <p:sp>
+            <p:nvSpPr>
+              <p:cNvPr id="65" name="Forma Livre: Forma 49">
+                <a:extLst>
+                  <a:ext uri="{FF2B5EF4-FFF2-40B4-BE49-F238E27FC236}">
+                    <a16:creationId xmlns="" xmlns:a16="http://schemas.microsoft.com/office/drawing/2014/main" id="{41453F3A-CCFA-4C9D-AB76-D9A8CED0195A}"/>
+                  </a:ext>
+                </a:extLst>
+              </p:cNvPr>
+              <p:cNvSpPr/>
+              <p:nvPr/>
+            </p:nvSpPr>
+            <p:spPr>
+              <a:xfrm>
+                <a:off x="4355976" y="5653703"/>
+                <a:ext cx="648072" cy="549334"/>
+              </a:xfrm>
+              <a:custGeom>
+                <a:avLst/>
+                <a:gdLst/>
+                <a:ahLst/>
+                <a:cxnLst/>
+                <a:rect l="l" t="t" r="r" b="b"/>
+                <a:pathLst>
+                  <a:path w="619604" h="549334">
+                    <a:moveTo>
+                      <a:pt x="309802" y="0"/>
+                    </a:moveTo>
+                    <a:cubicBezTo>
+                      <a:pt x="480901" y="0"/>
+                      <a:pt x="619604" y="138704"/>
+                      <a:pt x="619604" y="309802"/>
+                    </a:cubicBezTo>
+                    <a:cubicBezTo>
+                      <a:pt x="619604" y="406936"/>
+                      <a:pt x="574901" y="493629"/>
+                      <a:pt x="504056" y="549334"/>
+                    </a:cubicBezTo>
+                    <a:lnTo>
+                      <a:pt x="504056" y="309802"/>
+                    </a:lnTo>
+                    <a:lnTo>
+                      <a:pt x="481468" y="309802"/>
+                    </a:lnTo>
+                    <a:cubicBezTo>
+                      <a:pt x="481468" y="214993"/>
+                      <a:pt x="404611" y="138137"/>
+                      <a:pt x="309802" y="138137"/>
+                    </a:cubicBezTo>
+                    <a:cubicBezTo>
+                      <a:pt x="214993" y="138137"/>
+                      <a:pt x="138137" y="214993"/>
+                      <a:pt x="138137" y="309802"/>
+                    </a:cubicBezTo>
+                    <a:lnTo>
+                      <a:pt x="0" y="309802"/>
+                    </a:lnTo>
+                    <a:cubicBezTo>
+                      <a:pt x="0" y="138704"/>
+                      <a:pt x="138704" y="0"/>
+                      <a:pt x="309802" y="0"/>
+                    </a:cubicBezTo>
+                    <a:close/>
+                  </a:path>
+                </a:pathLst>
+              </a:custGeom>
+              <a:solidFill>
+                <a:schemeClr val="tx1">
+                  <a:lumMod val="75000"/>
+                  <a:lumOff val="25000"/>
+                </a:schemeClr>
+              </a:solidFill>
+              <a:ln>
+                <a:noFill/>
+              </a:ln>
+            </p:spPr>
+            <p:style>
+              <a:lnRef idx="2">
+                <a:schemeClr val="accent1">
+                  <a:shade val="50000"/>
+                </a:schemeClr>
+              </a:lnRef>
+              <a:fillRef idx="1">
+                <a:schemeClr val="accent1"/>
+              </a:fillRef>
+              <a:effectRef idx="0">
+                <a:schemeClr val="accent1"/>
+              </a:effectRef>
+              <a:fontRef idx="minor">
+                <a:schemeClr val="lt1"/>
+              </a:fontRef>
+            </p:style>
+            <p:txBody>
+              <a:bodyPr wrap="square" rtlCol="0" anchor="ctr">
+                <a:noAutofit/>
+              </a:bodyPr>
+              <a:lstStyle/>
+              <a:p>
+                <a:pPr algn="ctr"/>
+                <a:endParaRPr lang="pt-BR"/>
+              </a:p>
+            </p:txBody>
+          </p:sp>
+          <p:sp>
+            <p:nvSpPr>
+              <p:cNvPr id="68" name="Retângulo 67">
+                <a:extLst>
+                  <a:ext uri="{FF2B5EF4-FFF2-40B4-BE49-F238E27FC236}">
+                    <a16:creationId xmlns="" xmlns:a16="http://schemas.microsoft.com/office/drawing/2014/main" id="{AAE567ED-5815-4493-B2FA-CE69C8A3E85A}"/>
+                  </a:ext>
+                </a:extLst>
+              </p:cNvPr>
+              <p:cNvSpPr/>
+              <p:nvPr/>
+            </p:nvSpPr>
+            <p:spPr>
+              <a:xfrm>
+                <a:off x="4860032" y="5928370"/>
+                <a:ext cx="144016" cy="309258"/>
+              </a:xfrm>
+              <a:prstGeom prst="rect">
+                <a:avLst/>
+              </a:prstGeom>
+              <a:solidFill>
+                <a:schemeClr val="tx1">
+                  <a:lumMod val="75000"/>
+                  <a:lumOff val="25000"/>
+                </a:schemeClr>
+              </a:solidFill>
+              <a:ln>
+                <a:noFill/>
+              </a:ln>
+            </p:spPr>
+            <p:style>
+              <a:lnRef idx="2">
+                <a:schemeClr val="accent1">
+                  <a:shade val="50000"/>
+                </a:schemeClr>
+              </a:lnRef>
+              <a:fillRef idx="1">
+                <a:schemeClr val="accent1"/>
+              </a:fillRef>
+              <a:effectRef idx="0">
+                <a:schemeClr val="accent1"/>
+              </a:effectRef>
+              <a:fontRef idx="minor">
+                <a:schemeClr val="lt1"/>
+              </a:fontRef>
+            </p:style>
+            <p:txBody>
+              <a:bodyPr rtlCol="0" anchor="ctr"/>
+              <a:lstStyle/>
+              <a:p>
+                <a:pPr algn="ctr"/>
+                <a:endParaRPr lang="pt-BR"/>
+              </a:p>
+            </p:txBody>
+          </p:sp>
+          <p:sp>
+            <p:nvSpPr>
+              <p:cNvPr id="69" name="Forma Livre: Forma 49">
+                <a:extLst>
+                  <a:ext uri="{FF2B5EF4-FFF2-40B4-BE49-F238E27FC236}">
+                    <a16:creationId xmlns="" xmlns:a16="http://schemas.microsoft.com/office/drawing/2014/main" id="{41453F3A-CCFA-4C9D-AB76-D9A8CED0195A}"/>
+                  </a:ext>
+                </a:extLst>
+              </p:cNvPr>
+              <p:cNvSpPr/>
+              <p:nvPr/>
+            </p:nvSpPr>
+            <p:spPr>
+              <a:xfrm>
+                <a:off x="4860032" y="5648003"/>
+                <a:ext cx="642466" cy="549334"/>
+              </a:xfrm>
+              <a:custGeom>
+                <a:avLst/>
+                <a:gdLst/>
+                <a:ahLst/>
+                <a:cxnLst/>
+                <a:rect l="l" t="t" r="r" b="b"/>
+                <a:pathLst>
+                  <a:path w="619604" h="549334">
+                    <a:moveTo>
+                      <a:pt x="309802" y="0"/>
+                    </a:moveTo>
+                    <a:cubicBezTo>
+                      <a:pt x="480901" y="0"/>
+                      <a:pt x="619604" y="138704"/>
+                      <a:pt x="619604" y="309802"/>
+                    </a:cubicBezTo>
+                    <a:cubicBezTo>
+                      <a:pt x="619604" y="406936"/>
+                      <a:pt x="574901" y="493629"/>
+                      <a:pt x="504056" y="549334"/>
+                    </a:cubicBezTo>
+                    <a:lnTo>
+                      <a:pt x="504056" y="309802"/>
+                    </a:lnTo>
+                    <a:lnTo>
+                      <a:pt x="481468" y="309802"/>
+                    </a:lnTo>
+                    <a:cubicBezTo>
+                      <a:pt x="481468" y="214993"/>
+                      <a:pt x="404611" y="138137"/>
+                      <a:pt x="309802" y="138137"/>
+                    </a:cubicBezTo>
+                    <a:cubicBezTo>
+                      <a:pt x="214993" y="138137"/>
+                      <a:pt x="138137" y="214993"/>
+                      <a:pt x="138137" y="309802"/>
+                    </a:cubicBezTo>
+                    <a:lnTo>
+                      <a:pt x="0" y="309802"/>
+                    </a:lnTo>
+                    <a:cubicBezTo>
+                      <a:pt x="0" y="138704"/>
+                      <a:pt x="138704" y="0"/>
+                      <a:pt x="309802" y="0"/>
+                    </a:cubicBezTo>
+                    <a:close/>
+                  </a:path>
+                </a:pathLst>
+              </a:custGeom>
+              <a:solidFill>
+                <a:schemeClr val="tx1">
+                  <a:lumMod val="75000"/>
+                  <a:lumOff val="25000"/>
+                </a:schemeClr>
+              </a:solidFill>
+              <a:ln>
+                <a:noFill/>
+              </a:ln>
+            </p:spPr>
+            <p:style>
+              <a:lnRef idx="2">
+                <a:schemeClr val="accent1">
+                  <a:shade val="50000"/>
+                </a:schemeClr>
+              </a:lnRef>
+              <a:fillRef idx="1">
+                <a:schemeClr val="accent1"/>
+              </a:fillRef>
+              <a:effectRef idx="0">
+                <a:schemeClr val="accent1"/>
+              </a:effectRef>
+              <a:fontRef idx="minor">
+                <a:schemeClr val="lt1"/>
+              </a:fontRef>
+            </p:style>
+            <p:txBody>
+              <a:bodyPr wrap="square" rtlCol="0" anchor="ctr">
+                <a:noAutofit/>
+              </a:bodyPr>
+              <a:lstStyle/>
+              <a:p>
+                <a:pPr algn="ctr"/>
+                <a:endParaRPr lang="pt-BR"/>
+              </a:p>
+            </p:txBody>
+          </p:sp>
+          <p:sp>
+            <p:nvSpPr>
+              <p:cNvPr id="70" name="Retângulo 69">
+                <a:extLst>
+                  <a:ext uri="{FF2B5EF4-FFF2-40B4-BE49-F238E27FC236}">
+                    <a16:creationId xmlns="" xmlns:a16="http://schemas.microsoft.com/office/drawing/2014/main" id="{AAE567ED-5815-4493-B2FA-CE69C8A3E85A}"/>
+                  </a:ext>
+                </a:extLst>
+              </p:cNvPr>
+              <p:cNvSpPr/>
+              <p:nvPr/>
+            </p:nvSpPr>
+            <p:spPr>
+              <a:xfrm>
+                <a:off x="5358482" y="5928370"/>
+                <a:ext cx="144016" cy="309258"/>
+              </a:xfrm>
+              <a:prstGeom prst="rect">
+                <a:avLst/>
+              </a:prstGeom>
+              <a:solidFill>
+                <a:schemeClr val="tx1">
+                  <a:lumMod val="75000"/>
+                  <a:lumOff val="25000"/>
+                </a:schemeClr>
+              </a:solidFill>
+              <a:ln>
+                <a:noFill/>
+              </a:ln>
+            </p:spPr>
+            <p:style>
+              <a:lnRef idx="2">
+                <a:schemeClr val="accent1">
+                  <a:shade val="50000"/>
+                </a:schemeClr>
+              </a:lnRef>
+              <a:fillRef idx="1">
+                <a:schemeClr val="accent1"/>
+              </a:fillRef>
+              <a:effectRef idx="0">
+                <a:schemeClr val="accent1"/>
+              </a:effectRef>
+              <a:fontRef idx="minor">
+                <a:schemeClr val="lt1"/>
+              </a:fontRef>
+            </p:style>
+            <p:txBody>
+              <a:bodyPr rtlCol="0" anchor="ctr"/>
+              <a:lstStyle/>
+              <a:p>
+                <a:pPr algn="ctr"/>
+                <a:endParaRPr lang="pt-BR"/>
+              </a:p>
+            </p:txBody>
+          </p:sp>
+        </p:grpSp>
+        <p:grpSp>
+          <p:nvGrpSpPr>
+            <p:cNvPr id="81" name="Grupo 80"/>
+            <p:cNvGrpSpPr/>
+            <p:nvPr/>
+          </p:nvGrpSpPr>
+          <p:grpSpPr>
+            <a:xfrm>
+              <a:off x="6389723" y="5633810"/>
+              <a:ext cx="471201" cy="588227"/>
+              <a:chOff x="6389723" y="5633810"/>
+              <a:chExt cx="471201" cy="588227"/>
+            </a:xfrm>
+          </p:grpSpPr>
+          <p:sp>
+            <p:nvSpPr>
+              <p:cNvPr id="76" name="Retângulo 75">
+                <a:extLst>
+                  <a:ext uri="{FF2B5EF4-FFF2-40B4-BE49-F238E27FC236}">
+                    <a16:creationId xmlns="" xmlns:a16="http://schemas.microsoft.com/office/drawing/2014/main" id="{AAE567ED-5815-4493-B2FA-CE69C8A3E85A}"/>
+                  </a:ext>
+                </a:extLst>
+              </p:cNvPr>
+              <p:cNvSpPr/>
+              <p:nvPr/>
+            </p:nvSpPr>
+            <p:spPr>
+              <a:xfrm>
+                <a:off x="6389723" y="5633810"/>
+                <a:ext cx="126493" cy="588227"/>
+              </a:xfrm>
+              <a:prstGeom prst="rect">
+                <a:avLst/>
+              </a:prstGeom>
+              <a:solidFill>
+                <a:schemeClr val="tx1">
+                  <a:lumMod val="75000"/>
+                  <a:lumOff val="25000"/>
+                </a:schemeClr>
+              </a:solidFill>
+              <a:ln>
+                <a:noFill/>
+              </a:ln>
+            </p:spPr>
+            <p:style>
+              <a:lnRef idx="2">
+                <a:schemeClr val="accent1">
+                  <a:shade val="50000"/>
+                </a:schemeClr>
+              </a:lnRef>
+              <a:fillRef idx="1">
+                <a:schemeClr val="accent1"/>
+              </a:fillRef>
+              <a:effectRef idx="0">
+                <a:schemeClr val="accent1"/>
+              </a:effectRef>
+              <a:fontRef idx="minor">
+                <a:schemeClr val="lt1"/>
+              </a:fontRef>
+            </p:style>
+            <p:txBody>
+              <a:bodyPr rtlCol="0" anchor="ctr"/>
+              <a:lstStyle/>
+              <a:p>
+                <a:pPr algn="ctr"/>
+                <a:endParaRPr lang="pt-BR"/>
+              </a:p>
+            </p:txBody>
+          </p:sp>
+          <p:sp>
+            <p:nvSpPr>
+              <p:cNvPr id="77" name="Forma Livre: Forma 49">
+                <a:extLst>
+                  <a:ext uri="{FF2B5EF4-FFF2-40B4-BE49-F238E27FC236}">
+                    <a16:creationId xmlns="" xmlns:a16="http://schemas.microsoft.com/office/drawing/2014/main" id="{41453F3A-CCFA-4C9D-AB76-D9A8CED0195A}"/>
+                  </a:ext>
+                </a:extLst>
+              </p:cNvPr>
+              <p:cNvSpPr/>
+              <p:nvPr/>
+            </p:nvSpPr>
+            <p:spPr>
+              <a:xfrm>
+                <a:off x="6402880" y="5636614"/>
+                <a:ext cx="458044" cy="272867"/>
+              </a:xfrm>
+              <a:custGeom>
+                <a:avLst/>
+                <a:gdLst/>
+                <a:ahLst/>
+                <a:cxnLst/>
+                <a:rect l="l" t="t" r="r" b="b"/>
+                <a:pathLst>
+                  <a:path w="458044" h="245831">
+                    <a:moveTo>
+                      <a:pt x="249326" y="0"/>
+                    </a:moveTo>
+                    <a:cubicBezTo>
+                      <a:pt x="336934" y="0"/>
+                      <a:pt x="414005" y="45115"/>
+                      <a:pt x="458044" y="113665"/>
+                    </a:cubicBezTo>
+                    <a:lnTo>
+                      <a:pt x="364325" y="177339"/>
+                    </a:lnTo>
+                    <a:cubicBezTo>
+                      <a:pt x="342019" y="137196"/>
+                      <a:pt x="298692" y="111346"/>
+                      <a:pt x="249326" y="111346"/>
+                    </a:cubicBezTo>
+                    <a:cubicBezTo>
+                      <a:pt x="174211" y="111346"/>
+                      <a:pt x="113077" y="171196"/>
+                      <a:pt x="111739" y="245831"/>
+                    </a:cubicBezTo>
+                    <a:lnTo>
+                      <a:pt x="0" y="245831"/>
+                    </a:lnTo>
+                    <a:cubicBezTo>
+                      <a:pt x="1718" y="109706"/>
+                      <a:pt x="112711" y="0"/>
+                      <a:pt x="249326" y="0"/>
+                    </a:cubicBezTo>
+                    <a:close/>
+                  </a:path>
+                </a:pathLst>
+              </a:custGeom>
+              <a:solidFill>
+                <a:schemeClr val="tx1">
+                  <a:lumMod val="75000"/>
+                  <a:lumOff val="25000"/>
+                </a:schemeClr>
+              </a:solidFill>
+              <a:ln>
+                <a:noFill/>
+              </a:ln>
+            </p:spPr>
+            <p:style>
+              <a:lnRef idx="2">
+                <a:schemeClr val="accent1">
+                  <a:shade val="50000"/>
+                </a:schemeClr>
+              </a:lnRef>
+              <a:fillRef idx="1">
+                <a:schemeClr val="accent1"/>
+              </a:fillRef>
+              <a:effectRef idx="0">
+                <a:schemeClr val="accent1"/>
+              </a:effectRef>
+              <a:fontRef idx="minor">
+                <a:schemeClr val="lt1"/>
+              </a:fontRef>
+            </p:style>
+            <p:txBody>
+              <a:bodyPr wrap="square" rtlCol="0" anchor="ctr">
+                <a:noAutofit/>
+              </a:bodyPr>
+              <a:lstStyle/>
+              <a:p>
+                <a:pPr algn="ctr"/>
+                <a:endParaRPr lang="pt-BR"/>
+              </a:p>
+            </p:txBody>
+          </p:sp>
+        </p:grpSp>
+        <p:sp>
+          <p:nvSpPr>
+            <p:cNvPr id="92" name="Semicírculo 53">
+              <a:extLst>
+                <a:ext uri="{FF2B5EF4-FFF2-40B4-BE49-F238E27FC236}">
+                  <a16:creationId xmlns="" xmlns:a16="http://schemas.microsoft.com/office/drawing/2014/main" id="{E9129E24-551E-4103-AFAA-36A3A7A66E48}"/>
+                </a:ext>
+              </a:extLst>
+            </p:cNvPr>
+            <p:cNvSpPr/>
+            <p:nvPr/>
+          </p:nvSpPr>
+          <p:spPr>
+            <a:xfrm rot="10800000" flipH="1">
+              <a:off x="7020269" y="5889400"/>
+              <a:ext cx="347463" cy="356016"/>
+            </a:xfrm>
+            <a:prstGeom prst="blockArc">
+              <a:avLst>
+                <a:gd name="adj1" fmla="val 10800000"/>
+                <a:gd name="adj2" fmla="val 251697"/>
+                <a:gd name="adj3" fmla="val 36027"/>
+              </a:avLst>
+            </a:prstGeom>
+            <a:solidFill>
+              <a:schemeClr val="tx1">
+                <a:lumMod val="75000"/>
+                <a:lumOff val="25000"/>
+              </a:schemeClr>
+            </a:solidFill>
+            <a:ln>
+              <a:noFill/>
+            </a:ln>
+          </p:spPr>
+          <p:style>
+            <a:lnRef idx="2">
+              <a:schemeClr val="accent1">
+                <a:shade val="50000"/>
+              </a:schemeClr>
+            </a:lnRef>
+            <a:fillRef idx="1">
+              <a:schemeClr val="accent1"/>
+            </a:fillRef>
+            <a:effectRef idx="0">
+              <a:schemeClr val="accent1"/>
+            </a:effectRef>
+            <a:fontRef idx="minor">
+              <a:schemeClr val="lt1"/>
+            </a:fontRef>
+          </p:style>
+          <p:txBody>
+            <a:bodyPr rtlCol="0" anchor="ctr"/>
+            <a:lstStyle/>
+            <a:p>
+              <a:pPr algn="ctr"/>
+              <a:endParaRPr lang="pt-BR">
+                <a:solidFill>
+                  <a:schemeClr val="tx1"/>
+                </a:solidFill>
+              </a:endParaRPr>
+            </a:p>
+          </p:txBody>
+        </p:sp>
+        <p:sp>
+          <p:nvSpPr>
+            <p:cNvPr id="96" name="Retângulo 95"/>
+            <p:cNvSpPr/>
+            <p:nvPr/>
+          </p:nvSpPr>
+          <p:spPr>
+            <a:xfrm>
+              <a:off x="7020270" y="5629357"/>
+              <a:ext cx="126000" cy="443668"/>
+            </a:xfrm>
+            <a:prstGeom prst="rect">
+              <a:avLst/>
+            </a:prstGeom>
+            <a:solidFill>
+              <a:schemeClr val="tx1">
+                <a:lumMod val="75000"/>
+                <a:lumOff val="25000"/>
+              </a:schemeClr>
+            </a:solidFill>
+            <a:ln>
+              <a:noFill/>
+            </a:ln>
+          </p:spPr>
+          <p:style>
+            <a:lnRef idx="2">
+              <a:schemeClr val="accent1">
+                <a:shade val="50000"/>
+              </a:schemeClr>
+            </a:lnRef>
+            <a:fillRef idx="1">
+              <a:schemeClr val="accent1"/>
+            </a:fillRef>
+            <a:effectRef idx="0">
+              <a:schemeClr val="accent1"/>
+            </a:effectRef>
+            <a:fontRef idx="minor">
+              <a:schemeClr val="lt1"/>
+            </a:fontRef>
+          </p:style>
+          <p:txBody>
+            <a:bodyPr rtlCol="0" anchor="ctr"/>
+            <a:lstStyle/>
+            <a:p>
+              <a:pPr algn="ctr"/>
+              <a:endParaRPr lang="pt-BR"/>
+            </a:p>
+          </p:txBody>
+        </p:sp>
+        <p:sp>
+          <p:nvSpPr>
+            <p:cNvPr id="99" name="Retângulo 98"/>
+            <p:cNvSpPr/>
+            <p:nvPr/>
+          </p:nvSpPr>
+          <p:spPr>
+            <a:xfrm rot="16200000">
+              <a:off x="7020270" y="5629064"/>
+              <a:ext cx="126000" cy="333986"/>
+            </a:xfrm>
+            <a:prstGeom prst="rect">
+              <a:avLst/>
+            </a:prstGeom>
+            <a:solidFill>
+              <a:schemeClr val="tx1">
+                <a:lumMod val="75000"/>
+                <a:lumOff val="25000"/>
+              </a:schemeClr>
+            </a:solidFill>
+            <a:ln>
+              <a:noFill/>
+            </a:ln>
+          </p:spPr>
+          <p:style>
+            <a:lnRef idx="2">
+              <a:schemeClr val="accent1">
+                <a:shade val="50000"/>
+              </a:schemeClr>
+            </a:lnRef>
+            <a:fillRef idx="1">
+              <a:schemeClr val="accent1"/>
+            </a:fillRef>
+            <a:effectRef idx="0">
+              <a:schemeClr val="accent1"/>
+            </a:effectRef>
+            <a:fontRef idx="minor">
+              <a:schemeClr val="lt1"/>
+            </a:fontRef>
+          </p:style>
+          <p:txBody>
+            <a:bodyPr rtlCol="0" anchor="ctr"/>
+            <a:lstStyle/>
+            <a:p>
+              <a:pPr algn="ctr"/>
+              <a:endParaRPr lang="pt-BR"/>
+            </a:p>
+          </p:txBody>
+        </p:sp>
+      </p:grpSp>
+      <p:grpSp>
+        <p:nvGrpSpPr>
+          <p:cNvPr id="113" name="Agrupar 16">
+            <a:extLst>
+              <a:ext uri="{FF2B5EF4-FFF2-40B4-BE49-F238E27FC236}">
+                <a16:creationId xmlns="" xmlns:a16="http://schemas.microsoft.com/office/drawing/2014/main" id="{FFCBCA76-95EA-4C50-8AB1-5118340B6708}"/>
+              </a:ext>
+            </a:extLst>
+          </p:cNvPr>
+          <p:cNvGrpSpPr/>
+          <p:nvPr/>
+        </p:nvGrpSpPr>
+        <p:grpSpPr>
+          <a:xfrm rot="1800000">
+            <a:off x="5608627" y="2744857"/>
+            <a:ext cx="177816" cy="277320"/>
+            <a:chOff x="6445772" y="1077492"/>
+            <a:chExt cx="2324411" cy="3625136"/>
+          </a:xfrm>
+        </p:grpSpPr>
+        <p:sp>
+          <p:nvSpPr>
+            <p:cNvPr id="114" name="Elipse 1">
+              <a:extLst>
+                <a:ext uri="{FF2B5EF4-FFF2-40B4-BE49-F238E27FC236}">
+                  <a16:creationId xmlns="" xmlns:a16="http://schemas.microsoft.com/office/drawing/2014/main" id="{D499439C-D85C-4E91-8E85-5768706562B1}"/>
+                </a:ext>
+              </a:extLst>
+            </p:cNvPr>
+            <p:cNvSpPr/>
+            <p:nvPr/>
+          </p:nvSpPr>
+          <p:spPr>
+            <a:xfrm rot="10800000">
+              <a:off x="6445772" y="1077492"/>
+              <a:ext cx="2324411" cy="2905514"/>
+            </a:xfrm>
+            <a:custGeom>
+              <a:avLst/>
+              <a:gdLst/>
+              <a:ahLst/>
+              <a:cxnLst/>
+              <a:rect l="l" t="t" r="r" b="b"/>
+              <a:pathLst>
+                <a:path w="571500" h="714375">
+                  <a:moveTo>
+                    <a:pt x="285750" y="0"/>
+                  </a:moveTo>
+                  <a:cubicBezTo>
+                    <a:pt x="443565" y="0"/>
+                    <a:pt x="571500" y="127935"/>
+                    <a:pt x="571500" y="285750"/>
+                  </a:cubicBezTo>
+                  <a:cubicBezTo>
+                    <a:pt x="571500" y="312845"/>
+                    <a:pt x="567729" y="339059"/>
+                    <a:pt x="559424" y="363539"/>
+                  </a:cubicBezTo>
+                  <a:cubicBezTo>
+                    <a:pt x="542624" y="459184"/>
+                    <a:pt x="465810" y="582087"/>
+                    <a:pt x="285750" y="714375"/>
+                  </a:cubicBezTo>
+                  <a:cubicBezTo>
+                    <a:pt x="105691" y="582087"/>
+                    <a:pt x="28877" y="459184"/>
+                    <a:pt x="12076" y="363539"/>
+                  </a:cubicBezTo>
+                  <a:cubicBezTo>
+                    <a:pt x="3771" y="339059"/>
+                    <a:pt x="0" y="312845"/>
+                    <a:pt x="0" y="285750"/>
+                  </a:cubicBezTo>
+                  <a:cubicBezTo>
+                    <a:pt x="0" y="127935"/>
+                    <a:pt x="127935" y="0"/>
+                    <a:pt x="285750" y="0"/>
+                  </a:cubicBezTo>
+                  <a:close/>
+                </a:path>
+              </a:pathLst>
+            </a:custGeom>
+            <a:solidFill>
+              <a:srgbClr val="8FFF00"/>
+            </a:solidFill>
+            <a:ln>
+              <a:noFill/>
+            </a:ln>
+          </p:spPr>
+          <p:style>
+            <a:lnRef idx="2">
+              <a:schemeClr val="accent1">
+                <a:shade val="50000"/>
+              </a:schemeClr>
+            </a:lnRef>
+            <a:fillRef idx="1">
+              <a:schemeClr val="accent1"/>
+            </a:fillRef>
+            <a:effectRef idx="0">
+              <a:schemeClr val="accent1"/>
+            </a:effectRef>
+            <a:fontRef idx="minor">
+              <a:schemeClr val="lt1"/>
+            </a:fontRef>
+          </p:style>
+          <p:txBody>
+            <a:bodyPr rtlCol="0" anchor="ctr"/>
+            <a:lstStyle/>
+            <a:p>
+              <a:pPr algn="r"/>
+              <a:endParaRPr lang="pt-BR"/>
+            </a:p>
+          </p:txBody>
+        </p:sp>
+        <p:sp>
+          <p:nvSpPr>
+            <p:cNvPr id="115" name="Retângulo: Cantos Arredondados 18">
+              <a:extLst>
+                <a:ext uri="{FF2B5EF4-FFF2-40B4-BE49-F238E27FC236}">
+                  <a16:creationId xmlns="" xmlns:a16="http://schemas.microsoft.com/office/drawing/2014/main" id="{94129A67-4C2E-4AF1-A2CE-2E2D618EFEEA}"/>
+                </a:ext>
+              </a:extLst>
+            </p:cNvPr>
+            <p:cNvSpPr/>
+            <p:nvPr/>
+          </p:nvSpPr>
+          <p:spPr>
+            <a:xfrm>
+              <a:off x="7564434" y="1341891"/>
+              <a:ext cx="115080" cy="3360737"/>
+            </a:xfrm>
+            <a:prstGeom prst="roundRect">
+              <a:avLst>
+                <a:gd name="adj" fmla="val 50000"/>
+              </a:avLst>
+            </a:prstGeom>
+            <a:solidFill>
+              <a:srgbClr val="72C800"/>
+            </a:solidFill>
+            <a:ln>
+              <a:noFill/>
+            </a:ln>
+          </p:spPr>
+          <p:style>
+            <a:lnRef idx="2">
+              <a:schemeClr val="accent1">
+                <a:shade val="50000"/>
+              </a:schemeClr>
+            </a:lnRef>
+            <a:fillRef idx="1">
+              <a:schemeClr val="accent1"/>
+            </a:fillRef>
+            <a:effectRef idx="0">
+              <a:schemeClr val="accent1"/>
+            </a:effectRef>
+            <a:fontRef idx="minor">
+              <a:schemeClr val="lt1"/>
+            </a:fontRef>
+          </p:style>
+          <p:txBody>
+            <a:bodyPr rtlCol="0" anchor="ctr"/>
+            <a:lstStyle/>
+            <a:p>
+              <a:pPr algn="r"/>
+              <a:endParaRPr lang="pt-BR"/>
+            </a:p>
+          </p:txBody>
+        </p:sp>
+        <p:grpSp>
+          <p:nvGrpSpPr>
+            <p:cNvPr id="116" name="Agrupar 19">
+              <a:extLst>
+                <a:ext uri="{FF2B5EF4-FFF2-40B4-BE49-F238E27FC236}">
+                  <a16:creationId xmlns="" xmlns:a16="http://schemas.microsoft.com/office/drawing/2014/main" id="{F197E95C-F728-4EA1-AEB8-9BB995A3CE01}"/>
+                </a:ext>
+              </a:extLst>
+            </p:cNvPr>
+            <p:cNvGrpSpPr/>
+            <p:nvPr/>
+          </p:nvGrpSpPr>
+          <p:grpSpPr>
+            <a:xfrm>
+              <a:off x="7003486" y="1680483"/>
+              <a:ext cx="1238000" cy="1790548"/>
+              <a:chOff x="7003486" y="1651455"/>
+              <a:chExt cx="1238000" cy="1790548"/>
+            </a:xfrm>
+          </p:grpSpPr>
+          <p:grpSp>
+            <p:nvGrpSpPr>
+              <p:cNvPr id="117" name="Agrupar 20">
+                <a:extLst>
+                  <a:ext uri="{FF2B5EF4-FFF2-40B4-BE49-F238E27FC236}">
+                    <a16:creationId xmlns="" xmlns:a16="http://schemas.microsoft.com/office/drawing/2014/main" id="{82F7FA59-4D4A-487C-A656-D25215F57185}"/>
+                  </a:ext>
+                </a:extLst>
+              </p:cNvPr>
+              <p:cNvGrpSpPr/>
+              <p:nvPr/>
+            </p:nvGrpSpPr>
+            <p:grpSpPr>
+              <a:xfrm>
+                <a:off x="7003486" y="2636102"/>
+                <a:ext cx="1236975" cy="805901"/>
+                <a:chOff x="7003486" y="2084559"/>
+                <a:chExt cx="1236975" cy="805901"/>
+              </a:xfrm>
+            </p:grpSpPr>
+            <p:sp>
+              <p:nvSpPr>
+                <p:cNvPr id="121" name="Retângulo: Cantos Arredondados 24">
+                  <a:extLst>
+                    <a:ext uri="{FF2B5EF4-FFF2-40B4-BE49-F238E27FC236}">
+                      <a16:creationId xmlns="" xmlns:a16="http://schemas.microsoft.com/office/drawing/2014/main" id="{38244068-655B-450A-9D7D-6EFCAD59F425}"/>
+                    </a:ext>
+                  </a:extLst>
+                </p:cNvPr>
+                <p:cNvSpPr/>
+                <p:nvPr/>
+              </p:nvSpPr>
+              <p:spPr>
+                <a:xfrm rot="2700000">
+                  <a:off x="7806967" y="1779051"/>
+                  <a:ext cx="127985" cy="739002"/>
+                </a:xfrm>
+                <a:prstGeom prst="roundRect">
+                  <a:avLst>
+                    <a:gd name="adj" fmla="val 50000"/>
+                  </a:avLst>
+                </a:prstGeom>
+                <a:solidFill>
+                  <a:srgbClr val="72C800"/>
+                </a:solidFill>
+                <a:ln>
+                  <a:noFill/>
+                </a:ln>
+              </p:spPr>
+              <p:style>
+                <a:lnRef idx="2">
+                  <a:schemeClr val="accent1">
+                    <a:shade val="50000"/>
+                  </a:schemeClr>
+                </a:lnRef>
+                <a:fillRef idx="1">
+                  <a:schemeClr val="accent1"/>
+                </a:fillRef>
+                <a:effectRef idx="0">
+                  <a:schemeClr val="accent1"/>
+                </a:effectRef>
+                <a:fontRef idx="minor">
+                  <a:schemeClr val="lt1"/>
+                </a:fontRef>
+              </p:style>
+              <p:txBody>
+                <a:bodyPr rtlCol="0" anchor="ctr"/>
+                <a:lstStyle/>
+                <a:p>
+                  <a:pPr algn="r"/>
+                  <a:endParaRPr lang="pt-BR"/>
+                </a:p>
+              </p:txBody>
+            </p:sp>
+            <p:sp>
+              <p:nvSpPr>
+                <p:cNvPr id="122" name="Retângulo: Cantos Arredondados 25">
+                  <a:extLst>
+                    <a:ext uri="{FF2B5EF4-FFF2-40B4-BE49-F238E27FC236}">
+                      <a16:creationId xmlns="" xmlns:a16="http://schemas.microsoft.com/office/drawing/2014/main" id="{AC4EC53E-09B5-4090-B5EF-E051AE30B4DE}"/>
+                    </a:ext>
+                  </a:extLst>
+                </p:cNvPr>
+                <p:cNvSpPr/>
+                <p:nvPr/>
+              </p:nvSpPr>
+              <p:spPr>
+                <a:xfrm rot="2700000">
+                  <a:off x="7806967" y="2448915"/>
+                  <a:ext cx="127985" cy="739002"/>
+                </a:xfrm>
+                <a:prstGeom prst="roundRect">
+                  <a:avLst>
+                    <a:gd name="adj" fmla="val 50000"/>
+                  </a:avLst>
+                </a:prstGeom>
+                <a:solidFill>
+                  <a:srgbClr val="72C800"/>
+                </a:solidFill>
+                <a:ln>
+                  <a:noFill/>
+                </a:ln>
+              </p:spPr>
+              <p:style>
+                <a:lnRef idx="2">
+                  <a:schemeClr val="accent1">
+                    <a:shade val="50000"/>
+                  </a:schemeClr>
+                </a:lnRef>
+                <a:fillRef idx="1">
+                  <a:schemeClr val="accent1"/>
+                </a:fillRef>
+                <a:effectRef idx="0">
+                  <a:schemeClr val="accent1"/>
+                </a:effectRef>
+                <a:fontRef idx="minor">
+                  <a:schemeClr val="lt1"/>
+                </a:fontRef>
+              </p:style>
+              <p:txBody>
+                <a:bodyPr rtlCol="0" anchor="ctr"/>
+                <a:lstStyle/>
+                <a:p>
+                  <a:pPr algn="r"/>
+                  <a:endParaRPr lang="pt-BR"/>
+                </a:p>
+              </p:txBody>
+            </p:sp>
+            <p:grpSp>
+              <p:nvGrpSpPr>
+                <p:cNvPr id="123" name="Agrupar 26">
+                  <a:extLst>
+                    <a:ext uri="{FF2B5EF4-FFF2-40B4-BE49-F238E27FC236}">
+                      <a16:creationId xmlns="" xmlns:a16="http://schemas.microsoft.com/office/drawing/2014/main" id="{E736EA85-D4AF-4293-B794-771E4EF2328C}"/>
+                    </a:ext>
+                  </a:extLst>
+                </p:cNvPr>
+                <p:cNvGrpSpPr/>
+                <p:nvPr/>
+              </p:nvGrpSpPr>
+              <p:grpSpPr>
+                <a:xfrm flipH="1">
+                  <a:off x="7003486" y="2092611"/>
+                  <a:ext cx="739002" cy="797849"/>
+                  <a:chOff x="7653859" y="2236959"/>
+                  <a:chExt cx="739002" cy="797849"/>
+                </a:xfrm>
+              </p:grpSpPr>
+              <p:sp>
+                <p:nvSpPr>
+                  <p:cNvPr id="124" name="Retângulo: Cantos Arredondados 27">
+                    <a:extLst>
+                      <a:ext uri="{FF2B5EF4-FFF2-40B4-BE49-F238E27FC236}">
+                        <a16:creationId xmlns="" xmlns:a16="http://schemas.microsoft.com/office/drawing/2014/main" id="{84412980-2075-4276-823D-E43C25E95EFF}"/>
+                      </a:ext>
+                    </a:extLst>
+                  </p:cNvPr>
+                  <p:cNvSpPr/>
+                  <p:nvPr/>
+                </p:nvSpPr>
+                <p:spPr>
+                  <a:xfrm rot="2700000">
+                    <a:off x="7959367" y="1931451"/>
+                    <a:ext cx="127985" cy="739002"/>
+                  </a:xfrm>
+                  <a:prstGeom prst="roundRect">
+                    <a:avLst>
+                      <a:gd name="adj" fmla="val 50000"/>
+                    </a:avLst>
+                  </a:prstGeom>
+                  <a:solidFill>
+                    <a:srgbClr val="72C800"/>
+                  </a:solidFill>
+                  <a:ln>
+                    <a:noFill/>
+                  </a:ln>
+                </p:spPr>
+                <p:style>
+                  <a:lnRef idx="2">
+                    <a:schemeClr val="accent1">
+                      <a:shade val="50000"/>
+                    </a:schemeClr>
+                  </a:lnRef>
+                  <a:fillRef idx="1">
+                    <a:schemeClr val="accent1"/>
+                  </a:fillRef>
+                  <a:effectRef idx="0">
+                    <a:schemeClr val="accent1"/>
+                  </a:effectRef>
+                  <a:fontRef idx="minor">
+                    <a:schemeClr val="lt1"/>
+                  </a:fontRef>
+                </p:style>
+                <p:txBody>
+                  <a:bodyPr rtlCol="0" anchor="ctr"/>
+                  <a:lstStyle/>
+                  <a:p>
+                    <a:pPr algn="r"/>
+                    <a:endParaRPr lang="pt-BR"/>
+                  </a:p>
+                </p:txBody>
+              </p:sp>
+              <p:sp>
+                <p:nvSpPr>
+                  <p:cNvPr id="125" name="Retângulo: Cantos Arredondados 28">
+                    <a:extLst>
+                      <a:ext uri="{FF2B5EF4-FFF2-40B4-BE49-F238E27FC236}">
+                        <a16:creationId xmlns="" xmlns:a16="http://schemas.microsoft.com/office/drawing/2014/main" id="{FC7F90A0-A267-4F99-93FB-4DD31F4565F6}"/>
+                      </a:ext>
+                    </a:extLst>
+                  </p:cNvPr>
+                  <p:cNvSpPr/>
+                  <p:nvPr/>
+                </p:nvSpPr>
+                <p:spPr>
+                  <a:xfrm rot="2700000">
+                    <a:off x="7959367" y="2601315"/>
+                    <a:ext cx="127985" cy="739002"/>
+                  </a:xfrm>
+                  <a:prstGeom prst="roundRect">
+                    <a:avLst>
+                      <a:gd name="adj" fmla="val 50000"/>
+                    </a:avLst>
+                  </a:prstGeom>
+                  <a:solidFill>
+                    <a:srgbClr val="72C800"/>
+                  </a:solidFill>
+                  <a:ln>
+                    <a:noFill/>
+                  </a:ln>
+                </p:spPr>
+                <p:style>
+                  <a:lnRef idx="2">
+                    <a:schemeClr val="accent1">
+                      <a:shade val="50000"/>
+                    </a:schemeClr>
+                  </a:lnRef>
+                  <a:fillRef idx="1">
+                    <a:schemeClr val="accent1"/>
+                  </a:fillRef>
+                  <a:effectRef idx="0">
+                    <a:schemeClr val="accent1"/>
+                  </a:effectRef>
+                  <a:fontRef idx="minor">
+                    <a:schemeClr val="lt1"/>
+                  </a:fontRef>
+                </p:style>
+                <p:txBody>
+                  <a:bodyPr rtlCol="0" anchor="ctr"/>
+                  <a:lstStyle/>
+                  <a:p>
+                    <a:pPr algn="r"/>
+                    <a:endParaRPr lang="pt-BR"/>
+                  </a:p>
+                </p:txBody>
+              </p:sp>
+            </p:grpSp>
+          </p:grpSp>
+          <p:grpSp>
+            <p:nvGrpSpPr>
+              <p:cNvPr id="118" name="Agrupar 21">
+                <a:extLst>
+                  <a:ext uri="{FF2B5EF4-FFF2-40B4-BE49-F238E27FC236}">
+                    <a16:creationId xmlns="" xmlns:a16="http://schemas.microsoft.com/office/drawing/2014/main" id="{29065F86-9559-45A0-A934-DBBD6FD794C5}"/>
+                  </a:ext>
+                </a:extLst>
+              </p:cNvPr>
+              <p:cNvGrpSpPr/>
+              <p:nvPr/>
+            </p:nvGrpSpPr>
+            <p:grpSpPr>
+              <a:xfrm>
+                <a:off x="7310020" y="1651455"/>
+                <a:ext cx="931466" cy="739002"/>
+                <a:chOff x="7308995" y="2456967"/>
+                <a:chExt cx="931466" cy="739002"/>
+              </a:xfrm>
+            </p:grpSpPr>
+            <p:sp>
+              <p:nvSpPr>
+                <p:cNvPr id="119" name="Retângulo: Cantos Arredondados 22">
+                  <a:extLst>
+                    <a:ext uri="{FF2B5EF4-FFF2-40B4-BE49-F238E27FC236}">
+                      <a16:creationId xmlns="" xmlns:a16="http://schemas.microsoft.com/office/drawing/2014/main" id="{5EAE69C0-ECD0-442A-85E6-C5C01336EDA9}"/>
+                    </a:ext>
+                  </a:extLst>
+                </p:cNvPr>
+                <p:cNvSpPr/>
+                <p:nvPr/>
+              </p:nvSpPr>
+              <p:spPr>
+                <a:xfrm rot="2700000">
+                  <a:off x="7806967" y="2448915"/>
+                  <a:ext cx="127985" cy="739002"/>
+                </a:xfrm>
+                <a:prstGeom prst="roundRect">
+                  <a:avLst>
+                    <a:gd name="adj" fmla="val 50000"/>
+                  </a:avLst>
+                </a:prstGeom>
+                <a:solidFill>
+                  <a:srgbClr val="72C800"/>
+                </a:solidFill>
+                <a:ln>
+                  <a:noFill/>
+                </a:ln>
+              </p:spPr>
+              <p:style>
+                <a:lnRef idx="2">
+                  <a:schemeClr val="accent1">
+                    <a:shade val="50000"/>
+                  </a:schemeClr>
+                </a:lnRef>
+                <a:fillRef idx="1">
+                  <a:schemeClr val="accent1"/>
+                </a:fillRef>
+                <a:effectRef idx="0">
+                  <a:schemeClr val="accent1"/>
+                </a:effectRef>
+                <a:fontRef idx="minor">
+                  <a:schemeClr val="lt1"/>
+                </a:fontRef>
+              </p:style>
+              <p:txBody>
+                <a:bodyPr rtlCol="0" anchor="ctr"/>
+                <a:lstStyle/>
+                <a:p>
+                  <a:pPr algn="r"/>
+                  <a:endParaRPr lang="pt-BR"/>
+                </a:p>
+              </p:txBody>
+            </p:sp>
+            <p:sp>
+              <p:nvSpPr>
+                <p:cNvPr id="120" name="Retângulo: Cantos Arredondados 23">
+                  <a:extLst>
+                    <a:ext uri="{FF2B5EF4-FFF2-40B4-BE49-F238E27FC236}">
+                      <a16:creationId xmlns="" xmlns:a16="http://schemas.microsoft.com/office/drawing/2014/main" id="{7693F556-B50A-44BF-9A5C-D3C4AC4EAD96}"/>
+                    </a:ext>
+                  </a:extLst>
+                </p:cNvPr>
+                <p:cNvSpPr/>
+                <p:nvPr/>
+              </p:nvSpPr>
+              <p:spPr>
+                <a:xfrm rot="18900000" flipH="1">
+                  <a:off x="7308995" y="2456967"/>
+                  <a:ext cx="127985" cy="739002"/>
+                </a:xfrm>
+                <a:prstGeom prst="roundRect">
+                  <a:avLst>
+                    <a:gd name="adj" fmla="val 50000"/>
+                  </a:avLst>
+                </a:prstGeom>
+                <a:solidFill>
+                  <a:srgbClr val="72C800"/>
+                </a:solidFill>
+                <a:ln>
+                  <a:noFill/>
+                </a:ln>
+              </p:spPr>
+              <p:style>
+                <a:lnRef idx="2">
+                  <a:schemeClr val="accent1">
+                    <a:shade val="50000"/>
+                  </a:schemeClr>
+                </a:lnRef>
+                <a:fillRef idx="1">
+                  <a:schemeClr val="accent1"/>
+                </a:fillRef>
+                <a:effectRef idx="0">
+                  <a:schemeClr val="accent1"/>
+                </a:effectRef>
+                <a:fontRef idx="minor">
+                  <a:schemeClr val="lt1"/>
+                </a:fontRef>
+              </p:style>
+              <p:txBody>
+                <a:bodyPr rtlCol="0" anchor="ctr"/>
+                <a:lstStyle/>
+                <a:p>
+                  <a:pPr algn="r"/>
+                  <a:endParaRPr lang="pt-BR"/>
+                </a:p>
+              </p:txBody>
+            </p:sp>
+          </p:grpSp>
+        </p:grpSp>
+      </p:grpSp>
+      <p:grpSp>
+        <p:nvGrpSpPr>
+          <p:cNvPr id="101" name="Grupo 100"/>
+          <p:cNvGrpSpPr/>
+          <p:nvPr/>
+        </p:nvGrpSpPr>
+        <p:grpSpPr>
+          <a:xfrm>
+            <a:off x="4738814" y="2863024"/>
+            <a:ext cx="391710" cy="589391"/>
+            <a:chOff x="5800690" y="5104239"/>
+            <a:chExt cx="391710" cy="589391"/>
+          </a:xfrm>
+          <a:solidFill>
+            <a:srgbClr val="8FFF00"/>
+          </a:solidFill>
+        </p:grpSpPr>
+        <p:sp>
+          <p:nvSpPr>
+            <p:cNvPr id="102" name="Retângulo 101">
+              <a:extLst>
+                <a:ext uri="{FF2B5EF4-FFF2-40B4-BE49-F238E27FC236}">
+                  <a16:creationId xmlns="" xmlns:a16="http://schemas.microsoft.com/office/drawing/2014/main" id="{AAE567ED-5815-4493-B2FA-CE69C8A3E85A}"/>
+                </a:ext>
+              </a:extLst>
+            </p:cNvPr>
+            <p:cNvSpPr/>
+            <p:nvPr/>
+          </p:nvSpPr>
+          <p:spPr>
+            <a:xfrm>
+              <a:off x="5800690" y="5104538"/>
+              <a:ext cx="108970" cy="589092"/>
+            </a:xfrm>
+            <a:prstGeom prst="rect">
+              <a:avLst/>
+            </a:prstGeom>
+            <a:grpFill/>
+            <a:ln>
+              <a:noFill/>
+            </a:ln>
+          </p:spPr>
+          <p:style>
+            <a:lnRef idx="2">
+              <a:schemeClr val="accent1">
+                <a:shade val="50000"/>
+              </a:schemeClr>
+            </a:lnRef>
+            <a:fillRef idx="1">
+              <a:schemeClr val="accent1"/>
+            </a:fillRef>
+            <a:effectRef idx="0">
+              <a:schemeClr val="accent1"/>
+            </a:effectRef>
+            <a:fontRef idx="minor">
+              <a:schemeClr val="lt1"/>
+            </a:fontRef>
+          </p:style>
+          <p:txBody>
+            <a:bodyPr rtlCol="0" anchor="ctr"/>
+            <a:lstStyle/>
+            <a:p>
+              <a:pPr algn="r"/>
+              <a:endParaRPr lang="pt-BR"/>
+            </a:p>
+          </p:txBody>
+        </p:sp>
+        <p:sp>
+          <p:nvSpPr>
+            <p:cNvPr id="103" name="Retângulo 102">
+              <a:extLst>
+                <a:ext uri="{FF2B5EF4-FFF2-40B4-BE49-F238E27FC236}">
+                  <a16:creationId xmlns="" xmlns:a16="http://schemas.microsoft.com/office/drawing/2014/main" id="{AAE567ED-5815-4493-B2FA-CE69C8A3E85A}"/>
+                </a:ext>
+              </a:extLst>
+            </p:cNvPr>
+            <p:cNvSpPr/>
+            <p:nvPr/>
+          </p:nvSpPr>
+          <p:spPr>
+            <a:xfrm rot="16200000">
+              <a:off x="5893478" y="5251811"/>
+              <a:ext cx="108970" cy="294546"/>
+            </a:xfrm>
+            <a:prstGeom prst="rect">
+              <a:avLst/>
+            </a:prstGeom>
+            <a:grpFill/>
+            <a:ln>
+              <a:noFill/>
+            </a:ln>
+          </p:spPr>
+          <p:style>
+            <a:lnRef idx="2">
+              <a:schemeClr val="accent1">
+                <a:shade val="50000"/>
+              </a:schemeClr>
+            </a:lnRef>
+            <a:fillRef idx="1">
+              <a:schemeClr val="accent1"/>
+            </a:fillRef>
+            <a:effectRef idx="0">
+              <a:schemeClr val="accent1"/>
+            </a:effectRef>
+            <a:fontRef idx="minor">
+              <a:schemeClr val="lt1"/>
+            </a:fontRef>
+          </p:style>
+          <p:txBody>
+            <a:bodyPr rtlCol="0" anchor="ctr"/>
+            <a:lstStyle/>
+            <a:p>
+              <a:pPr algn="r"/>
+              <a:endParaRPr lang="pt-BR"/>
+            </a:p>
+          </p:txBody>
+        </p:sp>
+        <p:sp>
+          <p:nvSpPr>
+            <p:cNvPr id="104" name="Retângulo 103">
+              <a:extLst>
+                <a:ext uri="{FF2B5EF4-FFF2-40B4-BE49-F238E27FC236}">
+                  <a16:creationId xmlns="" xmlns:a16="http://schemas.microsoft.com/office/drawing/2014/main" id="{AAE567ED-5815-4493-B2FA-CE69C8A3E85A}"/>
+                </a:ext>
+              </a:extLst>
+            </p:cNvPr>
+            <p:cNvSpPr/>
+            <p:nvPr/>
+          </p:nvSpPr>
+          <p:spPr>
+            <a:xfrm>
+              <a:off x="6083430" y="5104239"/>
+              <a:ext cx="108970" cy="589092"/>
+            </a:xfrm>
+            <a:prstGeom prst="rect">
+              <a:avLst/>
+            </a:prstGeom>
+            <a:grpFill/>
+            <a:ln>
+              <a:noFill/>
+            </a:ln>
+          </p:spPr>
+          <p:style>
+            <a:lnRef idx="2">
+              <a:schemeClr val="accent1">
+                <a:shade val="50000"/>
+              </a:schemeClr>
+            </a:lnRef>
+            <a:fillRef idx="1">
+              <a:schemeClr val="accent1"/>
+            </a:fillRef>
+            <a:effectRef idx="0">
+              <a:schemeClr val="accent1"/>
+            </a:effectRef>
+            <a:fontRef idx="minor">
+              <a:schemeClr val="lt1"/>
+            </a:fontRef>
+          </p:style>
+          <p:txBody>
+            <a:bodyPr rtlCol="0" anchor="ctr"/>
+            <a:lstStyle/>
+            <a:p>
+              <a:pPr algn="r"/>
+              <a:endParaRPr lang="pt-BR"/>
+            </a:p>
+          </p:txBody>
+        </p:sp>
+      </p:grpSp>
+      <p:sp>
+        <p:nvSpPr>
+          <p:cNvPr id="108" name="Forma Livre: Forma 55">
+            <a:extLst>
+              <a:ext uri="{FF2B5EF4-FFF2-40B4-BE49-F238E27FC236}">
+                <a16:creationId xmlns="" xmlns:a16="http://schemas.microsoft.com/office/drawing/2014/main" id="{49514120-7B2C-4575-BF94-7E3FA2CB17A8}"/>
+              </a:ext>
+            </a:extLst>
+          </p:cNvPr>
+          <p:cNvSpPr/>
+          <p:nvPr/>
+        </p:nvSpPr>
+        <p:spPr>
+          <a:xfrm>
+            <a:off x="5225247" y="3214886"/>
+            <a:ext cx="451396" cy="225983"/>
+          </a:xfrm>
+          <a:custGeom>
+            <a:avLst/>
+            <a:gdLst/>
+            <a:ahLst/>
+            <a:cxnLst/>
+            <a:rect l="l" t="t" r="r" b="b"/>
+            <a:pathLst>
+              <a:path w="620653" h="300051">
+                <a:moveTo>
+                  <a:pt x="0" y="0"/>
+                </a:moveTo>
+                <a:lnTo>
+                  <a:pt x="116219" y="0"/>
+                </a:lnTo>
+                <a:cubicBezTo>
+                  <a:pt x="122120" y="102121"/>
+                  <a:pt x="207056" y="182804"/>
+                  <a:pt x="310837" y="182804"/>
+                </a:cubicBezTo>
+                <a:cubicBezTo>
+                  <a:pt x="414618" y="182804"/>
+                  <a:pt x="499554" y="102121"/>
+                  <a:pt x="505455" y="0"/>
+                </a:cubicBezTo>
+                <a:lnTo>
+                  <a:pt x="620653" y="0"/>
+                </a:lnTo>
+                <a:cubicBezTo>
+                  <a:pt x="615568" y="166750"/>
+                  <a:pt x="478515" y="300051"/>
+                  <a:pt x="310327" y="300051"/>
+                </a:cubicBezTo>
+                <a:cubicBezTo>
+                  <a:pt x="142139" y="300051"/>
+                  <a:pt x="5086" y="166750"/>
+                  <a:pt x="0" y="0"/>
+                </a:cubicBezTo>
+                <a:close/>
+              </a:path>
+            </a:pathLst>
+          </a:custGeom>
+          <a:solidFill>
+            <a:srgbClr val="8FFF00"/>
+          </a:solidFill>
+          <a:ln>
+            <a:noFill/>
+          </a:ln>
+        </p:spPr>
+        <p:style>
+          <a:lnRef idx="2">
+            <a:schemeClr val="accent1">
+              <a:shade val="50000"/>
+            </a:schemeClr>
+          </a:lnRef>
+          <a:fillRef idx="1">
+            <a:schemeClr val="accent1"/>
+          </a:fillRef>
+          <a:effectRef idx="0">
+            <a:schemeClr val="accent1"/>
+          </a:effectRef>
+          <a:fontRef idx="minor">
+            <a:schemeClr val="lt1"/>
+          </a:fontRef>
+        </p:style>
+        <p:txBody>
+          <a:bodyPr wrap="square" rtlCol="0" anchor="ctr">
+            <a:noAutofit/>
+          </a:bodyPr>
+          <a:lstStyle/>
+          <a:p>
+            <a:pPr algn="r"/>
+            <a:endParaRPr lang="pt-BR"/>
+          </a:p>
+        </p:txBody>
+      </p:sp>
+      <p:sp>
+        <p:nvSpPr>
+          <p:cNvPr id="139" name="Retângulo 138"/>
+          <p:cNvSpPr/>
+          <p:nvPr/>
+        </p:nvSpPr>
+        <p:spPr>
+          <a:xfrm>
+            <a:off x="5225247" y="2990011"/>
+            <a:ext cx="79669" cy="177648"/>
+          </a:xfrm>
+          <a:prstGeom prst="rect">
+            <a:avLst/>
+          </a:prstGeom>
+          <a:solidFill>
+            <a:srgbClr val="8FFF00"/>
+          </a:solidFill>
+          <a:ln>
+            <a:noFill/>
+          </a:ln>
+        </p:spPr>
+        <p:style>
+          <a:lnRef idx="2">
+            <a:schemeClr val="accent1">
+              <a:shade val="50000"/>
+            </a:schemeClr>
+          </a:lnRef>
+          <a:fillRef idx="1">
+            <a:schemeClr val="accent1"/>
+          </a:fillRef>
+          <a:effectRef idx="0">
+            <a:schemeClr val="accent1"/>
+          </a:effectRef>
+          <a:fontRef idx="minor">
+            <a:schemeClr val="lt1"/>
+          </a:fontRef>
+        </p:style>
+        <p:txBody>
+          <a:bodyPr rtlCol="0" anchor="ctr"/>
+          <a:lstStyle/>
+          <a:p>
+            <a:pPr algn="r"/>
+            <a:endParaRPr lang="pt-BR"/>
+          </a:p>
+        </p:txBody>
+      </p:sp>
+      <p:sp>
+        <p:nvSpPr>
+          <p:cNvPr id="140" name="Retângulo 139"/>
+          <p:cNvSpPr/>
+          <p:nvPr/>
+        </p:nvSpPr>
+        <p:spPr>
+          <a:xfrm>
+            <a:off x="5596643" y="2990011"/>
+            <a:ext cx="79669" cy="177648"/>
+          </a:xfrm>
+          <a:prstGeom prst="rect">
+            <a:avLst/>
+          </a:prstGeom>
+          <a:solidFill>
+            <a:srgbClr val="8FFF00"/>
+          </a:solidFill>
+          <a:ln>
+            <a:noFill/>
+          </a:ln>
+        </p:spPr>
+        <p:style>
+          <a:lnRef idx="2">
+            <a:schemeClr val="accent1">
+              <a:shade val="50000"/>
+            </a:schemeClr>
+          </a:lnRef>
+          <a:fillRef idx="1">
+            <a:schemeClr val="accent1"/>
+          </a:fillRef>
+          <a:effectRef idx="0">
+            <a:schemeClr val="accent1"/>
+          </a:effectRef>
+          <a:fontRef idx="minor">
+            <a:schemeClr val="lt1"/>
+          </a:fontRef>
+        </p:style>
+        <p:txBody>
+          <a:bodyPr rtlCol="0" anchor="ctr"/>
+          <a:lstStyle/>
+          <a:p>
+            <a:pPr algn="r"/>
+            <a:endParaRPr lang="pt-BR"/>
+          </a:p>
+        </p:txBody>
+      </p:sp>
+      <p:grpSp>
+        <p:nvGrpSpPr>
+          <p:cNvPr id="110" name="Grupo 109"/>
+          <p:cNvGrpSpPr/>
+          <p:nvPr/>
+        </p:nvGrpSpPr>
+        <p:grpSpPr>
+          <a:xfrm>
+            <a:off x="5802654" y="2995037"/>
+            <a:ext cx="670353" cy="433020"/>
+            <a:chOff x="6344082" y="5081091"/>
+            <a:chExt cx="936105" cy="604686"/>
+          </a:xfrm>
+          <a:solidFill>
+            <a:srgbClr val="8FFF00"/>
+          </a:solidFill>
+        </p:grpSpPr>
+        <p:sp>
+          <p:nvSpPr>
+            <p:cNvPr id="141" name="Retângulo 140">
+              <a:extLst>
+                <a:ext uri="{FF2B5EF4-FFF2-40B4-BE49-F238E27FC236}">
+                  <a16:creationId xmlns="" xmlns:a16="http://schemas.microsoft.com/office/drawing/2014/main" id="{AAE567ED-5815-4493-B2FA-CE69C8A3E85A}"/>
+                </a:ext>
+              </a:extLst>
+            </p:cNvPr>
+            <p:cNvSpPr/>
+            <p:nvPr/>
+          </p:nvSpPr>
+          <p:spPr>
+            <a:xfrm>
+              <a:off x="6344082" y="5081091"/>
+              <a:ext cx="117585" cy="604683"/>
+            </a:xfrm>
+            <a:prstGeom prst="rect">
+              <a:avLst/>
+            </a:prstGeom>
+            <a:grpFill/>
+            <a:ln>
+              <a:noFill/>
+            </a:ln>
+          </p:spPr>
+          <p:style>
+            <a:lnRef idx="2">
+              <a:schemeClr val="accent1">
+                <a:shade val="50000"/>
+              </a:schemeClr>
+            </a:lnRef>
+            <a:fillRef idx="1">
+              <a:schemeClr val="accent1"/>
+            </a:fillRef>
+            <a:effectRef idx="0">
+              <a:schemeClr val="accent1"/>
+            </a:effectRef>
+            <a:fontRef idx="minor">
+              <a:schemeClr val="lt1"/>
+            </a:fontRef>
+          </p:style>
+          <p:txBody>
+            <a:bodyPr rtlCol="0" anchor="ctr"/>
+            <a:lstStyle/>
+            <a:p>
+              <a:pPr algn="r"/>
+              <a:endParaRPr lang="pt-BR"/>
+            </a:p>
+          </p:txBody>
+        </p:sp>
+        <p:sp>
+          <p:nvSpPr>
+            <p:cNvPr id="142" name="Forma Livre: Forma 49">
+              <a:extLst>
+                <a:ext uri="{FF2B5EF4-FFF2-40B4-BE49-F238E27FC236}">
+                  <a16:creationId xmlns="" xmlns:a16="http://schemas.microsoft.com/office/drawing/2014/main" id="{41453F3A-CCFA-4C9D-AB76-D9A8CED0195A}"/>
+                </a:ext>
+              </a:extLst>
+            </p:cNvPr>
+            <p:cNvSpPr/>
+            <p:nvPr/>
+          </p:nvSpPr>
+          <p:spPr>
+            <a:xfrm>
+              <a:off x="6344085" y="5101850"/>
+              <a:ext cx="529132" cy="549334"/>
+            </a:xfrm>
+            <a:custGeom>
+              <a:avLst/>
+              <a:gdLst/>
+              <a:ahLst/>
+              <a:cxnLst/>
+              <a:rect l="l" t="t" r="r" b="b"/>
+              <a:pathLst>
+                <a:path w="619604" h="549334">
+                  <a:moveTo>
+                    <a:pt x="309802" y="0"/>
+                  </a:moveTo>
+                  <a:cubicBezTo>
+                    <a:pt x="480901" y="0"/>
+                    <a:pt x="619604" y="138704"/>
+                    <a:pt x="619604" y="309802"/>
+                  </a:cubicBezTo>
+                  <a:cubicBezTo>
+                    <a:pt x="619604" y="406936"/>
+                    <a:pt x="574901" y="493629"/>
+                    <a:pt x="504056" y="549334"/>
+                  </a:cubicBezTo>
+                  <a:lnTo>
+                    <a:pt x="504056" y="309802"/>
+                  </a:lnTo>
+                  <a:lnTo>
+                    <a:pt x="481468" y="309802"/>
+                  </a:lnTo>
+                  <a:cubicBezTo>
+                    <a:pt x="481468" y="214993"/>
+                    <a:pt x="404611" y="138137"/>
+                    <a:pt x="309802" y="138137"/>
+                  </a:cubicBezTo>
+                  <a:cubicBezTo>
+                    <a:pt x="214993" y="138137"/>
+                    <a:pt x="138137" y="214993"/>
+                    <a:pt x="138137" y="309802"/>
+                  </a:cubicBezTo>
+                  <a:lnTo>
+                    <a:pt x="0" y="309802"/>
+                  </a:lnTo>
+                  <a:cubicBezTo>
+                    <a:pt x="0" y="138704"/>
+                    <a:pt x="138704" y="0"/>
+                    <a:pt x="309802" y="0"/>
+                  </a:cubicBezTo>
+                  <a:close/>
+                </a:path>
+              </a:pathLst>
+            </a:custGeom>
+            <a:grpFill/>
+            <a:ln>
+              <a:noFill/>
+            </a:ln>
+          </p:spPr>
+          <p:style>
+            <a:lnRef idx="2">
+              <a:schemeClr val="accent1">
+                <a:shade val="50000"/>
+              </a:schemeClr>
+            </a:lnRef>
+            <a:fillRef idx="1">
+              <a:schemeClr val="accent1"/>
+            </a:fillRef>
+            <a:effectRef idx="0">
+              <a:schemeClr val="accent1"/>
+            </a:effectRef>
+            <a:fontRef idx="minor">
+              <a:schemeClr val="lt1"/>
+            </a:fontRef>
+          </p:style>
+          <p:txBody>
+            <a:bodyPr wrap="square" rtlCol="0" anchor="ctr">
+              <a:noAutofit/>
+            </a:bodyPr>
+            <a:lstStyle/>
+            <a:p>
+              <a:pPr algn="r"/>
+              <a:endParaRPr lang="pt-BR"/>
+            </a:p>
+          </p:txBody>
+        </p:sp>
+        <p:sp>
+          <p:nvSpPr>
+            <p:cNvPr id="143" name="Retângulo 142">
+              <a:extLst>
+                <a:ext uri="{FF2B5EF4-FFF2-40B4-BE49-F238E27FC236}">
+                  <a16:creationId xmlns="" xmlns:a16="http://schemas.microsoft.com/office/drawing/2014/main" id="{AAE567ED-5815-4493-B2FA-CE69C8A3E85A}"/>
+                </a:ext>
+              </a:extLst>
+            </p:cNvPr>
+            <p:cNvSpPr/>
+            <p:nvPr/>
+          </p:nvSpPr>
+          <p:spPr>
+            <a:xfrm>
+              <a:off x="6755631" y="5376519"/>
+              <a:ext cx="117585" cy="309258"/>
+            </a:xfrm>
+            <a:prstGeom prst="rect">
+              <a:avLst/>
+            </a:prstGeom>
+            <a:grpFill/>
+            <a:ln>
+              <a:noFill/>
+            </a:ln>
+          </p:spPr>
+          <p:style>
+            <a:lnRef idx="2">
+              <a:schemeClr val="accent1">
+                <a:shade val="50000"/>
+              </a:schemeClr>
+            </a:lnRef>
+            <a:fillRef idx="1">
+              <a:schemeClr val="accent1"/>
+            </a:fillRef>
+            <a:effectRef idx="0">
+              <a:schemeClr val="accent1"/>
+            </a:effectRef>
+            <a:fontRef idx="minor">
+              <a:schemeClr val="lt1"/>
+            </a:fontRef>
+          </p:style>
+          <p:txBody>
+            <a:bodyPr rtlCol="0" anchor="ctr"/>
+            <a:lstStyle/>
+            <a:p>
+              <a:pPr algn="r"/>
+              <a:endParaRPr lang="pt-BR"/>
+            </a:p>
+          </p:txBody>
+        </p:sp>
+        <p:sp>
+          <p:nvSpPr>
+            <p:cNvPr id="144" name="Forma Livre: Forma 49">
+              <a:extLst>
+                <a:ext uri="{FF2B5EF4-FFF2-40B4-BE49-F238E27FC236}">
+                  <a16:creationId xmlns="" xmlns:a16="http://schemas.microsoft.com/office/drawing/2014/main" id="{41453F3A-CCFA-4C9D-AB76-D9A8CED0195A}"/>
+                </a:ext>
+              </a:extLst>
+            </p:cNvPr>
+            <p:cNvSpPr/>
+            <p:nvPr/>
+          </p:nvSpPr>
+          <p:spPr>
+            <a:xfrm>
+              <a:off x="6755631" y="5096149"/>
+              <a:ext cx="524556" cy="549334"/>
+            </a:xfrm>
+            <a:custGeom>
+              <a:avLst/>
+              <a:gdLst/>
+              <a:ahLst/>
+              <a:cxnLst/>
+              <a:rect l="l" t="t" r="r" b="b"/>
+              <a:pathLst>
+                <a:path w="619604" h="549334">
+                  <a:moveTo>
+                    <a:pt x="309802" y="0"/>
+                  </a:moveTo>
+                  <a:cubicBezTo>
+                    <a:pt x="480901" y="0"/>
+                    <a:pt x="619604" y="138704"/>
+                    <a:pt x="619604" y="309802"/>
+                  </a:cubicBezTo>
+                  <a:cubicBezTo>
+                    <a:pt x="619604" y="406936"/>
+                    <a:pt x="574901" y="493629"/>
+                    <a:pt x="504056" y="549334"/>
+                  </a:cubicBezTo>
+                  <a:lnTo>
+                    <a:pt x="504056" y="309802"/>
+                  </a:lnTo>
+                  <a:lnTo>
+                    <a:pt x="481468" y="309802"/>
+                  </a:lnTo>
+                  <a:cubicBezTo>
+                    <a:pt x="481468" y="214993"/>
+                    <a:pt x="404611" y="138137"/>
+                    <a:pt x="309802" y="138137"/>
+                  </a:cubicBezTo>
+                  <a:cubicBezTo>
+                    <a:pt x="214993" y="138137"/>
+                    <a:pt x="138137" y="214993"/>
+                    <a:pt x="138137" y="309802"/>
+                  </a:cubicBezTo>
+                  <a:lnTo>
+                    <a:pt x="0" y="309802"/>
+                  </a:lnTo>
+                  <a:cubicBezTo>
+                    <a:pt x="0" y="138704"/>
+                    <a:pt x="138704" y="0"/>
+                    <a:pt x="309802" y="0"/>
+                  </a:cubicBezTo>
+                  <a:close/>
+                </a:path>
+              </a:pathLst>
+            </a:custGeom>
+            <a:grpFill/>
+            <a:ln>
+              <a:noFill/>
+            </a:ln>
+          </p:spPr>
+          <p:style>
+            <a:lnRef idx="2">
+              <a:schemeClr val="accent1">
+                <a:shade val="50000"/>
+              </a:schemeClr>
+            </a:lnRef>
+            <a:fillRef idx="1">
+              <a:schemeClr val="accent1"/>
+            </a:fillRef>
+            <a:effectRef idx="0">
+              <a:schemeClr val="accent1"/>
+            </a:effectRef>
+            <a:fontRef idx="minor">
+              <a:schemeClr val="lt1"/>
+            </a:fontRef>
+          </p:style>
+          <p:txBody>
+            <a:bodyPr wrap="square" rtlCol="0" anchor="ctr">
+              <a:noAutofit/>
+            </a:bodyPr>
+            <a:lstStyle/>
+            <a:p>
+              <a:pPr algn="r"/>
+              <a:endParaRPr lang="pt-BR"/>
+            </a:p>
+          </p:txBody>
+        </p:sp>
+        <p:sp>
+          <p:nvSpPr>
+            <p:cNvPr id="145" name="Retângulo 144">
+              <a:extLst>
+                <a:ext uri="{FF2B5EF4-FFF2-40B4-BE49-F238E27FC236}">
+                  <a16:creationId xmlns="" xmlns:a16="http://schemas.microsoft.com/office/drawing/2014/main" id="{AAE567ED-5815-4493-B2FA-CE69C8A3E85A}"/>
+                </a:ext>
+              </a:extLst>
+            </p:cNvPr>
+            <p:cNvSpPr/>
+            <p:nvPr/>
+          </p:nvSpPr>
+          <p:spPr>
+            <a:xfrm>
+              <a:off x="7162602" y="5376516"/>
+              <a:ext cx="117585" cy="309258"/>
+            </a:xfrm>
+            <a:prstGeom prst="rect">
+              <a:avLst/>
+            </a:prstGeom>
+            <a:grpFill/>
+            <a:ln>
+              <a:noFill/>
+            </a:ln>
+          </p:spPr>
+          <p:style>
+            <a:lnRef idx="2">
+              <a:schemeClr val="accent1">
+                <a:shade val="50000"/>
+              </a:schemeClr>
+            </a:lnRef>
+            <a:fillRef idx="1">
+              <a:schemeClr val="accent1"/>
+            </a:fillRef>
+            <a:effectRef idx="0">
+              <a:schemeClr val="accent1"/>
+            </a:effectRef>
+            <a:fontRef idx="minor">
+              <a:schemeClr val="lt1"/>
+            </a:fontRef>
+          </p:style>
+          <p:txBody>
+            <a:bodyPr rtlCol="0" anchor="ctr"/>
+            <a:lstStyle/>
+            <a:p>
+              <a:pPr algn="r"/>
+              <a:endParaRPr lang="pt-BR"/>
+            </a:p>
+          </p:txBody>
+        </p:sp>
+      </p:grpSp>
+      <p:grpSp>
+        <p:nvGrpSpPr>
+          <p:cNvPr id="147" name="Grupo 146"/>
+          <p:cNvGrpSpPr/>
+          <p:nvPr/>
+        </p:nvGrpSpPr>
+        <p:grpSpPr>
+          <a:xfrm>
+            <a:off x="6559770" y="3000165"/>
+            <a:ext cx="670352" cy="433019"/>
+            <a:chOff x="6344087" y="5081091"/>
+            <a:chExt cx="936104" cy="604684"/>
+          </a:xfrm>
+          <a:solidFill>
+            <a:srgbClr val="8FFF00"/>
+          </a:solidFill>
+        </p:grpSpPr>
+        <p:sp>
+          <p:nvSpPr>
+            <p:cNvPr id="148" name="Retângulo 147">
+              <a:extLst>
+                <a:ext uri="{FF2B5EF4-FFF2-40B4-BE49-F238E27FC236}">
+                  <a16:creationId xmlns="" xmlns:a16="http://schemas.microsoft.com/office/drawing/2014/main" id="{AAE567ED-5815-4493-B2FA-CE69C8A3E85A}"/>
+                </a:ext>
+              </a:extLst>
+            </p:cNvPr>
+            <p:cNvSpPr/>
+            <p:nvPr/>
+          </p:nvSpPr>
+          <p:spPr>
+            <a:xfrm>
+              <a:off x="6344087" y="5081091"/>
+              <a:ext cx="117585" cy="604683"/>
+            </a:xfrm>
+            <a:prstGeom prst="rect">
+              <a:avLst/>
+            </a:prstGeom>
+            <a:grpFill/>
+            <a:ln>
+              <a:noFill/>
+            </a:ln>
+          </p:spPr>
+          <p:style>
+            <a:lnRef idx="2">
+              <a:schemeClr val="accent1">
+                <a:shade val="50000"/>
+              </a:schemeClr>
+            </a:lnRef>
+            <a:fillRef idx="1">
+              <a:schemeClr val="accent1"/>
+            </a:fillRef>
+            <a:effectRef idx="0">
+              <a:schemeClr val="accent1"/>
+            </a:effectRef>
+            <a:fontRef idx="minor">
+              <a:schemeClr val="lt1"/>
+            </a:fontRef>
+          </p:style>
+          <p:txBody>
+            <a:bodyPr rtlCol="0" anchor="ctr"/>
+            <a:lstStyle/>
+            <a:p>
+              <a:pPr algn="r"/>
+              <a:endParaRPr lang="pt-BR"/>
+            </a:p>
+          </p:txBody>
+        </p:sp>
+        <p:sp>
+          <p:nvSpPr>
+            <p:cNvPr id="149" name="Forma Livre: Forma 49">
+              <a:extLst>
+                <a:ext uri="{FF2B5EF4-FFF2-40B4-BE49-F238E27FC236}">
+                  <a16:creationId xmlns="" xmlns:a16="http://schemas.microsoft.com/office/drawing/2014/main" id="{41453F3A-CCFA-4C9D-AB76-D9A8CED0195A}"/>
+                </a:ext>
+              </a:extLst>
+            </p:cNvPr>
+            <p:cNvSpPr/>
+            <p:nvPr/>
+          </p:nvSpPr>
+          <p:spPr>
+            <a:xfrm>
+              <a:off x="6344087" y="5101850"/>
+              <a:ext cx="529133" cy="549334"/>
+            </a:xfrm>
+            <a:custGeom>
+              <a:avLst/>
+              <a:gdLst/>
+              <a:ahLst/>
+              <a:cxnLst/>
+              <a:rect l="l" t="t" r="r" b="b"/>
+              <a:pathLst>
+                <a:path w="619604" h="549334">
+                  <a:moveTo>
+                    <a:pt x="309802" y="0"/>
+                  </a:moveTo>
+                  <a:cubicBezTo>
+                    <a:pt x="480901" y="0"/>
+                    <a:pt x="619604" y="138704"/>
+                    <a:pt x="619604" y="309802"/>
+                  </a:cubicBezTo>
+                  <a:cubicBezTo>
+                    <a:pt x="619604" y="406936"/>
+                    <a:pt x="574901" y="493629"/>
+                    <a:pt x="504056" y="549334"/>
+                  </a:cubicBezTo>
+                  <a:lnTo>
+                    <a:pt x="504056" y="309802"/>
+                  </a:lnTo>
+                  <a:lnTo>
+                    <a:pt x="481468" y="309802"/>
+                  </a:lnTo>
+                  <a:cubicBezTo>
+                    <a:pt x="481468" y="214993"/>
+                    <a:pt x="404611" y="138137"/>
+                    <a:pt x="309802" y="138137"/>
+                  </a:cubicBezTo>
+                  <a:cubicBezTo>
+                    <a:pt x="214993" y="138137"/>
+                    <a:pt x="138137" y="214993"/>
+                    <a:pt x="138137" y="309802"/>
+                  </a:cubicBezTo>
+                  <a:lnTo>
+                    <a:pt x="0" y="309802"/>
+                  </a:lnTo>
+                  <a:cubicBezTo>
+                    <a:pt x="0" y="138704"/>
+                    <a:pt x="138704" y="0"/>
+                    <a:pt x="309802" y="0"/>
+                  </a:cubicBezTo>
+                  <a:close/>
+                </a:path>
+              </a:pathLst>
+            </a:custGeom>
+            <a:grpFill/>
+            <a:ln>
+              <a:noFill/>
+            </a:ln>
+          </p:spPr>
+          <p:style>
+            <a:lnRef idx="2">
+              <a:schemeClr val="accent1">
+                <a:shade val="50000"/>
+              </a:schemeClr>
+            </a:lnRef>
+            <a:fillRef idx="1">
+              <a:schemeClr val="accent1"/>
+            </a:fillRef>
+            <a:effectRef idx="0">
+              <a:schemeClr val="accent1"/>
+            </a:effectRef>
+            <a:fontRef idx="minor">
+              <a:schemeClr val="lt1"/>
+            </a:fontRef>
+          </p:style>
+          <p:txBody>
+            <a:bodyPr wrap="square" rtlCol="0" anchor="ctr">
+              <a:noAutofit/>
+            </a:bodyPr>
+            <a:lstStyle/>
+            <a:p>
+              <a:pPr algn="r"/>
+              <a:endParaRPr lang="pt-BR"/>
+            </a:p>
+          </p:txBody>
+        </p:sp>
+        <p:sp>
+          <p:nvSpPr>
+            <p:cNvPr id="150" name="Retângulo 149">
+              <a:extLst>
+                <a:ext uri="{FF2B5EF4-FFF2-40B4-BE49-F238E27FC236}">
+                  <a16:creationId xmlns="" xmlns:a16="http://schemas.microsoft.com/office/drawing/2014/main" id="{AAE567ED-5815-4493-B2FA-CE69C8A3E85A}"/>
+                </a:ext>
+              </a:extLst>
+            </p:cNvPr>
+            <p:cNvSpPr/>
+            <p:nvPr/>
+          </p:nvSpPr>
+          <p:spPr>
+            <a:xfrm>
+              <a:off x="6755635" y="5376517"/>
+              <a:ext cx="117585" cy="309258"/>
+            </a:xfrm>
+            <a:prstGeom prst="rect">
+              <a:avLst/>
+            </a:prstGeom>
+            <a:grpFill/>
+            <a:ln>
+              <a:noFill/>
+            </a:ln>
+          </p:spPr>
+          <p:style>
+            <a:lnRef idx="2">
+              <a:schemeClr val="accent1">
+                <a:shade val="50000"/>
+              </a:schemeClr>
+            </a:lnRef>
+            <a:fillRef idx="1">
+              <a:schemeClr val="accent1"/>
+            </a:fillRef>
+            <a:effectRef idx="0">
+              <a:schemeClr val="accent1"/>
+            </a:effectRef>
+            <a:fontRef idx="minor">
+              <a:schemeClr val="lt1"/>
+            </a:fontRef>
+          </p:style>
+          <p:txBody>
+            <a:bodyPr rtlCol="0" anchor="ctr"/>
+            <a:lstStyle/>
+            <a:p>
+              <a:pPr algn="r"/>
+              <a:endParaRPr lang="pt-BR"/>
+            </a:p>
+          </p:txBody>
+        </p:sp>
+        <p:sp>
+          <p:nvSpPr>
+            <p:cNvPr id="151" name="Forma Livre: Forma 49">
+              <a:extLst>
+                <a:ext uri="{FF2B5EF4-FFF2-40B4-BE49-F238E27FC236}">
+                  <a16:creationId xmlns="" xmlns:a16="http://schemas.microsoft.com/office/drawing/2014/main" id="{41453F3A-CCFA-4C9D-AB76-D9A8CED0195A}"/>
+                </a:ext>
+              </a:extLst>
+            </p:cNvPr>
+            <p:cNvSpPr/>
+            <p:nvPr/>
+          </p:nvSpPr>
+          <p:spPr>
+            <a:xfrm>
+              <a:off x="6755635" y="5096150"/>
+              <a:ext cx="524556" cy="549334"/>
+            </a:xfrm>
+            <a:custGeom>
+              <a:avLst/>
+              <a:gdLst/>
+              <a:ahLst/>
+              <a:cxnLst/>
+              <a:rect l="l" t="t" r="r" b="b"/>
+              <a:pathLst>
+                <a:path w="619604" h="549334">
+                  <a:moveTo>
+                    <a:pt x="309802" y="0"/>
+                  </a:moveTo>
+                  <a:cubicBezTo>
+                    <a:pt x="480901" y="0"/>
+                    <a:pt x="619604" y="138704"/>
+                    <a:pt x="619604" y="309802"/>
+                  </a:cubicBezTo>
+                  <a:cubicBezTo>
+                    <a:pt x="619604" y="406936"/>
+                    <a:pt x="574901" y="493629"/>
+                    <a:pt x="504056" y="549334"/>
+                  </a:cubicBezTo>
+                  <a:lnTo>
+                    <a:pt x="504056" y="309802"/>
+                  </a:lnTo>
+                  <a:lnTo>
+                    <a:pt x="481468" y="309802"/>
+                  </a:lnTo>
+                  <a:cubicBezTo>
+                    <a:pt x="481468" y="214993"/>
+                    <a:pt x="404611" y="138137"/>
+                    <a:pt x="309802" y="138137"/>
+                  </a:cubicBezTo>
+                  <a:cubicBezTo>
+                    <a:pt x="214993" y="138137"/>
+                    <a:pt x="138137" y="214993"/>
+                    <a:pt x="138137" y="309802"/>
+                  </a:cubicBezTo>
+                  <a:lnTo>
+                    <a:pt x="0" y="309802"/>
+                  </a:lnTo>
+                  <a:cubicBezTo>
+                    <a:pt x="0" y="138704"/>
+                    <a:pt x="138704" y="0"/>
+                    <a:pt x="309802" y="0"/>
+                  </a:cubicBezTo>
+                  <a:close/>
+                </a:path>
+              </a:pathLst>
+            </a:custGeom>
+            <a:grpFill/>
+            <a:ln>
+              <a:noFill/>
+            </a:ln>
+          </p:spPr>
+          <p:style>
+            <a:lnRef idx="2">
+              <a:schemeClr val="accent1">
+                <a:shade val="50000"/>
+              </a:schemeClr>
+            </a:lnRef>
+            <a:fillRef idx="1">
+              <a:schemeClr val="accent1"/>
+            </a:fillRef>
+            <a:effectRef idx="0">
+              <a:schemeClr val="accent1"/>
+            </a:effectRef>
+            <a:fontRef idx="minor">
+              <a:schemeClr val="lt1"/>
+            </a:fontRef>
+          </p:style>
+          <p:txBody>
+            <a:bodyPr wrap="square" rtlCol="0" anchor="ctr">
+              <a:noAutofit/>
+            </a:bodyPr>
+            <a:lstStyle/>
+            <a:p>
+              <a:pPr algn="r"/>
+              <a:endParaRPr lang="pt-BR"/>
+            </a:p>
+          </p:txBody>
+        </p:sp>
+        <p:sp>
+          <p:nvSpPr>
+            <p:cNvPr id="152" name="Retângulo 151">
+              <a:extLst>
+                <a:ext uri="{FF2B5EF4-FFF2-40B4-BE49-F238E27FC236}">
+                  <a16:creationId xmlns="" xmlns:a16="http://schemas.microsoft.com/office/drawing/2014/main" id="{AAE567ED-5815-4493-B2FA-CE69C8A3E85A}"/>
+                </a:ext>
+              </a:extLst>
+            </p:cNvPr>
+            <p:cNvSpPr/>
+            <p:nvPr/>
+          </p:nvSpPr>
+          <p:spPr>
+            <a:xfrm>
+              <a:off x="7162606" y="5376517"/>
+              <a:ext cx="117585" cy="309258"/>
+            </a:xfrm>
+            <a:prstGeom prst="rect">
+              <a:avLst/>
+            </a:prstGeom>
+            <a:grpFill/>
+            <a:ln>
+              <a:noFill/>
+            </a:ln>
+          </p:spPr>
+          <p:style>
+            <a:lnRef idx="2">
+              <a:schemeClr val="accent1">
+                <a:shade val="50000"/>
+              </a:schemeClr>
+            </a:lnRef>
+            <a:fillRef idx="1">
+              <a:schemeClr val="accent1"/>
+            </a:fillRef>
+            <a:effectRef idx="0">
+              <a:schemeClr val="accent1"/>
+            </a:effectRef>
+            <a:fontRef idx="minor">
+              <a:schemeClr val="lt1"/>
+            </a:fontRef>
+          </p:style>
+          <p:txBody>
+            <a:bodyPr rtlCol="0" anchor="ctr"/>
+            <a:lstStyle/>
+            <a:p>
+              <a:pPr algn="r"/>
+              <a:endParaRPr lang="pt-BR"/>
+            </a:p>
+          </p:txBody>
+        </p:sp>
+      </p:grpSp>
+      <p:grpSp>
+        <p:nvGrpSpPr>
+          <p:cNvPr id="24" name="Grupo 23"/>
+          <p:cNvGrpSpPr/>
+          <p:nvPr/>
+        </p:nvGrpSpPr>
+        <p:grpSpPr>
+          <a:xfrm>
+            <a:off x="7820937" y="3017159"/>
+            <a:ext cx="416409" cy="451471"/>
+            <a:chOff x="8172379" y="3240182"/>
+            <a:chExt cx="367167" cy="381984"/>
+          </a:xfrm>
+          <a:solidFill>
+            <a:srgbClr val="8FFF00"/>
+          </a:solidFill>
+        </p:grpSpPr>
+        <p:grpSp>
+          <p:nvGrpSpPr>
+            <p:cNvPr id="16" name="Grupo 15"/>
+            <p:cNvGrpSpPr/>
+            <p:nvPr/>
+          </p:nvGrpSpPr>
+          <p:grpSpPr>
+            <a:xfrm>
+              <a:off x="8172379" y="3240521"/>
+              <a:ext cx="367167" cy="381645"/>
+              <a:chOff x="8177762" y="3237996"/>
+              <a:chExt cx="367167" cy="381645"/>
+            </a:xfrm>
+            <a:grpFill/>
+          </p:grpSpPr>
+          <p:sp>
+            <p:nvSpPr>
+              <p:cNvPr id="15" name="Semicírculos 14"/>
+              <p:cNvSpPr/>
+              <p:nvPr/>
+            </p:nvSpPr>
+            <p:spPr>
+              <a:xfrm rot="16200000">
+                <a:off x="8249326" y="3177032"/>
+                <a:ext cx="234639" cy="356567"/>
+              </a:xfrm>
+              <a:prstGeom prst="blockArc">
+                <a:avLst>
+                  <a:gd name="adj1" fmla="val 10800000"/>
+                  <a:gd name="adj2" fmla="val 271681"/>
+                  <a:gd name="adj3" fmla="val 37138"/>
+                </a:avLst>
+              </a:prstGeom>
+              <a:grpFill/>
+              <a:ln>
+                <a:noFill/>
+              </a:ln>
+            </p:spPr>
+            <p:style>
+              <a:lnRef idx="2">
+                <a:schemeClr val="accent1">
+                  <a:shade val="50000"/>
+                </a:schemeClr>
+              </a:lnRef>
+              <a:fillRef idx="1">
+                <a:schemeClr val="accent1"/>
+              </a:fillRef>
+              <a:effectRef idx="0">
+                <a:schemeClr val="accent1"/>
+              </a:effectRef>
+              <a:fontRef idx="minor">
+                <a:schemeClr val="lt1"/>
+              </a:fontRef>
+            </p:style>
+            <p:txBody>
+              <a:bodyPr rtlCol="0" anchor="ctr"/>
+              <a:lstStyle/>
+              <a:p>
+                <a:pPr algn="ctr"/>
+                <a:endParaRPr lang="pt-BR">
+                  <a:solidFill>
+                    <a:schemeClr val="tx1"/>
+                  </a:solidFill>
+                </a:endParaRPr>
+              </a:p>
+            </p:txBody>
+          </p:sp>
+          <p:sp>
+            <p:nvSpPr>
+              <p:cNvPr id="133" name="Semicírculos 132"/>
+              <p:cNvSpPr/>
+              <p:nvPr/>
+            </p:nvSpPr>
+            <p:spPr>
+              <a:xfrm rot="5400000">
+                <a:off x="8238726" y="3324038"/>
+                <a:ext cx="234639" cy="356567"/>
+              </a:xfrm>
+              <a:prstGeom prst="blockArc">
+                <a:avLst>
+                  <a:gd name="adj1" fmla="val 10800000"/>
+                  <a:gd name="adj2" fmla="val 271681"/>
+                  <a:gd name="adj3" fmla="val 37138"/>
+                </a:avLst>
+              </a:prstGeom>
+              <a:grpFill/>
+              <a:ln>
+                <a:noFill/>
+              </a:ln>
+            </p:spPr>
+            <p:style>
+              <a:lnRef idx="2">
+                <a:schemeClr val="accent1">
+                  <a:shade val="50000"/>
+                </a:schemeClr>
+              </a:lnRef>
+              <a:fillRef idx="1">
+                <a:schemeClr val="accent1"/>
+              </a:fillRef>
+              <a:effectRef idx="0">
+                <a:schemeClr val="accent1"/>
+              </a:effectRef>
+              <a:fontRef idx="minor">
+                <a:schemeClr val="lt1"/>
+              </a:fontRef>
+            </p:style>
+            <p:txBody>
+              <a:bodyPr rtlCol="0" anchor="ctr"/>
+              <a:lstStyle/>
+              <a:p>
+                <a:pPr algn="ctr"/>
+                <a:endParaRPr lang="pt-BR">
+                  <a:solidFill>
+                    <a:schemeClr val="tx1"/>
+                  </a:solidFill>
+                </a:endParaRPr>
+              </a:p>
+            </p:txBody>
+          </p:sp>
+        </p:grpSp>
+        <p:sp>
+          <p:nvSpPr>
+            <p:cNvPr id="17" name="Retângulo 16"/>
+            <p:cNvSpPr/>
+            <p:nvPr/>
+          </p:nvSpPr>
+          <p:spPr>
+            <a:xfrm>
+              <a:off x="8172400" y="3535097"/>
+              <a:ext cx="188862" cy="87005"/>
+            </a:xfrm>
+            <a:prstGeom prst="rect">
+              <a:avLst/>
+            </a:prstGeom>
+            <a:grpFill/>
+            <a:ln>
+              <a:noFill/>
+            </a:ln>
+          </p:spPr>
+          <p:style>
+            <a:lnRef idx="2">
+              <a:schemeClr val="accent1">
+                <a:shade val="50000"/>
+              </a:schemeClr>
+            </a:lnRef>
+            <a:fillRef idx="1">
+              <a:schemeClr val="accent1"/>
+            </a:fillRef>
+            <a:effectRef idx="0">
+              <a:schemeClr val="accent1"/>
+            </a:effectRef>
+            <a:fontRef idx="minor">
+              <a:schemeClr val="lt1"/>
+            </a:fontRef>
+          </p:style>
+          <p:txBody>
+            <a:bodyPr rtlCol="0" anchor="ctr"/>
+            <a:lstStyle/>
+            <a:p>
+              <a:pPr algn="ctr"/>
+              <a:endParaRPr lang="pt-BR"/>
+            </a:p>
+          </p:txBody>
+        </p:sp>
+        <p:sp>
+          <p:nvSpPr>
+            <p:cNvPr id="134" name="Retângulo 133"/>
+            <p:cNvSpPr/>
+            <p:nvPr/>
+          </p:nvSpPr>
+          <p:spPr>
+            <a:xfrm>
+              <a:off x="8361262" y="3240182"/>
+              <a:ext cx="163462" cy="87005"/>
+            </a:xfrm>
+            <a:prstGeom prst="rect">
+              <a:avLst/>
+            </a:prstGeom>
+            <a:grpFill/>
+            <a:ln>
+              <a:noFill/>
+            </a:ln>
+          </p:spPr>
+          <p:style>
+            <a:lnRef idx="2">
+              <a:schemeClr val="accent1">
+                <a:shade val="50000"/>
+              </a:schemeClr>
+            </a:lnRef>
+            <a:fillRef idx="1">
+              <a:schemeClr val="accent1"/>
+            </a:fillRef>
+            <a:effectRef idx="0">
+              <a:schemeClr val="accent1"/>
+            </a:effectRef>
+            <a:fontRef idx="minor">
+              <a:schemeClr val="lt1"/>
+            </a:fontRef>
+          </p:style>
+          <p:txBody>
+            <a:bodyPr rtlCol="0" anchor="ctr"/>
+            <a:lstStyle/>
+            <a:p>
+              <a:pPr algn="ctr"/>
+              <a:endParaRPr lang="pt-BR"/>
+            </a:p>
+          </p:txBody>
+        </p:sp>
+      </p:grpSp>
+      <p:sp>
+        <p:nvSpPr>
+          <p:cNvPr id="54" name="Retângulo de cantos arredondados 53"/>
+          <p:cNvSpPr/>
+          <p:nvPr/>
+        </p:nvSpPr>
+        <p:spPr>
+          <a:xfrm>
+            <a:off x="7292521" y="3035941"/>
+            <a:ext cx="462132" cy="442065"/>
+          </a:xfrm>
+          <a:custGeom>
+            <a:avLst/>
+            <a:gdLst/>
+            <a:ahLst/>
+            <a:cxnLst/>
+            <a:rect l="l" t="t" r="r" b="b"/>
+            <a:pathLst>
+              <a:path w="462132" h="442065">
+                <a:moveTo>
+                  <a:pt x="0" y="0"/>
+                </a:moveTo>
+                <a:lnTo>
+                  <a:pt x="87050" y="0"/>
+                </a:lnTo>
+                <a:lnTo>
+                  <a:pt x="87050" y="215849"/>
+                </a:lnTo>
+                <a:cubicBezTo>
+                  <a:pt x="87050" y="295387"/>
+                  <a:pt x="151528" y="359865"/>
+                  <a:pt x="231066" y="359865"/>
+                </a:cubicBezTo>
+                <a:cubicBezTo>
+                  <a:pt x="310604" y="359865"/>
+                  <a:pt x="375082" y="295387"/>
+                  <a:pt x="375082" y="215849"/>
+                </a:cubicBezTo>
+                <a:lnTo>
+                  <a:pt x="375082" y="0"/>
+                </a:lnTo>
+                <a:lnTo>
+                  <a:pt x="462132" y="0"/>
+                </a:lnTo>
+                <a:lnTo>
+                  <a:pt x="462132" y="210999"/>
+                </a:lnTo>
+                <a:cubicBezTo>
+                  <a:pt x="462132" y="338613"/>
+                  <a:pt x="358680" y="442065"/>
+                  <a:pt x="231066" y="442065"/>
+                </a:cubicBezTo>
+                <a:cubicBezTo>
+                  <a:pt x="103452" y="442065"/>
+                  <a:pt x="0" y="338613"/>
+                  <a:pt x="0" y="210999"/>
+                </a:cubicBezTo>
+                <a:close/>
+              </a:path>
+            </a:pathLst>
+          </a:custGeom>
+          <a:solidFill>
+            <a:srgbClr val="8FFF00"/>
+          </a:solidFill>
+          <a:ln>
+            <a:noFill/>
+          </a:ln>
+        </p:spPr>
+        <p:style>
+          <a:lnRef idx="2">
+            <a:schemeClr val="accent1">
+              <a:shade val="50000"/>
+            </a:schemeClr>
+          </a:lnRef>
+          <a:fillRef idx="1">
+            <a:schemeClr val="accent1"/>
+          </a:fillRef>
+          <a:effectRef idx="0">
+            <a:schemeClr val="accent1"/>
+          </a:effectRef>
+          <a:fontRef idx="minor">
+            <a:schemeClr val="lt1"/>
+          </a:fontRef>
+        </p:style>
+        <p:txBody>
+          <a:bodyPr rtlCol="0" anchor="ctr"/>
+          <a:lstStyle/>
+          <a:p>
+            <a:pPr algn="ctr"/>
+            <a:endParaRPr lang="pt-BR"/>
+          </a:p>
+        </p:txBody>
+      </p:sp>
+      <p:grpSp>
+        <p:nvGrpSpPr>
+          <p:cNvPr id="157" name="Grupo 156"/>
+          <p:cNvGrpSpPr/>
+          <p:nvPr/>
+        </p:nvGrpSpPr>
+        <p:grpSpPr>
+          <a:xfrm>
+            <a:off x="2721660" y="1398545"/>
+            <a:ext cx="1942254" cy="2174130"/>
+            <a:chOff x="8188351" y="3237996"/>
+            <a:chExt cx="356578" cy="383006"/>
+          </a:xfrm>
+          <a:solidFill>
+            <a:schemeClr val="accent6">
+              <a:lumMod val="60000"/>
+              <a:lumOff val="40000"/>
+            </a:schemeClr>
+          </a:solidFill>
+        </p:grpSpPr>
+        <p:sp>
+          <p:nvSpPr>
+            <p:cNvPr id="160" name="Semicírculos 159"/>
+            <p:cNvSpPr/>
+            <p:nvPr/>
+          </p:nvSpPr>
+          <p:spPr>
+            <a:xfrm rot="16200000">
+              <a:off x="8249326" y="3177032"/>
+              <a:ext cx="234639" cy="356567"/>
+            </a:xfrm>
+            <a:prstGeom prst="blockArc">
+              <a:avLst>
+                <a:gd name="adj1" fmla="val 10800000"/>
+                <a:gd name="adj2" fmla="val 271681"/>
+                <a:gd name="adj3" fmla="val 37138"/>
+              </a:avLst>
+            </a:prstGeom>
+            <a:grpFill/>
+            <a:ln>
+              <a:noFill/>
+            </a:ln>
+          </p:spPr>
+          <p:style>
+            <a:lnRef idx="2">
+              <a:schemeClr val="accent1">
+                <a:shade val="50000"/>
+              </a:schemeClr>
+            </a:lnRef>
+            <a:fillRef idx="1">
+              <a:schemeClr val="accent1"/>
+            </a:fillRef>
+            <a:effectRef idx="0">
+              <a:schemeClr val="accent1"/>
+            </a:effectRef>
+            <a:fontRef idx="minor">
+              <a:schemeClr val="lt1"/>
+            </a:fontRef>
+          </p:style>
+          <p:txBody>
+            <a:bodyPr rtlCol="0" anchor="ctr"/>
+            <a:lstStyle/>
+            <a:p>
+              <a:pPr algn="ctr"/>
+              <a:endParaRPr lang="pt-BR">
+                <a:solidFill>
+                  <a:schemeClr val="tx1"/>
+                </a:solidFill>
+              </a:endParaRPr>
+            </a:p>
+          </p:txBody>
+        </p:sp>
+        <p:sp>
+          <p:nvSpPr>
+            <p:cNvPr id="161" name="Semicírculos 160"/>
+            <p:cNvSpPr/>
+            <p:nvPr/>
+          </p:nvSpPr>
+          <p:spPr>
+            <a:xfrm rot="5400000">
+              <a:off x="8249315" y="3325399"/>
+              <a:ext cx="234639" cy="356567"/>
+            </a:xfrm>
+            <a:prstGeom prst="blockArc">
+              <a:avLst>
+                <a:gd name="adj1" fmla="val 10642770"/>
+                <a:gd name="adj2" fmla="val 271681"/>
+                <a:gd name="adj3" fmla="val 37138"/>
+              </a:avLst>
+            </a:prstGeom>
+            <a:grpFill/>
+            <a:ln>
+              <a:noFill/>
+            </a:ln>
+          </p:spPr>
+          <p:style>
+            <a:lnRef idx="2">
+              <a:schemeClr val="accent1">
+                <a:shade val="50000"/>
+              </a:schemeClr>
+            </a:lnRef>
+            <a:fillRef idx="1">
+              <a:schemeClr val="accent1"/>
+            </a:fillRef>
+            <a:effectRef idx="0">
+              <a:schemeClr val="accent1"/>
+            </a:effectRef>
+            <a:fontRef idx="minor">
+              <a:schemeClr val="lt1"/>
+            </a:fontRef>
+          </p:style>
+          <p:txBody>
+            <a:bodyPr rtlCol="0" anchor="ctr"/>
+            <a:lstStyle/>
+            <a:p>
+              <a:pPr algn="ctr"/>
+              <a:endParaRPr lang="pt-BR">
+                <a:solidFill>
+                  <a:schemeClr val="tx1"/>
+                </a:solidFill>
+              </a:endParaRPr>
+            </a:p>
+          </p:txBody>
+        </p:sp>
+      </p:grpSp>
+      <p:sp>
+        <p:nvSpPr>
+          <p:cNvPr id="158" name="Retângulo 157"/>
+          <p:cNvSpPr/>
+          <p:nvPr/>
+        </p:nvSpPr>
+        <p:spPr>
+          <a:xfrm>
+            <a:off x="2669689" y="3075511"/>
+            <a:ext cx="1028717" cy="493883"/>
+          </a:xfrm>
+          <a:prstGeom prst="rect">
+            <a:avLst/>
+          </a:prstGeom>
+          <a:solidFill>
+            <a:schemeClr val="accent6">
+              <a:lumMod val="60000"/>
+              <a:lumOff val="40000"/>
+            </a:schemeClr>
+          </a:solidFill>
+          <a:ln>
+            <a:noFill/>
+          </a:ln>
+        </p:spPr>
+        <p:style>
+          <a:lnRef idx="2">
+            <a:schemeClr val="accent1">
+              <a:shade val="50000"/>
+            </a:schemeClr>
+          </a:lnRef>
+          <a:fillRef idx="1">
+            <a:schemeClr val="accent1"/>
+          </a:fillRef>
+          <a:effectRef idx="0">
+            <a:schemeClr val="accent1"/>
+          </a:effectRef>
+          <a:fontRef idx="minor">
+            <a:schemeClr val="lt1"/>
+          </a:fontRef>
+        </p:style>
+        <p:txBody>
+          <a:bodyPr rtlCol="0" anchor="ctr"/>
+          <a:lstStyle/>
+          <a:p>
+            <a:pPr algn="ctr"/>
+            <a:endParaRPr lang="pt-BR"/>
+          </a:p>
+        </p:txBody>
+      </p:sp>
+      <p:sp>
+        <p:nvSpPr>
+          <p:cNvPr id="159" name="Retângulo 158"/>
+          <p:cNvSpPr/>
+          <p:nvPr/>
+        </p:nvSpPr>
+        <p:spPr>
+          <a:xfrm>
+            <a:off x="3692806" y="1398546"/>
+            <a:ext cx="890365" cy="493883"/>
+          </a:xfrm>
+          <a:prstGeom prst="rect">
+            <a:avLst/>
+          </a:prstGeom>
+          <a:solidFill>
+            <a:schemeClr val="accent6">
+              <a:lumMod val="60000"/>
+              <a:lumOff val="40000"/>
+            </a:schemeClr>
+          </a:solidFill>
+          <a:ln>
+            <a:noFill/>
+          </a:ln>
+        </p:spPr>
+        <p:style>
+          <a:lnRef idx="2">
+            <a:schemeClr val="accent1">
+              <a:shade val="50000"/>
+            </a:schemeClr>
+          </a:lnRef>
+          <a:fillRef idx="1">
+            <a:schemeClr val="accent1"/>
+          </a:fillRef>
+          <a:effectRef idx="0">
+            <a:schemeClr val="accent1"/>
+          </a:effectRef>
+          <a:fontRef idx="minor">
+            <a:schemeClr val="lt1"/>
+          </a:fontRef>
+        </p:style>
+        <p:txBody>
+          <a:bodyPr rtlCol="0" anchor="ctr"/>
+          <a:lstStyle/>
+          <a:p>
+            <a:pPr algn="ctr"/>
+            <a:endParaRPr lang="pt-BR"/>
+          </a:p>
+        </p:txBody>
+      </p:sp>
+      <p:sp>
+        <p:nvSpPr>
+          <p:cNvPr id="57" name="Elipse 56"/>
+          <p:cNvSpPr/>
+          <p:nvPr/>
+        </p:nvSpPr>
+        <p:spPr>
+          <a:xfrm>
+            <a:off x="4353901" y="1398546"/>
+            <a:ext cx="493883" cy="493883"/>
+          </a:xfrm>
+          <a:prstGeom prst="ellipse">
+            <a:avLst/>
+          </a:prstGeom>
+          <a:solidFill>
+            <a:schemeClr val="accent6">
+              <a:lumMod val="60000"/>
+              <a:lumOff val="40000"/>
+            </a:schemeClr>
+          </a:solidFill>
+          <a:ln>
+            <a:noFill/>
+          </a:ln>
+        </p:spPr>
+        <p:style>
+          <a:lnRef idx="2">
+            <a:schemeClr val="accent1">
+              <a:shade val="50000"/>
+            </a:schemeClr>
+          </a:lnRef>
+          <a:fillRef idx="1">
+            <a:schemeClr val="accent1"/>
+          </a:fillRef>
+          <a:effectRef idx="0">
+            <a:schemeClr val="accent1"/>
+          </a:effectRef>
+          <a:fontRef idx="minor">
+            <a:schemeClr val="lt1"/>
+          </a:fontRef>
+        </p:style>
+        <p:txBody>
+          <a:bodyPr rtlCol="0" anchor="ctr"/>
+          <a:lstStyle/>
+          <a:p>
+            <a:pPr algn="ctr"/>
+            <a:endParaRPr lang="pt-BR"/>
+          </a:p>
+        </p:txBody>
+      </p:sp>
+      <p:sp>
+        <p:nvSpPr>
+          <p:cNvPr id="162" name="Elipse 161"/>
+          <p:cNvSpPr/>
+          <p:nvPr/>
+        </p:nvSpPr>
+        <p:spPr>
+          <a:xfrm>
+            <a:off x="2444409" y="3073331"/>
+            <a:ext cx="493883" cy="493883"/>
+          </a:xfrm>
+          <a:prstGeom prst="ellipse">
+            <a:avLst/>
+          </a:prstGeom>
+          <a:solidFill>
+            <a:schemeClr val="accent6">
+              <a:lumMod val="60000"/>
+              <a:lumOff val="40000"/>
+            </a:schemeClr>
+          </a:solidFill>
+          <a:ln>
+            <a:noFill/>
+          </a:ln>
+        </p:spPr>
+        <p:style>
+          <a:lnRef idx="2">
+            <a:schemeClr val="accent1">
+              <a:shade val="50000"/>
+            </a:schemeClr>
+          </a:lnRef>
+          <a:fillRef idx="1">
+            <a:schemeClr val="accent1"/>
+          </a:fillRef>
+          <a:effectRef idx="0">
+            <a:schemeClr val="accent1"/>
+          </a:effectRef>
+          <a:fontRef idx="minor">
+            <a:schemeClr val="lt1"/>
+          </a:fontRef>
+        </p:style>
+        <p:txBody>
+          <a:bodyPr rtlCol="0" anchor="ctr"/>
+          <a:lstStyle/>
+          <a:p>
+            <a:pPr algn="ctr"/>
+            <a:endParaRPr lang="pt-BR"/>
+          </a:p>
+        </p:txBody>
+      </p:sp>
+      <p:grpSp>
+        <p:nvGrpSpPr>
+          <p:cNvPr id="97" name="Grupo 96"/>
+          <p:cNvGrpSpPr/>
+          <p:nvPr/>
+        </p:nvGrpSpPr>
+        <p:grpSpPr>
+          <a:xfrm>
+            <a:off x="4166833" y="1305812"/>
+            <a:ext cx="771588" cy="395697"/>
+            <a:chOff x="4166833" y="1305812"/>
+            <a:chExt cx="771588" cy="395697"/>
+          </a:xfrm>
+        </p:grpSpPr>
+        <p:sp>
+          <p:nvSpPr>
+            <p:cNvPr id="178" name="Elipse 177"/>
+            <p:cNvSpPr/>
+            <p:nvPr/>
+          </p:nvSpPr>
+          <p:spPr>
+            <a:xfrm rot="20700000">
+              <a:off x="4584939" y="1305812"/>
+              <a:ext cx="353482" cy="353483"/>
+            </a:xfrm>
+            <a:prstGeom prst="ellipse">
+              <a:avLst/>
+            </a:prstGeom>
+            <a:solidFill>
+              <a:schemeClr val="accent5">
+                <a:lumMod val="20000"/>
+                <a:lumOff val="80000"/>
+              </a:schemeClr>
+            </a:solidFill>
+            <a:ln>
+              <a:noFill/>
+            </a:ln>
+          </p:spPr>
+          <p:style>
+            <a:lnRef idx="2">
+              <a:schemeClr val="accent1">
+                <a:shade val="50000"/>
+              </a:schemeClr>
+            </a:lnRef>
+            <a:fillRef idx="1">
+              <a:schemeClr val="accent1"/>
+            </a:fillRef>
+            <a:effectRef idx="0">
+              <a:schemeClr val="accent1"/>
+            </a:effectRef>
+            <a:fontRef idx="minor">
+              <a:schemeClr val="lt1"/>
+            </a:fontRef>
+          </p:style>
+          <p:txBody>
+            <a:bodyPr rtlCol="0" anchor="ctr"/>
+            <a:lstStyle/>
+            <a:p>
+              <a:pPr algn="ctr"/>
+              <a:endParaRPr lang="pt-BR"/>
+            </a:p>
+          </p:txBody>
+        </p:sp>
+        <p:grpSp>
+          <p:nvGrpSpPr>
+            <p:cNvPr id="67" name="Grupo 66"/>
+            <p:cNvGrpSpPr/>
+            <p:nvPr/>
+          </p:nvGrpSpPr>
+          <p:grpSpPr>
+            <a:xfrm>
+              <a:off x="4166833" y="1348026"/>
+              <a:ext cx="672681" cy="353483"/>
+              <a:chOff x="4518300" y="1489126"/>
+              <a:chExt cx="672681" cy="353483"/>
+            </a:xfrm>
+          </p:grpSpPr>
+          <p:grpSp>
+            <p:nvGrpSpPr>
+              <p:cNvPr id="5" name="Grupo 4"/>
+              <p:cNvGrpSpPr/>
+              <p:nvPr/>
+            </p:nvGrpSpPr>
+            <p:grpSpPr>
+              <a:xfrm rot="20700000" flipH="1">
+                <a:off x="4518300" y="1489126"/>
+                <a:ext cx="672681" cy="353483"/>
+                <a:chOff x="2259988" y="980727"/>
+                <a:chExt cx="1096259" cy="576063"/>
+              </a:xfrm>
+            </p:grpSpPr>
+            <p:sp>
+              <p:nvSpPr>
+                <p:cNvPr id="11" name="Elipse 4"/>
+                <p:cNvSpPr/>
+                <p:nvPr/>
+              </p:nvSpPr>
+              <p:spPr>
+                <a:xfrm>
+                  <a:off x="2259988" y="1156672"/>
+                  <a:ext cx="345500" cy="345640"/>
+                </a:xfrm>
+                <a:custGeom>
+                  <a:avLst/>
+                  <a:gdLst/>
+                  <a:ahLst/>
+                  <a:cxnLst/>
+                  <a:rect l="l" t="t" r="r" b="b"/>
+                  <a:pathLst>
+                    <a:path w="431875" h="432048">
+                      <a:moveTo>
+                        <a:pt x="215851" y="0"/>
+                      </a:moveTo>
+                      <a:cubicBezTo>
+                        <a:pt x="335158" y="0"/>
+                        <a:pt x="431875" y="96717"/>
+                        <a:pt x="431875" y="216024"/>
+                      </a:cubicBezTo>
+                      <a:cubicBezTo>
+                        <a:pt x="431875" y="335331"/>
+                        <a:pt x="335158" y="432048"/>
+                        <a:pt x="215851" y="432048"/>
+                      </a:cubicBezTo>
+                      <a:cubicBezTo>
+                        <a:pt x="148977" y="432048"/>
+                        <a:pt x="89200" y="401661"/>
+                        <a:pt x="51833" y="352066"/>
+                      </a:cubicBezTo>
+                      <a:lnTo>
+                        <a:pt x="149777" y="254121"/>
+                      </a:lnTo>
+                      <a:lnTo>
+                        <a:pt x="0" y="214307"/>
+                      </a:lnTo>
+                      <a:cubicBezTo>
+                        <a:pt x="757" y="95790"/>
+                        <a:pt x="97117" y="0"/>
+                        <a:pt x="215851" y="0"/>
+                      </a:cubicBezTo>
+                      <a:close/>
+                    </a:path>
+                  </a:pathLst>
+                </a:custGeom>
+                <a:solidFill>
+                  <a:schemeClr val="tx1">
+                    <a:lumMod val="75000"/>
+                    <a:lumOff val="25000"/>
+                  </a:schemeClr>
+                </a:solidFill>
+                <a:ln>
+                  <a:noFill/>
+                </a:ln>
+              </p:spPr>
+              <p:style>
+                <a:lnRef idx="2">
+                  <a:schemeClr val="accent1">
+                    <a:shade val="50000"/>
+                  </a:schemeClr>
+                </a:lnRef>
+                <a:fillRef idx="1">
+                  <a:schemeClr val="accent1"/>
+                </a:fillRef>
+                <a:effectRef idx="0">
+                  <a:schemeClr val="accent1"/>
+                </a:effectRef>
+                <a:fontRef idx="minor">
+                  <a:schemeClr val="lt1"/>
+                </a:fontRef>
+              </p:style>
+              <p:txBody>
+                <a:bodyPr rtlCol="0" anchor="ctr"/>
+                <a:lstStyle/>
+                <a:p>
+                  <a:pPr algn="ctr"/>
+                  <a:endParaRPr lang="pt-BR"/>
+                </a:p>
+              </p:txBody>
+            </p:sp>
+            <p:grpSp>
+              <p:nvGrpSpPr>
+                <p:cNvPr id="7" name="Grupo 6"/>
+                <p:cNvGrpSpPr/>
+                <p:nvPr/>
+              </p:nvGrpSpPr>
+              <p:grpSpPr>
+                <a:xfrm flipH="1">
+                  <a:off x="2780183" y="980727"/>
+                  <a:ext cx="576064" cy="576063"/>
+                  <a:chOff x="2195736" y="980728"/>
+                  <a:chExt cx="720080" cy="720080"/>
+                </a:xfrm>
+              </p:grpSpPr>
+              <p:sp>
+                <p:nvSpPr>
+                  <p:cNvPr id="8" name="Elipse 7"/>
+                  <p:cNvSpPr/>
+                  <p:nvPr/>
+                </p:nvSpPr>
+                <p:spPr>
+                  <a:xfrm>
+                    <a:off x="2195736" y="980728"/>
+                    <a:ext cx="720080" cy="720080"/>
+                  </a:xfrm>
+                  <a:prstGeom prst="ellipse">
+                    <a:avLst/>
+                  </a:prstGeom>
+                  <a:solidFill>
+                    <a:schemeClr val="accent5">
+                      <a:lumMod val="20000"/>
+                      <a:lumOff val="80000"/>
+                    </a:schemeClr>
+                  </a:solidFill>
+                  <a:ln>
+                    <a:noFill/>
+                  </a:ln>
+                </p:spPr>
+                <p:style>
+                  <a:lnRef idx="2">
+                    <a:schemeClr val="accent1">
+                      <a:shade val="50000"/>
+                    </a:schemeClr>
+                  </a:lnRef>
+                  <a:fillRef idx="1">
+                    <a:schemeClr val="accent1"/>
+                  </a:fillRef>
+                  <a:effectRef idx="0">
+                    <a:schemeClr val="accent1"/>
+                  </a:effectRef>
+                  <a:fontRef idx="minor">
+                    <a:schemeClr val="lt1"/>
+                  </a:fontRef>
+                </p:style>
+                <p:txBody>
+                  <a:bodyPr rtlCol="0" anchor="ctr"/>
+                  <a:lstStyle/>
+                  <a:p>
+                    <a:pPr algn="ctr"/>
+                    <a:endParaRPr lang="pt-BR"/>
+                  </a:p>
+                </p:txBody>
+              </p:sp>
+              <p:sp>
+                <p:nvSpPr>
+                  <p:cNvPr id="9" name="Elipse 4"/>
+                  <p:cNvSpPr/>
+                  <p:nvPr/>
+                </p:nvSpPr>
+                <p:spPr>
+                  <a:xfrm flipH="1">
+                    <a:off x="2411934" y="1124744"/>
+                    <a:ext cx="431875" cy="432048"/>
+                  </a:xfrm>
+                  <a:custGeom>
+                    <a:avLst/>
+                    <a:gdLst/>
+                    <a:ahLst/>
+                    <a:cxnLst/>
+                    <a:rect l="l" t="t" r="r" b="b"/>
+                    <a:pathLst>
+                      <a:path w="431875" h="432048">
+                        <a:moveTo>
+                          <a:pt x="215851" y="0"/>
+                        </a:moveTo>
+                        <a:cubicBezTo>
+                          <a:pt x="335158" y="0"/>
+                          <a:pt x="431875" y="96717"/>
+                          <a:pt x="431875" y="216024"/>
+                        </a:cubicBezTo>
+                        <a:cubicBezTo>
+                          <a:pt x="431875" y="335331"/>
+                          <a:pt x="335158" y="432048"/>
+                          <a:pt x="215851" y="432048"/>
+                        </a:cubicBezTo>
+                        <a:cubicBezTo>
+                          <a:pt x="148977" y="432048"/>
+                          <a:pt x="89200" y="401661"/>
+                          <a:pt x="51833" y="352066"/>
+                        </a:cubicBezTo>
+                        <a:lnTo>
+                          <a:pt x="149777" y="254121"/>
+                        </a:lnTo>
+                        <a:lnTo>
+                          <a:pt x="0" y="214307"/>
+                        </a:lnTo>
+                        <a:cubicBezTo>
+                          <a:pt x="757" y="95790"/>
+                          <a:pt x="97117" y="0"/>
+                          <a:pt x="215851" y="0"/>
+                        </a:cubicBezTo>
+                        <a:close/>
+                      </a:path>
+                    </a:pathLst>
+                  </a:custGeom>
+                  <a:solidFill>
+                    <a:schemeClr val="tx1">
+                      <a:lumMod val="75000"/>
+                      <a:lumOff val="25000"/>
+                    </a:schemeClr>
+                  </a:solidFill>
+                  <a:ln>
+                    <a:noFill/>
+                  </a:ln>
+                </p:spPr>
+                <p:style>
+                  <a:lnRef idx="2">
+                    <a:schemeClr val="accent1">
+                      <a:shade val="50000"/>
+                    </a:schemeClr>
+                  </a:lnRef>
+                  <a:fillRef idx="1">
+                    <a:schemeClr val="accent1"/>
+                  </a:fillRef>
+                  <a:effectRef idx="0">
+                    <a:schemeClr val="accent1"/>
+                  </a:effectRef>
+                  <a:fontRef idx="minor">
+                    <a:schemeClr val="lt1"/>
+                  </a:fontRef>
+                </p:style>
+                <p:txBody>
+                  <a:bodyPr rtlCol="0" anchor="ctr"/>
+                  <a:lstStyle/>
+                  <a:p>
+                    <a:pPr algn="ctr"/>
+                    <a:endParaRPr lang="pt-BR"/>
+                  </a:p>
+                </p:txBody>
+              </p:sp>
+            </p:grpSp>
+          </p:grpSp>
+          <p:sp>
+            <p:nvSpPr>
+              <p:cNvPr id="63" name="Arco 62"/>
+              <p:cNvSpPr/>
+              <p:nvPr/>
+            </p:nvSpPr>
+            <p:spPr>
+              <a:xfrm rot="7582384">
+                <a:off x="4870492" y="1725671"/>
+                <a:ext cx="92890" cy="92890"/>
+              </a:xfrm>
+              <a:prstGeom prst="arc">
+                <a:avLst/>
+              </a:prstGeom>
+              <a:ln w="12700">
+                <a:solidFill>
+                  <a:schemeClr val="tx1">
+                    <a:lumMod val="75000"/>
+                    <a:lumOff val="25000"/>
+                  </a:schemeClr>
+                </a:solidFill>
+              </a:ln>
+            </p:spPr>
+            <p:style>
+              <a:lnRef idx="1">
+                <a:schemeClr val="accent1"/>
+              </a:lnRef>
+              <a:fillRef idx="0">
+                <a:schemeClr val="accent1"/>
+              </a:fillRef>
+              <a:effectRef idx="0">
+                <a:schemeClr val="accent1"/>
+              </a:effectRef>
+              <a:fontRef idx="minor">
+                <a:schemeClr val="tx1"/>
+              </a:fontRef>
+            </p:style>
+            <p:txBody>
+              <a:bodyPr rtlCol="0" anchor="ctr"/>
+              <a:lstStyle/>
+              <a:p>
+                <a:pPr algn="ctr"/>
+                <a:endParaRPr lang="pt-BR"/>
+              </a:p>
+            </p:txBody>
+          </p:sp>
+        </p:grpSp>
+      </p:grpSp>
     </p:spTree>
     <p:extLst>
       <p:ext uri="{BB962C8B-B14F-4D97-AF65-F5344CB8AC3E}">
@@ -11305,6 +10970,36 @@
       </p:par>
     </p:tnLst>
   </p:timing>
+</p:sld>
+</file>
+
+<file path=ppt/slides/slide3.xml><?xml version="1.0" encoding="utf-8"?>
+<p:sld xmlns:a="http://schemas.openxmlformats.org/drawingml/2006/main" xmlns:r="http://schemas.openxmlformats.org/officeDocument/2006/relationships" xmlns:p="http://schemas.openxmlformats.org/presentationml/2006/main">
+  <p:cSld>
+    <p:spTree>
+      <p:nvGrpSpPr>
+        <p:cNvPr id="1" name=""/>
+        <p:cNvGrpSpPr/>
+        <p:nvPr/>
+      </p:nvGrpSpPr>
+      <p:grpSpPr>
+        <a:xfrm>
+          <a:off x="0" y="0"/>
+          <a:ext cx="0" cy="0"/>
+          <a:chOff x="0" y="0"/>
+          <a:chExt cx="0" cy="0"/>
+        </a:xfrm>
+      </p:grpSpPr>
+    </p:spTree>
+    <p:extLst>
+      <p:ext uri="{BB962C8B-B14F-4D97-AF65-F5344CB8AC3E}">
+        <p14:creationId xmlns:p14="http://schemas.microsoft.com/office/powerpoint/2010/main" val="1613981036"/>
+      </p:ext>
+    </p:extLst>
+  </p:cSld>
+  <p:clrMapOvr>
+    <a:masterClrMapping/>
+  </p:clrMapOvr>
 </p:sld>
 </file>
 
